--- a/docs/Презентация в стиле КФУ.pptx
+++ b/docs/Презентация в стиле КФУ.pptx
@@ -5,19 +5,24 @@
     <p:sldMasterId id="2147483648" r:id="rId4"/>
   </p:sldMasterIdLst>
   <p:notesMasterIdLst>
-    <p:notesMasterId r:id="rId15"/>
+    <p:notesMasterId r:id="rId20"/>
   </p:notesMasterIdLst>
   <p:sldIdLst>
     <p:sldId id="271" r:id="rId5"/>
     <p:sldId id="299" r:id="rId6"/>
     <p:sldId id="273" r:id="rId7"/>
-    <p:sldId id="317" r:id="rId8"/>
-    <p:sldId id="316" r:id="rId9"/>
-    <p:sldId id="313" r:id="rId10"/>
-    <p:sldId id="300" r:id="rId11"/>
-    <p:sldId id="315" r:id="rId12"/>
-    <p:sldId id="312" r:id="rId13"/>
-    <p:sldId id="289" r:id="rId14"/>
+    <p:sldId id="313" r:id="rId8"/>
+    <p:sldId id="314" r:id="rId9"/>
+    <p:sldId id="315" r:id="rId10"/>
+    <p:sldId id="316" r:id="rId11"/>
+    <p:sldId id="317" r:id="rId12"/>
+    <p:sldId id="318" r:id="rId13"/>
+    <p:sldId id="319" r:id="rId14"/>
+    <p:sldId id="320" r:id="rId15"/>
+    <p:sldId id="321" r:id="rId16"/>
+    <p:sldId id="322" r:id="rId17"/>
+    <p:sldId id="323" r:id="rId18"/>
+    <p:sldId id="289" r:id="rId19"/>
   </p:sldIdLst>
   <p:sldSz cx="9144000" cy="5143500" type="screen16x9"/>
   <p:notesSz cx="6858000" cy="9144000"/>
@@ -1646,7 +1651,7 @@
           <a:p>
             <a:fld id="{E9B440D3-7956-497E-AF18-4AD951830EA1}" type="datetimeFigureOut">
               <a:rPr lang="ru-RU" smtClean="0"/>
-              <a:t>31.05.2024</a:t>
+              <a:t>03.06.2024</a:t>
             </a:fld>
             <a:endParaRPr lang="ru-RU"/>
           </a:p>
@@ -2000,6 +2005,438 @@
 </p:notes>
 </file>
 
+<file path=ppt/notesSlides/notesSlide10.xml><?xml version="1.0" encoding="utf-8"?>
+<p:notes xmlns:a="http://schemas.openxmlformats.org/drawingml/2006/main" xmlns:r="http://schemas.openxmlformats.org/officeDocument/2006/relationships" xmlns:p="http://schemas.openxmlformats.org/presentationml/2006/main">
+  <p:cSld>
+    <p:spTree>
+      <p:nvGrpSpPr>
+        <p:cNvPr id="1" name=""/>
+        <p:cNvGrpSpPr/>
+        <p:nvPr/>
+      </p:nvGrpSpPr>
+      <p:grpSpPr>
+        <a:xfrm>
+          <a:off x="0" y="0"/>
+          <a:ext cx="0" cy="0"/>
+          <a:chOff x="0" y="0"/>
+          <a:chExt cx="0" cy="0"/>
+        </a:xfrm>
+      </p:grpSpPr>
+      <p:sp>
+        <p:nvSpPr>
+          <p:cNvPr id="2" name="Образ слайда 1"/>
+          <p:cNvSpPr>
+            <a:spLocks noGrp="1" noRot="1" noChangeAspect="1"/>
+          </p:cNvSpPr>
+          <p:nvPr>
+            <p:ph type="sldImg"/>
+          </p:nvPr>
+        </p:nvSpPr>
+        <p:spPr/>
+      </p:sp>
+      <p:sp>
+        <p:nvSpPr>
+          <p:cNvPr id="3" name="Заметки 2"/>
+          <p:cNvSpPr>
+            <a:spLocks noGrp="1"/>
+          </p:cNvSpPr>
+          <p:nvPr>
+            <p:ph type="body" idx="1"/>
+          </p:nvPr>
+        </p:nvSpPr>
+        <p:spPr/>
+        <p:txBody>
+          <a:bodyPr/>
+          <a:lstStyle/>
+          <a:p>
+            <a:pPr marL="0" indent="0">
+              <a:buNone/>
+            </a:pPr>
+            <a:endParaRPr lang="ru-RU"/>
+          </a:p>
+        </p:txBody>
+      </p:sp>
+      <p:sp>
+        <p:nvSpPr>
+          <p:cNvPr id="4" name="Номер слайда 3"/>
+          <p:cNvSpPr>
+            <a:spLocks noGrp="1"/>
+          </p:cNvSpPr>
+          <p:nvPr>
+            <p:ph type="sldNum" sz="quarter" idx="10"/>
+          </p:nvPr>
+        </p:nvSpPr>
+        <p:spPr/>
+        <p:txBody>
+          <a:bodyPr/>
+          <a:lstStyle/>
+          <a:p>
+            <a:fld id="{67A570D4-9143-4E91-8959-8D963457B763}" type="slidenum">
+              <a:rPr lang="ru-RU" smtClean="0"/>
+              <a:t>11</a:t>
+            </a:fld>
+            <a:endParaRPr lang="ru-RU"/>
+          </a:p>
+        </p:txBody>
+      </p:sp>
+    </p:spTree>
+    <p:extLst>
+      <p:ext uri="{BB962C8B-B14F-4D97-AF65-F5344CB8AC3E}">
+        <p14:creationId xmlns:p14="http://schemas.microsoft.com/office/powerpoint/2010/main" val="1445460852"/>
+      </p:ext>
+    </p:extLst>
+  </p:cSld>
+  <p:clrMapOvr>
+    <a:masterClrMapping/>
+  </p:clrMapOvr>
+</p:notes>
+</file>
+
+<file path=ppt/notesSlides/notesSlide11.xml><?xml version="1.0" encoding="utf-8"?>
+<p:notes xmlns:a="http://schemas.openxmlformats.org/drawingml/2006/main" xmlns:r="http://schemas.openxmlformats.org/officeDocument/2006/relationships" xmlns:p="http://schemas.openxmlformats.org/presentationml/2006/main">
+  <p:cSld>
+    <p:spTree>
+      <p:nvGrpSpPr>
+        <p:cNvPr id="1" name=""/>
+        <p:cNvGrpSpPr/>
+        <p:nvPr/>
+      </p:nvGrpSpPr>
+      <p:grpSpPr>
+        <a:xfrm>
+          <a:off x="0" y="0"/>
+          <a:ext cx="0" cy="0"/>
+          <a:chOff x="0" y="0"/>
+          <a:chExt cx="0" cy="0"/>
+        </a:xfrm>
+      </p:grpSpPr>
+      <p:sp>
+        <p:nvSpPr>
+          <p:cNvPr id="2" name="Образ слайда 1"/>
+          <p:cNvSpPr>
+            <a:spLocks noGrp="1" noRot="1" noChangeAspect="1"/>
+          </p:cNvSpPr>
+          <p:nvPr>
+            <p:ph type="sldImg"/>
+          </p:nvPr>
+        </p:nvSpPr>
+        <p:spPr/>
+      </p:sp>
+      <p:sp>
+        <p:nvSpPr>
+          <p:cNvPr id="3" name="Заметки 2"/>
+          <p:cNvSpPr>
+            <a:spLocks noGrp="1"/>
+          </p:cNvSpPr>
+          <p:nvPr>
+            <p:ph type="body" idx="1"/>
+          </p:nvPr>
+        </p:nvSpPr>
+        <p:spPr/>
+        <p:txBody>
+          <a:bodyPr/>
+          <a:lstStyle/>
+          <a:p>
+            <a:pPr marL="0" indent="0">
+              <a:buNone/>
+            </a:pPr>
+            <a:endParaRPr lang="ru-RU"/>
+          </a:p>
+        </p:txBody>
+      </p:sp>
+      <p:sp>
+        <p:nvSpPr>
+          <p:cNvPr id="4" name="Номер слайда 3"/>
+          <p:cNvSpPr>
+            <a:spLocks noGrp="1"/>
+          </p:cNvSpPr>
+          <p:nvPr>
+            <p:ph type="sldNum" sz="quarter" idx="10"/>
+          </p:nvPr>
+        </p:nvSpPr>
+        <p:spPr/>
+        <p:txBody>
+          <a:bodyPr/>
+          <a:lstStyle/>
+          <a:p>
+            <a:fld id="{67A570D4-9143-4E91-8959-8D963457B763}" type="slidenum">
+              <a:rPr lang="ru-RU" smtClean="0"/>
+              <a:t>12</a:t>
+            </a:fld>
+            <a:endParaRPr lang="ru-RU"/>
+          </a:p>
+        </p:txBody>
+      </p:sp>
+    </p:spTree>
+    <p:extLst>
+      <p:ext uri="{BB962C8B-B14F-4D97-AF65-F5344CB8AC3E}">
+        <p14:creationId xmlns:p14="http://schemas.microsoft.com/office/powerpoint/2010/main" val="192956011"/>
+      </p:ext>
+    </p:extLst>
+  </p:cSld>
+  <p:clrMapOvr>
+    <a:masterClrMapping/>
+  </p:clrMapOvr>
+</p:notes>
+</file>
+
+<file path=ppt/notesSlides/notesSlide12.xml><?xml version="1.0" encoding="utf-8"?>
+<p:notes xmlns:a="http://schemas.openxmlformats.org/drawingml/2006/main" xmlns:r="http://schemas.openxmlformats.org/officeDocument/2006/relationships" xmlns:p="http://schemas.openxmlformats.org/presentationml/2006/main">
+  <p:cSld>
+    <p:spTree>
+      <p:nvGrpSpPr>
+        <p:cNvPr id="1" name=""/>
+        <p:cNvGrpSpPr/>
+        <p:nvPr/>
+      </p:nvGrpSpPr>
+      <p:grpSpPr>
+        <a:xfrm>
+          <a:off x="0" y="0"/>
+          <a:ext cx="0" cy="0"/>
+          <a:chOff x="0" y="0"/>
+          <a:chExt cx="0" cy="0"/>
+        </a:xfrm>
+      </p:grpSpPr>
+      <p:sp>
+        <p:nvSpPr>
+          <p:cNvPr id="2" name="Образ слайда 1"/>
+          <p:cNvSpPr>
+            <a:spLocks noGrp="1" noRot="1" noChangeAspect="1"/>
+          </p:cNvSpPr>
+          <p:nvPr>
+            <p:ph type="sldImg"/>
+          </p:nvPr>
+        </p:nvSpPr>
+        <p:spPr/>
+      </p:sp>
+      <p:sp>
+        <p:nvSpPr>
+          <p:cNvPr id="3" name="Заметки 2"/>
+          <p:cNvSpPr>
+            <a:spLocks noGrp="1"/>
+          </p:cNvSpPr>
+          <p:nvPr>
+            <p:ph type="body" idx="1"/>
+          </p:nvPr>
+        </p:nvSpPr>
+        <p:spPr/>
+        <p:txBody>
+          <a:bodyPr/>
+          <a:lstStyle/>
+          <a:p>
+            <a:pPr marL="0" indent="0">
+              <a:buNone/>
+            </a:pPr>
+            <a:endParaRPr lang="ru-RU"/>
+          </a:p>
+        </p:txBody>
+      </p:sp>
+      <p:sp>
+        <p:nvSpPr>
+          <p:cNvPr id="4" name="Номер слайда 3"/>
+          <p:cNvSpPr>
+            <a:spLocks noGrp="1"/>
+          </p:cNvSpPr>
+          <p:nvPr>
+            <p:ph type="sldNum" sz="quarter" idx="10"/>
+          </p:nvPr>
+        </p:nvSpPr>
+        <p:spPr/>
+        <p:txBody>
+          <a:bodyPr/>
+          <a:lstStyle/>
+          <a:p>
+            <a:fld id="{67A570D4-9143-4E91-8959-8D963457B763}" type="slidenum">
+              <a:rPr lang="ru-RU" smtClean="0"/>
+              <a:t>13</a:t>
+            </a:fld>
+            <a:endParaRPr lang="ru-RU"/>
+          </a:p>
+        </p:txBody>
+      </p:sp>
+    </p:spTree>
+    <p:extLst>
+      <p:ext uri="{BB962C8B-B14F-4D97-AF65-F5344CB8AC3E}">
+        <p14:creationId xmlns:p14="http://schemas.microsoft.com/office/powerpoint/2010/main" val="3343592226"/>
+      </p:ext>
+    </p:extLst>
+  </p:cSld>
+  <p:clrMapOvr>
+    <a:masterClrMapping/>
+  </p:clrMapOvr>
+</p:notes>
+</file>
+
+<file path=ppt/notesSlides/notesSlide13.xml><?xml version="1.0" encoding="utf-8"?>
+<p:notes xmlns:a="http://schemas.openxmlformats.org/drawingml/2006/main" xmlns:r="http://schemas.openxmlformats.org/officeDocument/2006/relationships" xmlns:p="http://schemas.openxmlformats.org/presentationml/2006/main">
+  <p:cSld>
+    <p:spTree>
+      <p:nvGrpSpPr>
+        <p:cNvPr id="1" name=""/>
+        <p:cNvGrpSpPr/>
+        <p:nvPr/>
+      </p:nvGrpSpPr>
+      <p:grpSpPr>
+        <a:xfrm>
+          <a:off x="0" y="0"/>
+          <a:ext cx="0" cy="0"/>
+          <a:chOff x="0" y="0"/>
+          <a:chExt cx="0" cy="0"/>
+        </a:xfrm>
+      </p:grpSpPr>
+      <p:sp>
+        <p:nvSpPr>
+          <p:cNvPr id="2" name="Образ слайда 1"/>
+          <p:cNvSpPr>
+            <a:spLocks noGrp="1" noRot="1" noChangeAspect="1"/>
+          </p:cNvSpPr>
+          <p:nvPr>
+            <p:ph type="sldImg"/>
+          </p:nvPr>
+        </p:nvSpPr>
+        <p:spPr/>
+      </p:sp>
+      <p:sp>
+        <p:nvSpPr>
+          <p:cNvPr id="3" name="Заметки 2"/>
+          <p:cNvSpPr>
+            <a:spLocks noGrp="1"/>
+          </p:cNvSpPr>
+          <p:nvPr>
+            <p:ph type="body" idx="1"/>
+          </p:nvPr>
+        </p:nvSpPr>
+        <p:spPr/>
+        <p:txBody>
+          <a:bodyPr/>
+          <a:lstStyle/>
+          <a:p>
+            <a:pPr marL="0" indent="0">
+              <a:buNone/>
+            </a:pPr>
+            <a:endParaRPr lang="ru-RU"/>
+          </a:p>
+        </p:txBody>
+      </p:sp>
+      <p:sp>
+        <p:nvSpPr>
+          <p:cNvPr id="4" name="Номер слайда 3"/>
+          <p:cNvSpPr>
+            <a:spLocks noGrp="1"/>
+          </p:cNvSpPr>
+          <p:nvPr>
+            <p:ph type="sldNum" sz="quarter" idx="10"/>
+          </p:nvPr>
+        </p:nvSpPr>
+        <p:spPr/>
+        <p:txBody>
+          <a:bodyPr/>
+          <a:lstStyle/>
+          <a:p>
+            <a:fld id="{67A570D4-9143-4E91-8959-8D963457B763}" type="slidenum">
+              <a:rPr lang="ru-RU" smtClean="0"/>
+              <a:t>14</a:t>
+            </a:fld>
+            <a:endParaRPr lang="ru-RU"/>
+          </a:p>
+        </p:txBody>
+      </p:sp>
+    </p:spTree>
+    <p:extLst>
+      <p:ext uri="{BB962C8B-B14F-4D97-AF65-F5344CB8AC3E}">
+        <p14:creationId xmlns:p14="http://schemas.microsoft.com/office/powerpoint/2010/main" val="1986330777"/>
+      </p:ext>
+    </p:extLst>
+  </p:cSld>
+  <p:clrMapOvr>
+    <a:masterClrMapping/>
+  </p:clrMapOvr>
+</p:notes>
+</file>
+
+<file path=ppt/notesSlides/notesSlide14.xml><?xml version="1.0" encoding="utf-8"?>
+<p:notes xmlns:a="http://schemas.openxmlformats.org/drawingml/2006/main" xmlns:r="http://schemas.openxmlformats.org/officeDocument/2006/relationships" xmlns:p="http://schemas.openxmlformats.org/presentationml/2006/main">
+  <p:cSld>
+    <p:spTree>
+      <p:nvGrpSpPr>
+        <p:cNvPr id="1" name=""/>
+        <p:cNvGrpSpPr/>
+        <p:nvPr/>
+      </p:nvGrpSpPr>
+      <p:grpSpPr>
+        <a:xfrm>
+          <a:off x="0" y="0"/>
+          <a:ext cx="0" cy="0"/>
+          <a:chOff x="0" y="0"/>
+          <a:chExt cx="0" cy="0"/>
+        </a:xfrm>
+      </p:grpSpPr>
+      <p:sp>
+        <p:nvSpPr>
+          <p:cNvPr id="2" name="Образ слайда 1"/>
+          <p:cNvSpPr>
+            <a:spLocks noGrp="1" noRot="1" noChangeAspect="1"/>
+          </p:cNvSpPr>
+          <p:nvPr>
+            <p:ph type="sldImg"/>
+          </p:nvPr>
+        </p:nvSpPr>
+        <p:spPr/>
+      </p:sp>
+      <p:sp>
+        <p:nvSpPr>
+          <p:cNvPr id="3" name="Заметки 2"/>
+          <p:cNvSpPr>
+            <a:spLocks noGrp="1"/>
+          </p:cNvSpPr>
+          <p:nvPr>
+            <p:ph type="body" idx="1"/>
+          </p:nvPr>
+        </p:nvSpPr>
+        <p:spPr/>
+        <p:txBody>
+          <a:bodyPr/>
+          <a:lstStyle/>
+          <a:p>
+            <a:endParaRPr lang="ru-RU"/>
+          </a:p>
+        </p:txBody>
+      </p:sp>
+      <p:sp>
+        <p:nvSpPr>
+          <p:cNvPr id="4" name="Номер слайда 3"/>
+          <p:cNvSpPr>
+            <a:spLocks noGrp="1"/>
+          </p:cNvSpPr>
+          <p:nvPr>
+            <p:ph type="sldNum" sz="quarter" idx="10"/>
+          </p:nvPr>
+        </p:nvSpPr>
+        <p:spPr/>
+        <p:txBody>
+          <a:bodyPr/>
+          <a:lstStyle/>
+          <a:p>
+            <a:fld id="{67A570D4-9143-4E91-8959-8D963457B763}" type="slidenum">
+              <a:rPr lang="ru-RU" smtClean="0"/>
+              <a:t>15</a:t>
+            </a:fld>
+            <a:endParaRPr lang="ru-RU"/>
+          </a:p>
+        </p:txBody>
+      </p:sp>
+    </p:spTree>
+    <p:extLst>
+      <p:ext uri="{BB962C8B-B14F-4D97-AF65-F5344CB8AC3E}">
+        <p14:creationId xmlns:p14="http://schemas.microsoft.com/office/powerpoint/2010/main" val="2420671415"/>
+      </p:ext>
+    </p:extLst>
+  </p:cSld>
+  <p:clrMapOvr>
+    <a:masterClrMapping/>
+  </p:clrMapOvr>
+</p:notes>
+</file>
+
 <file path=ppt/notesSlides/notesSlide2.xml><?xml version="1.0" encoding="utf-8"?>
 <p:notes xmlns:a="http://schemas.openxmlformats.org/drawingml/2006/main" xmlns:r="http://schemas.openxmlformats.org/officeDocument/2006/relationships" xmlns:p="http://schemas.openxmlformats.org/presentationml/2006/main">
   <p:cSld>
@@ -2164,7 +2601,7 @@
     </p:spTree>
     <p:extLst>
       <p:ext uri="{BB962C8B-B14F-4D97-AF65-F5344CB8AC3E}">
-        <p14:creationId xmlns:p14="http://schemas.microsoft.com/office/powerpoint/2010/main" val="2829691670"/>
+        <p14:creationId xmlns:p14="http://schemas.microsoft.com/office/powerpoint/2010/main" val="298860330"/>
       </p:ext>
     </p:extLst>
   </p:cSld>
@@ -2251,7 +2688,7 @@
     </p:spTree>
     <p:extLst>
       <p:ext uri="{BB962C8B-B14F-4D97-AF65-F5344CB8AC3E}">
-        <p14:creationId xmlns:p14="http://schemas.microsoft.com/office/powerpoint/2010/main" val="2288801722"/>
+        <p14:creationId xmlns:p14="http://schemas.microsoft.com/office/powerpoint/2010/main" val="261785908"/>
       </p:ext>
     </p:extLst>
   </p:cSld>
@@ -2305,6 +2742,9 @@
           <a:bodyPr/>
           <a:lstStyle/>
           <a:p>
+            <a:pPr marL="0" indent="0">
+              <a:buNone/>
+            </a:pPr>
             <a:endParaRPr lang="ru-RU"/>
           </a:p>
         </p:txBody>
@@ -2335,7 +2775,7 @@
     </p:spTree>
     <p:extLst>
       <p:ext uri="{BB962C8B-B14F-4D97-AF65-F5344CB8AC3E}">
-        <p14:creationId xmlns:p14="http://schemas.microsoft.com/office/powerpoint/2010/main" val="2899442457"/>
+        <p14:creationId xmlns:p14="http://schemas.microsoft.com/office/powerpoint/2010/main" val="246499419"/>
       </p:ext>
     </p:extLst>
   </p:cSld>
@@ -2389,6 +2829,9 @@
           <a:bodyPr/>
           <a:lstStyle/>
           <a:p>
+            <a:pPr marL="0" indent="0">
+              <a:buNone/>
+            </a:pPr>
             <a:endParaRPr lang="ru-RU"/>
           </a:p>
         </p:txBody>
@@ -2419,7 +2862,7 @@
     </p:spTree>
     <p:extLst>
       <p:ext uri="{BB962C8B-B14F-4D97-AF65-F5344CB8AC3E}">
-        <p14:creationId xmlns:p14="http://schemas.microsoft.com/office/powerpoint/2010/main" val="1530222760"/>
+        <p14:creationId xmlns:p14="http://schemas.microsoft.com/office/powerpoint/2010/main" val="960136358"/>
       </p:ext>
     </p:extLst>
   </p:cSld>
@@ -2473,6 +2916,9 @@
           <a:bodyPr/>
           <a:lstStyle/>
           <a:p>
+            <a:pPr marL="0" indent="0">
+              <a:buNone/>
+            </a:pPr>
             <a:endParaRPr lang="ru-RU"/>
           </a:p>
         </p:txBody>
@@ -2503,7 +2949,7 @@
     </p:spTree>
     <p:extLst>
       <p:ext uri="{BB962C8B-B14F-4D97-AF65-F5344CB8AC3E}">
-        <p14:creationId xmlns:p14="http://schemas.microsoft.com/office/powerpoint/2010/main" val="24399071"/>
+        <p14:creationId xmlns:p14="http://schemas.microsoft.com/office/powerpoint/2010/main" val="1929154059"/>
       </p:ext>
     </p:extLst>
   </p:cSld>
@@ -2557,6 +3003,9 @@
           <a:bodyPr/>
           <a:lstStyle/>
           <a:p>
+            <a:pPr marL="0" indent="0">
+              <a:buNone/>
+            </a:pPr>
             <a:endParaRPr lang="ru-RU"/>
           </a:p>
         </p:txBody>
@@ -2587,7 +3036,7 @@
     </p:spTree>
     <p:extLst>
       <p:ext uri="{BB962C8B-B14F-4D97-AF65-F5344CB8AC3E}">
-        <p14:creationId xmlns:p14="http://schemas.microsoft.com/office/powerpoint/2010/main" val="252581632"/>
+        <p14:creationId xmlns:p14="http://schemas.microsoft.com/office/powerpoint/2010/main" val="3375962224"/>
       </p:ext>
     </p:extLst>
   </p:cSld>
@@ -2641,6 +3090,9 @@
           <a:bodyPr/>
           <a:lstStyle/>
           <a:p>
+            <a:pPr marL="0" indent="0">
+              <a:buNone/>
+            </a:pPr>
             <a:endParaRPr lang="ru-RU"/>
           </a:p>
         </p:txBody>
@@ -2671,7 +3123,7 @@
     </p:spTree>
     <p:extLst>
       <p:ext uri="{BB962C8B-B14F-4D97-AF65-F5344CB8AC3E}">
-        <p14:creationId xmlns:p14="http://schemas.microsoft.com/office/powerpoint/2010/main" val="2420671415"/>
+        <p14:creationId xmlns:p14="http://schemas.microsoft.com/office/powerpoint/2010/main" val="2794177205"/>
       </p:ext>
     </p:extLst>
   </p:cSld>
@@ -2860,7 +3312,7 @@
           <a:p>
             <a:fld id="{063786AA-C9B4-44E7-9A59-E9365C9EA225}" type="datetimeFigureOut">
               <a:rPr lang="ru-RU" smtClean="0"/>
-              <a:t>31.05.2024</a:t>
+              <a:t>03.06.2024</a:t>
             </a:fld>
             <a:endParaRPr lang="ru-RU"/>
           </a:p>
@@ -3028,7 +3480,7 @@
           <a:p>
             <a:fld id="{063786AA-C9B4-44E7-9A59-E9365C9EA225}" type="datetimeFigureOut">
               <a:rPr lang="ru-RU" smtClean="0"/>
-              <a:t>31.05.2024</a:t>
+              <a:t>03.06.2024</a:t>
             </a:fld>
             <a:endParaRPr lang="ru-RU"/>
           </a:p>
@@ -3206,7 +3658,7 @@
           <a:p>
             <a:fld id="{063786AA-C9B4-44E7-9A59-E9365C9EA225}" type="datetimeFigureOut">
               <a:rPr lang="ru-RU" smtClean="0"/>
-              <a:t>31.05.2024</a:t>
+              <a:t>03.06.2024</a:t>
             </a:fld>
             <a:endParaRPr lang="ru-RU"/>
           </a:p>
@@ -3374,7 +3826,7 @@
           <a:p>
             <a:fld id="{063786AA-C9B4-44E7-9A59-E9365C9EA225}" type="datetimeFigureOut">
               <a:rPr lang="ru-RU" smtClean="0"/>
-              <a:t>31.05.2024</a:t>
+              <a:t>03.06.2024</a:t>
             </a:fld>
             <a:endParaRPr lang="ru-RU"/>
           </a:p>
@@ -3619,7 +4071,7 @@
           <a:p>
             <a:fld id="{063786AA-C9B4-44E7-9A59-E9365C9EA225}" type="datetimeFigureOut">
               <a:rPr lang="ru-RU" smtClean="0"/>
-              <a:t>31.05.2024</a:t>
+              <a:t>03.06.2024</a:t>
             </a:fld>
             <a:endParaRPr lang="ru-RU"/>
           </a:p>
@@ -3904,7 +4356,7 @@
           <a:p>
             <a:fld id="{063786AA-C9B4-44E7-9A59-E9365C9EA225}" type="datetimeFigureOut">
               <a:rPr lang="ru-RU" smtClean="0"/>
-              <a:t>31.05.2024</a:t>
+              <a:t>03.06.2024</a:t>
             </a:fld>
             <a:endParaRPr lang="ru-RU"/>
           </a:p>
@@ -4328,7 +4780,7 @@
           <a:p>
             <a:fld id="{063786AA-C9B4-44E7-9A59-E9365C9EA225}" type="datetimeFigureOut">
               <a:rPr lang="ru-RU" smtClean="0"/>
-              <a:t>31.05.2024</a:t>
+              <a:t>03.06.2024</a:t>
             </a:fld>
             <a:endParaRPr lang="ru-RU"/>
           </a:p>
@@ -4445,7 +4897,7 @@
           <a:p>
             <a:fld id="{063786AA-C9B4-44E7-9A59-E9365C9EA225}" type="datetimeFigureOut">
               <a:rPr lang="ru-RU" smtClean="0"/>
-              <a:t>31.05.2024</a:t>
+              <a:t>03.06.2024</a:t>
             </a:fld>
             <a:endParaRPr lang="ru-RU"/>
           </a:p>
@@ -4540,7 +4992,7 @@
           <a:p>
             <a:fld id="{063786AA-C9B4-44E7-9A59-E9365C9EA225}" type="datetimeFigureOut">
               <a:rPr lang="ru-RU" smtClean="0"/>
-              <a:t>31.05.2024</a:t>
+              <a:t>03.06.2024</a:t>
             </a:fld>
             <a:endParaRPr lang="ru-RU"/>
           </a:p>
@@ -4815,7 +5267,7 @@
           <a:p>
             <a:fld id="{063786AA-C9B4-44E7-9A59-E9365C9EA225}" type="datetimeFigureOut">
               <a:rPr lang="ru-RU" smtClean="0"/>
-              <a:t>31.05.2024</a:t>
+              <a:t>03.06.2024</a:t>
             </a:fld>
             <a:endParaRPr lang="ru-RU"/>
           </a:p>
@@ -5067,7 +5519,7 @@
           <a:p>
             <a:fld id="{063786AA-C9B4-44E7-9A59-E9365C9EA225}" type="datetimeFigureOut">
               <a:rPr lang="ru-RU" smtClean="0"/>
-              <a:t>31.05.2024</a:t>
+              <a:t>03.06.2024</a:t>
             </a:fld>
             <a:endParaRPr lang="ru-RU"/>
           </a:p>
@@ -5278,7 +5730,7 @@
           <a:p>
             <a:fld id="{063786AA-C9B4-44E7-9A59-E9365C9EA225}" type="datetimeFigureOut">
               <a:rPr lang="ru-RU" smtClean="0"/>
-              <a:t>31.05.2024</a:t>
+              <a:t>03.06.2024</a:t>
             </a:fld>
             <a:endParaRPr lang="ru-RU"/>
           </a:p>
@@ -6004,242 +6456,6 @@
           <a:chExt cx="0" cy="0"/>
         </a:xfrm>
       </p:grpSpPr>
-      <p:pic>
-        <p:nvPicPr>
-          <p:cNvPr id="4" name="Picture 2" descr="C:\Users\MSShafigullin\Desktop\Проекты\Брендбук\Гайдлайн\Презентация\презентация шаблон КФУ-01.jpg"/>
-          <p:cNvPicPr>
-            <a:picLocks noChangeAspect="1" noChangeArrowheads="1"/>
-          </p:cNvPicPr>
-          <p:nvPr/>
-        </p:nvPicPr>
-        <p:blipFill rotWithShape="1">
-          <a:blip r:embed="rId3">
-            <a:extLst>
-              <a:ext uri="{28A0092B-C50C-407E-A947-70E740481C1C}">
-                <a14:useLocalDpi xmlns:a14="http://schemas.microsoft.com/office/drawing/2010/main" val="0"/>
-              </a:ext>
-            </a:extLst>
-          </a:blip>
-          <a:srcRect b="20472"/>
-          <a:stretch/>
-        </p:blipFill>
-        <p:spPr bwMode="auto">
-          <a:xfrm>
-            <a:off x="3143" y="4390"/>
-            <a:ext cx="9144000" cy="5141714"/>
-          </a:xfrm>
-          <a:prstGeom prst="rect">
-            <a:avLst/>
-          </a:prstGeom>
-          <a:noFill/>
-          <a:extLst>
-            <a:ext uri="{909E8E84-426E-40DD-AFC4-6F175D3DCCD1}">
-              <a14:hiddenFill xmlns:a14="http://schemas.microsoft.com/office/drawing/2010/main">
-                <a:solidFill>
-                  <a:srgbClr val="FFFFFF"/>
-                </a:solidFill>
-              </a14:hiddenFill>
-            </a:ext>
-          </a:extLst>
-        </p:spPr>
-      </p:pic>
-      <p:pic>
-        <p:nvPicPr>
-          <p:cNvPr id="5" name="Picture 2" descr="C:\Users\MSShafigullin\Desktop\2020\Презентация КФУ\kfu_logo_circle_rus.png"/>
-          <p:cNvPicPr>
-            <a:picLocks noChangeAspect="1" noChangeArrowheads="1"/>
-          </p:cNvPicPr>
-          <p:nvPr/>
-        </p:nvPicPr>
-        <p:blipFill>
-          <a:blip r:embed="rId4" cstate="print">
-            <a:extLst>
-              <a:ext uri="{28A0092B-C50C-407E-A947-70E740481C1C}">
-                <a14:useLocalDpi xmlns:a14="http://schemas.microsoft.com/office/drawing/2010/main" val="0"/>
-              </a:ext>
-            </a:extLst>
-          </a:blip>
-          <a:srcRect/>
-          <a:stretch>
-            <a:fillRect/>
-          </a:stretch>
-        </p:blipFill>
-        <p:spPr bwMode="auto">
-          <a:xfrm>
-            <a:off x="539552" y="411510"/>
-            <a:ext cx="1152128" cy="1124940"/>
-          </a:xfrm>
-          <a:prstGeom prst="rect">
-            <a:avLst/>
-          </a:prstGeom>
-          <a:noFill/>
-          <a:extLst>
-            <a:ext uri="{909E8E84-426E-40DD-AFC4-6F175D3DCCD1}">
-              <a14:hiddenFill xmlns:a14="http://schemas.microsoft.com/office/drawing/2010/main">
-                <a:solidFill>
-                  <a:srgbClr val="FFFFFF"/>
-                </a:solidFill>
-              </a14:hiddenFill>
-            </a:ext>
-          </a:extLst>
-        </p:spPr>
-      </p:pic>
-      <p:sp>
-        <p:nvSpPr>
-          <p:cNvPr id="7" name="Google Shape;898;g89d9307d70_13_164"/>
-          <p:cNvSpPr txBox="1"/>
-          <p:nvPr/>
-        </p:nvSpPr>
-        <p:spPr>
-          <a:xfrm>
-            <a:off x="1255005" y="2074200"/>
-            <a:ext cx="6633989" cy="995100"/>
-          </a:xfrm>
-          <a:prstGeom prst="rect">
-            <a:avLst/>
-          </a:prstGeom>
-          <a:noFill/>
-          <a:ln>
-            <a:noFill/>
-          </a:ln>
-        </p:spPr>
-        <p:txBody>
-          <a:bodyPr spcFirstLastPara="1" wrap="square" lIns="91425" tIns="45700" rIns="91425" bIns="45700" anchor="ctr" anchorCtr="0">
-            <a:noAutofit/>
-          </a:bodyPr>
-          <a:lstStyle/>
-          <a:p>
-            <a:pPr marL="0" marR="0" lvl="0" indent="0" algn="ctr" rtl="0">
-              <a:lnSpc>
-                <a:spcPct val="100000"/>
-              </a:lnSpc>
-              <a:spcBef>
-                <a:spcPts val="0"/>
-              </a:spcBef>
-              <a:spcAft>
-                <a:spcPts val="0"/>
-              </a:spcAft>
-              <a:buClr>
-                <a:srgbClr val="000000"/>
-              </a:buClr>
-              <a:buSzPts val="5867"/>
-              <a:buFont typeface="Arial"/>
-              <a:buNone/>
-            </a:pPr>
-            <a:r>
-              <a:rPr lang="ru-RU" sz="4400" b="1" i="0" strike="noStrike" cap="none" dirty="0">
-                <a:solidFill>
-                  <a:schemeClr val="bg1"/>
-                </a:solidFill>
-                <a:latin typeface="+mj-lt"/>
-                <a:ea typeface="Arial"/>
-                <a:cs typeface="Times New Roman" panose="02020603050405020304" pitchFamily="18" charset="0"/>
-                <a:sym typeface="Arial"/>
-              </a:rPr>
-              <a:t>Спасибо</a:t>
-            </a:r>
-            <a:r>
-              <a:rPr lang="en-US" sz="4400" b="1" i="0" strike="noStrike" cap="none" dirty="0">
-                <a:solidFill>
-                  <a:schemeClr val="bg1"/>
-                </a:solidFill>
-                <a:latin typeface="+mj-lt"/>
-                <a:ea typeface="Arial"/>
-                <a:cs typeface="Times New Roman" panose="02020603050405020304" pitchFamily="18" charset="0"/>
-                <a:sym typeface="Arial"/>
-              </a:rPr>
-              <a:t> </a:t>
-            </a:r>
-            <a:r>
-              <a:rPr lang="en-US" sz="4400" b="1" i="0" strike="noStrike" cap="none" dirty="0" err="1">
-                <a:solidFill>
-                  <a:schemeClr val="bg1"/>
-                </a:solidFill>
-                <a:latin typeface="+mj-lt"/>
-                <a:ea typeface="Arial"/>
-                <a:cs typeface="Times New Roman" panose="02020603050405020304" pitchFamily="18" charset="0"/>
-                <a:sym typeface="Arial"/>
-              </a:rPr>
-              <a:t>за</a:t>
-            </a:r>
-            <a:r>
-              <a:rPr lang="en-US" sz="4400" b="1" i="0" strike="noStrike" cap="none" dirty="0">
-                <a:solidFill>
-                  <a:schemeClr val="bg1"/>
-                </a:solidFill>
-                <a:latin typeface="+mj-lt"/>
-                <a:ea typeface="Arial"/>
-                <a:cs typeface="Times New Roman" panose="02020603050405020304" pitchFamily="18" charset="0"/>
-                <a:sym typeface="Arial"/>
-              </a:rPr>
-              <a:t> </a:t>
-            </a:r>
-            <a:r>
-              <a:rPr lang="en-US" sz="4400" b="1" i="0" strike="noStrike" cap="none" dirty="0" err="1">
-                <a:solidFill>
-                  <a:schemeClr val="bg1"/>
-                </a:solidFill>
-                <a:latin typeface="+mj-lt"/>
-                <a:ea typeface="Arial"/>
-                <a:cs typeface="Times New Roman" panose="02020603050405020304" pitchFamily="18" charset="0"/>
-                <a:sym typeface="Arial"/>
-              </a:rPr>
-              <a:t>внимание</a:t>
-            </a:r>
-            <a:r>
-              <a:rPr lang="en-US" sz="4400" b="1" i="0" strike="noStrike" cap="none" dirty="0">
-                <a:solidFill>
-                  <a:schemeClr val="bg1"/>
-                </a:solidFill>
-                <a:latin typeface="+mj-lt"/>
-                <a:ea typeface="Arial"/>
-                <a:cs typeface="Times New Roman" panose="02020603050405020304" pitchFamily="18" charset="0"/>
-                <a:sym typeface="Arial"/>
-              </a:rPr>
-              <a:t>!</a:t>
-            </a:r>
-            <a:endParaRPr sz="4400" b="1" i="0" strike="noStrike" cap="none" dirty="0">
-              <a:solidFill>
-                <a:schemeClr val="bg1"/>
-              </a:solidFill>
-              <a:latin typeface="+mj-lt"/>
-              <a:ea typeface="Arial"/>
-              <a:cs typeface="Times New Roman" panose="02020603050405020304" pitchFamily="18" charset="0"/>
-              <a:sym typeface="Arial"/>
-            </a:endParaRPr>
-          </a:p>
-        </p:txBody>
-      </p:sp>
-    </p:spTree>
-    <p:extLst>
-      <p:ext uri="{BB962C8B-B14F-4D97-AF65-F5344CB8AC3E}">
-        <p14:creationId xmlns:p14="http://schemas.microsoft.com/office/powerpoint/2010/main" val="209181024"/>
-      </p:ext>
-    </p:extLst>
-  </p:cSld>
-  <p:clrMapOvr>
-    <a:masterClrMapping/>
-  </p:clrMapOvr>
-</p:sld>
-</file>
-
-<file path=ppt/slides/slide2.xml><?xml version="1.0" encoding="utf-8"?>
-<p:sld xmlns:a="http://schemas.openxmlformats.org/drawingml/2006/main" xmlns:r="http://schemas.openxmlformats.org/officeDocument/2006/relationships" xmlns:p="http://schemas.openxmlformats.org/presentationml/2006/main">
-  <p:cSld>
-    <p:spTree>
-      <p:nvGrpSpPr>
-        <p:cNvPr id="1" name=""/>
-        <p:cNvGrpSpPr/>
-        <p:nvPr/>
-      </p:nvGrpSpPr>
-      <p:grpSpPr>
-        <a:xfrm>
-          <a:off x="0" y="0"/>
-          <a:ext cx="0" cy="0"/>
-          <a:chOff x="0" y="0"/>
-          <a:chExt cx="0" cy="0"/>
-        </a:xfrm>
-      </p:grpSpPr>
       <p:sp>
         <p:nvSpPr>
           <p:cNvPr id="4" name="Прямоугольник 3"/>
@@ -6350,14 +6566,77 @@
       </p:pic>
       <p:sp>
         <p:nvSpPr>
-          <p:cNvPr id="6" name="TextBox 5"/>
+          <p:cNvPr id="17" name="Google Shape;424;p27"/>
+          <p:cNvSpPr txBox="1">
+            <a:spLocks noGrp="1"/>
+          </p:cNvSpPr>
+          <p:nvPr>
+            <p:ph type="title"/>
+          </p:nvPr>
+        </p:nvSpPr>
+        <p:spPr>
+          <a:xfrm>
+            <a:off x="964851" y="87534"/>
+            <a:ext cx="7582725" cy="760983"/>
+          </a:xfrm>
+          <a:prstGeom prst="rect">
+            <a:avLst/>
+          </a:prstGeom>
+        </p:spPr>
+        <p:txBody>
+          <a:bodyPr spcFirstLastPara="1" vert="horz" wrap="square" lIns="91425" tIns="91425" rIns="91425" bIns="91425" rtlCol="0" anchor="t" anchorCtr="0">
+            <a:noAutofit/>
+          </a:bodyPr>
+          <a:lstStyle/>
+          <a:p>
+            <a:r>
+              <a:rPr lang="ru-RU" sz="4000" dirty="0"/>
+              <a:t>Принцип хранения данных</a:t>
+            </a:r>
+            <a:endParaRPr sz="6000" dirty="0"/>
+          </a:p>
+        </p:txBody>
+      </p:sp>
+      <p:pic>
+        <p:nvPicPr>
+          <p:cNvPr id="9" name="Рисунок 8"/>
+          <p:cNvPicPr>
+            <a:picLocks noChangeAspect="1"/>
+          </p:cNvPicPr>
+          <p:nvPr/>
+        </p:nvPicPr>
+        <p:blipFill>
+          <a:blip r:embed="rId4">
+            <a:extLst>
+              <a:ext uri="{28A0092B-C50C-407E-A947-70E740481C1C}">
+                <a14:useLocalDpi xmlns:a14="http://schemas.microsoft.com/office/drawing/2010/main" val="0"/>
+              </a:ext>
+            </a:extLst>
+          </a:blip>
+          <a:stretch>
+            <a:fillRect/>
+          </a:stretch>
+        </p:blipFill>
+        <p:spPr>
+          <a:xfrm>
+            <a:off x="1121239" y="848517"/>
+            <a:ext cx="7778921" cy="4046055"/>
+          </a:xfrm>
+          <a:prstGeom prst="rect">
+            <a:avLst/>
+          </a:prstGeom>
+        </p:spPr>
+      </p:pic>
+      <p:sp>
+        <p:nvSpPr>
+          <p:cNvPr id="7" name="TextBox 6"/>
           <p:cNvSpPr txBox="1"/>
           <p:nvPr/>
         </p:nvSpPr>
         <p:spPr>
           <a:xfrm>
-            <a:off x="1285525" y="250070"/>
-            <a:ext cx="7205462" cy="769441"/>
+            <a:off x="8276704" y="4628554"/>
+            <a:ext cx="775855" cy="400110"/>
           </a:xfrm>
           <a:prstGeom prst="rect">
             <a:avLst/>
@@ -6371,11 +6650,1523 @@
           <a:lstStyle/>
           <a:p>
             <a:pPr algn="ctr"/>
-            <a:r>
-              <a:rPr lang="ru-RU" sz="4400" dirty="0"/>
+            <a:fld id="{91326118-483B-4565-A65B-2DA6A95B8275}" type="slidenum">
+              <a:rPr lang="ru-RU" sz="2000" smtClean="0">
+                <a:latin typeface="Roboto" panose="020B0604020202020204" charset="0"/>
+                <a:ea typeface="Roboto" panose="020B0604020202020204" charset="0"/>
+                <a:cs typeface="Roboto" panose="020B0604020202020204" charset="0"/>
+              </a:rPr>
+              <a:t>10</a:t>
+            </a:fld>
+            <a:endParaRPr lang="ru-RU" sz="2000" dirty="0">
+              <a:latin typeface="Roboto" panose="020B0604020202020204" charset="0"/>
+              <a:ea typeface="Roboto" panose="020B0604020202020204" charset="0"/>
+              <a:cs typeface="Roboto" panose="020B0604020202020204" charset="0"/>
+            </a:endParaRPr>
+          </a:p>
+        </p:txBody>
+      </p:sp>
+    </p:spTree>
+    <p:extLst>
+      <p:ext uri="{BB962C8B-B14F-4D97-AF65-F5344CB8AC3E}">
+        <p14:creationId xmlns:p14="http://schemas.microsoft.com/office/powerpoint/2010/main" val="1774055478"/>
+      </p:ext>
+    </p:extLst>
+  </p:cSld>
+  <p:clrMapOvr>
+    <a:masterClrMapping/>
+  </p:clrMapOvr>
+</p:sld>
+</file>
+
+<file path=ppt/slides/slide11.xml><?xml version="1.0" encoding="utf-8"?>
+<p:sld xmlns:a="http://schemas.openxmlformats.org/drawingml/2006/main" xmlns:r="http://schemas.openxmlformats.org/officeDocument/2006/relationships" xmlns:p="http://schemas.openxmlformats.org/presentationml/2006/main">
+  <p:cSld>
+    <p:spTree>
+      <p:nvGrpSpPr>
+        <p:cNvPr id="1" name=""/>
+        <p:cNvGrpSpPr/>
+        <p:nvPr/>
+      </p:nvGrpSpPr>
+      <p:grpSpPr>
+        <a:xfrm>
+          <a:off x="0" y="0"/>
+          <a:ext cx="0" cy="0"/>
+          <a:chOff x="0" y="0"/>
+          <a:chExt cx="0" cy="0"/>
+        </a:xfrm>
+      </p:grpSpPr>
+      <p:sp>
+        <p:nvSpPr>
+          <p:cNvPr id="4" name="Прямоугольник 3"/>
+          <p:cNvSpPr/>
+          <p:nvPr/>
+        </p:nvSpPr>
+        <p:spPr>
+          <a:xfrm>
+            <a:off x="0" y="0"/>
+            <a:ext cx="827584" cy="5143500"/>
+          </a:xfrm>
+          <a:prstGeom prst="rect">
+            <a:avLst/>
+          </a:prstGeom>
+          <a:gradFill flip="none" rotWithShape="1">
+            <a:gsLst>
+              <a:gs pos="0">
+                <a:srgbClr val="00549F">
+                  <a:shade val="30000"/>
+                  <a:satMod val="115000"/>
+                </a:srgbClr>
+              </a:gs>
+              <a:gs pos="50000">
+                <a:srgbClr val="00549F">
+                  <a:shade val="67500"/>
+                  <a:satMod val="115000"/>
+                </a:srgbClr>
+              </a:gs>
+              <a:gs pos="100000">
+                <a:srgbClr val="00549F">
+                  <a:shade val="100000"/>
+                  <a:satMod val="115000"/>
+                </a:srgbClr>
+              </a:gs>
+            </a:gsLst>
+            <a:lin ang="5400000" scaled="1"/>
+            <a:tileRect/>
+          </a:gradFill>
+          <a:ln>
+            <a:noFill/>
+          </a:ln>
+        </p:spPr>
+        <p:style>
+          <a:lnRef idx="2">
+            <a:schemeClr val="dk1">
+              <a:shade val="50000"/>
+            </a:schemeClr>
+          </a:lnRef>
+          <a:fillRef idx="1">
+            <a:schemeClr val="dk1"/>
+          </a:fillRef>
+          <a:effectRef idx="0">
+            <a:schemeClr val="dk1"/>
+          </a:effectRef>
+          <a:fontRef idx="minor">
+            <a:schemeClr val="lt1"/>
+          </a:fontRef>
+        </p:style>
+        <p:txBody>
+          <a:bodyPr rtlCol="0" anchor="ctr"/>
+          <a:lstStyle/>
+          <a:p>
+            <a:pPr algn="ctr"/>
+            <a:endParaRPr lang="ru-RU"/>
+          </a:p>
+        </p:txBody>
+      </p:sp>
+      <p:pic>
+        <p:nvPicPr>
+          <p:cNvPr id="5" name="Picture 2" descr="C:\Users\MSShafigullin\Desktop\2020\Презентация КФУ\kfu_logo_circle_rus.png"/>
+          <p:cNvPicPr>
+            <a:picLocks noChangeAspect="1" noChangeArrowheads="1"/>
+          </p:cNvPicPr>
+          <p:nvPr/>
+        </p:nvPicPr>
+        <p:blipFill>
+          <a:blip r:embed="rId3" cstate="print">
+            <a:extLst>
+              <a:ext uri="{28A0092B-C50C-407E-A947-70E740481C1C}">
+                <a14:useLocalDpi xmlns:a14="http://schemas.microsoft.com/office/drawing/2010/main" val="0"/>
+              </a:ext>
+            </a:extLst>
+          </a:blip>
+          <a:srcRect/>
+          <a:stretch>
+            <a:fillRect/>
+          </a:stretch>
+        </p:blipFill>
+        <p:spPr bwMode="auto">
+          <a:xfrm>
+            <a:off x="137267" y="87534"/>
+            <a:ext cx="553050" cy="540000"/>
+          </a:xfrm>
+          <a:prstGeom prst="rect">
+            <a:avLst/>
+          </a:prstGeom>
+          <a:noFill/>
+          <a:extLst>
+            <a:ext uri="{909E8E84-426E-40DD-AFC4-6F175D3DCCD1}">
+              <a14:hiddenFill xmlns:a14="http://schemas.microsoft.com/office/drawing/2010/main">
+                <a:solidFill>
+                  <a:srgbClr val="FFFFFF"/>
+                </a:solidFill>
+              </a14:hiddenFill>
+            </a:ext>
+          </a:extLst>
+        </p:spPr>
+      </p:pic>
+      <p:sp>
+        <p:nvSpPr>
+          <p:cNvPr id="17" name="Google Shape;424;p27"/>
+          <p:cNvSpPr txBox="1">
+            <a:spLocks noGrp="1"/>
+          </p:cNvSpPr>
+          <p:nvPr>
+            <p:ph type="title"/>
+          </p:nvPr>
+        </p:nvSpPr>
+        <p:spPr>
+          <a:xfrm>
+            <a:off x="964851" y="87534"/>
+            <a:ext cx="7582725" cy="760983"/>
+          </a:xfrm>
+          <a:prstGeom prst="rect">
+            <a:avLst/>
+          </a:prstGeom>
+        </p:spPr>
+        <p:txBody>
+          <a:bodyPr spcFirstLastPara="1" vert="horz" wrap="square" lIns="91425" tIns="91425" rIns="91425" bIns="91425" rtlCol="0" anchor="t" anchorCtr="0">
+            <a:noAutofit/>
+          </a:bodyPr>
+          <a:lstStyle/>
+          <a:p>
+            <a:r>
+              <a:rPr lang="ru-RU" sz="4000" dirty="0"/>
+              <a:t>Клиент </a:t>
+            </a:r>
+            <a:r>
+              <a:rPr lang="en-US" sz="4000" dirty="0"/>
+              <a:t>VCS</a:t>
+            </a:r>
+            <a:endParaRPr sz="6000" dirty="0"/>
+          </a:p>
+        </p:txBody>
+      </p:sp>
+      <p:sp>
+        <p:nvSpPr>
+          <p:cNvPr id="7" name="TextBox 6"/>
+          <p:cNvSpPr txBox="1"/>
+          <p:nvPr/>
+        </p:nvSpPr>
+        <p:spPr>
+          <a:xfrm>
+            <a:off x="8276704" y="4628554"/>
+            <a:ext cx="775855" cy="400110"/>
+          </a:xfrm>
+          <a:prstGeom prst="rect">
+            <a:avLst/>
+          </a:prstGeom>
+          <a:noFill/>
+        </p:spPr>
+        <p:txBody>
+          <a:bodyPr wrap="square" rtlCol="0">
+            <a:spAutoFit/>
+          </a:bodyPr>
+          <a:lstStyle/>
+          <a:p>
+            <a:pPr algn="ctr"/>
+            <a:fld id="{91326118-483B-4565-A65B-2DA6A95B8275}" type="slidenum">
+              <a:rPr lang="ru-RU" sz="2000" smtClean="0">
+                <a:latin typeface="Roboto" panose="020B0604020202020204" charset="0"/>
+                <a:ea typeface="Roboto" panose="020B0604020202020204" charset="0"/>
+                <a:cs typeface="Roboto" panose="020B0604020202020204" charset="0"/>
+              </a:rPr>
+              <a:t>11</a:t>
+            </a:fld>
+            <a:endParaRPr lang="ru-RU" sz="2000" dirty="0">
+              <a:latin typeface="Roboto" panose="020B0604020202020204" charset="0"/>
+              <a:ea typeface="Roboto" panose="020B0604020202020204" charset="0"/>
+              <a:cs typeface="Roboto" panose="020B0604020202020204" charset="0"/>
+            </a:endParaRPr>
+          </a:p>
+        </p:txBody>
+      </p:sp>
+      <p:pic>
+        <p:nvPicPr>
+          <p:cNvPr id="8" name="Рисунок 7"/>
+          <p:cNvPicPr>
+            <a:picLocks noChangeAspect="1"/>
+          </p:cNvPicPr>
+          <p:nvPr/>
+        </p:nvPicPr>
+        <p:blipFill>
+          <a:blip r:embed="rId4"/>
+          <a:stretch>
+            <a:fillRect/>
+          </a:stretch>
+        </p:blipFill>
+        <p:spPr>
+          <a:xfrm>
+            <a:off x="1543850" y="779098"/>
+            <a:ext cx="6732854" cy="4122155"/>
+          </a:xfrm>
+          <a:prstGeom prst="rect">
+            <a:avLst/>
+          </a:prstGeom>
+        </p:spPr>
+      </p:pic>
+    </p:spTree>
+    <p:extLst>
+      <p:ext uri="{BB962C8B-B14F-4D97-AF65-F5344CB8AC3E}">
+        <p14:creationId xmlns:p14="http://schemas.microsoft.com/office/powerpoint/2010/main" val="2011834507"/>
+      </p:ext>
+    </p:extLst>
+  </p:cSld>
+  <p:clrMapOvr>
+    <a:masterClrMapping/>
+  </p:clrMapOvr>
+</p:sld>
+</file>
+
+<file path=ppt/slides/slide12.xml><?xml version="1.0" encoding="utf-8"?>
+<p:sld xmlns:a="http://schemas.openxmlformats.org/drawingml/2006/main" xmlns:r="http://schemas.openxmlformats.org/officeDocument/2006/relationships" xmlns:p="http://schemas.openxmlformats.org/presentationml/2006/main">
+  <p:cSld>
+    <p:spTree>
+      <p:nvGrpSpPr>
+        <p:cNvPr id="1" name=""/>
+        <p:cNvGrpSpPr/>
+        <p:nvPr/>
+      </p:nvGrpSpPr>
+      <p:grpSpPr>
+        <a:xfrm>
+          <a:off x="0" y="0"/>
+          <a:ext cx="0" cy="0"/>
+          <a:chOff x="0" y="0"/>
+          <a:chExt cx="0" cy="0"/>
+        </a:xfrm>
+      </p:grpSpPr>
+      <p:sp>
+        <p:nvSpPr>
+          <p:cNvPr id="4" name="Прямоугольник 3"/>
+          <p:cNvSpPr/>
+          <p:nvPr/>
+        </p:nvSpPr>
+        <p:spPr>
+          <a:xfrm>
+            <a:off x="0" y="0"/>
+            <a:ext cx="827584" cy="5143500"/>
+          </a:xfrm>
+          <a:prstGeom prst="rect">
+            <a:avLst/>
+          </a:prstGeom>
+          <a:gradFill flip="none" rotWithShape="1">
+            <a:gsLst>
+              <a:gs pos="0">
+                <a:srgbClr val="00549F">
+                  <a:shade val="30000"/>
+                  <a:satMod val="115000"/>
+                </a:srgbClr>
+              </a:gs>
+              <a:gs pos="50000">
+                <a:srgbClr val="00549F">
+                  <a:shade val="67500"/>
+                  <a:satMod val="115000"/>
+                </a:srgbClr>
+              </a:gs>
+              <a:gs pos="100000">
+                <a:srgbClr val="00549F">
+                  <a:shade val="100000"/>
+                  <a:satMod val="115000"/>
+                </a:srgbClr>
+              </a:gs>
+            </a:gsLst>
+            <a:lin ang="5400000" scaled="1"/>
+            <a:tileRect/>
+          </a:gradFill>
+          <a:ln>
+            <a:noFill/>
+          </a:ln>
+        </p:spPr>
+        <p:style>
+          <a:lnRef idx="2">
+            <a:schemeClr val="dk1">
+              <a:shade val="50000"/>
+            </a:schemeClr>
+          </a:lnRef>
+          <a:fillRef idx="1">
+            <a:schemeClr val="dk1"/>
+          </a:fillRef>
+          <a:effectRef idx="0">
+            <a:schemeClr val="dk1"/>
+          </a:effectRef>
+          <a:fontRef idx="minor">
+            <a:schemeClr val="lt1"/>
+          </a:fontRef>
+        </p:style>
+        <p:txBody>
+          <a:bodyPr rtlCol="0" anchor="ctr"/>
+          <a:lstStyle/>
+          <a:p>
+            <a:pPr algn="ctr"/>
+            <a:endParaRPr lang="ru-RU"/>
+          </a:p>
+        </p:txBody>
+      </p:sp>
+      <p:pic>
+        <p:nvPicPr>
+          <p:cNvPr id="5" name="Picture 2" descr="C:\Users\MSShafigullin\Desktop\2020\Презентация КФУ\kfu_logo_circle_rus.png"/>
+          <p:cNvPicPr>
+            <a:picLocks noChangeAspect="1" noChangeArrowheads="1"/>
+          </p:cNvPicPr>
+          <p:nvPr/>
+        </p:nvPicPr>
+        <p:blipFill>
+          <a:blip r:embed="rId3" cstate="print">
+            <a:extLst>
+              <a:ext uri="{28A0092B-C50C-407E-A947-70E740481C1C}">
+                <a14:useLocalDpi xmlns:a14="http://schemas.microsoft.com/office/drawing/2010/main" val="0"/>
+              </a:ext>
+            </a:extLst>
+          </a:blip>
+          <a:srcRect/>
+          <a:stretch>
+            <a:fillRect/>
+          </a:stretch>
+        </p:blipFill>
+        <p:spPr bwMode="auto">
+          <a:xfrm>
+            <a:off x="137267" y="87534"/>
+            <a:ext cx="553050" cy="540000"/>
+          </a:xfrm>
+          <a:prstGeom prst="rect">
+            <a:avLst/>
+          </a:prstGeom>
+          <a:noFill/>
+          <a:extLst>
+            <a:ext uri="{909E8E84-426E-40DD-AFC4-6F175D3DCCD1}">
+              <a14:hiddenFill xmlns:a14="http://schemas.microsoft.com/office/drawing/2010/main">
+                <a:solidFill>
+                  <a:srgbClr val="FFFFFF"/>
+                </a:solidFill>
+              </a14:hiddenFill>
+            </a:ext>
+          </a:extLst>
+        </p:spPr>
+      </p:pic>
+      <p:sp>
+        <p:nvSpPr>
+          <p:cNvPr id="17" name="Google Shape;424;p27"/>
+          <p:cNvSpPr txBox="1">
+            <a:spLocks noGrp="1"/>
+          </p:cNvSpPr>
+          <p:nvPr>
+            <p:ph type="title"/>
+          </p:nvPr>
+        </p:nvSpPr>
+        <p:spPr>
+          <a:xfrm>
+            <a:off x="964851" y="87534"/>
+            <a:ext cx="7582725" cy="760983"/>
+          </a:xfrm>
+          <a:prstGeom prst="rect">
+            <a:avLst/>
+          </a:prstGeom>
+        </p:spPr>
+        <p:txBody>
+          <a:bodyPr spcFirstLastPara="1" vert="horz" wrap="square" lIns="91425" tIns="91425" rIns="91425" bIns="91425" rtlCol="0" anchor="t" anchorCtr="0">
+            <a:noAutofit/>
+          </a:bodyPr>
+          <a:lstStyle/>
+          <a:p>
+            <a:r>
+              <a:rPr lang="ru-RU" sz="4000" dirty="0"/>
+              <a:t>Сервер </a:t>
+            </a:r>
+            <a:r>
+              <a:rPr lang="en-US" sz="4000" dirty="0"/>
+              <a:t>VCS</a:t>
+            </a:r>
+            <a:endParaRPr sz="6000" dirty="0"/>
+          </a:p>
+        </p:txBody>
+      </p:sp>
+      <p:sp>
+        <p:nvSpPr>
+          <p:cNvPr id="7" name="TextBox 6"/>
+          <p:cNvSpPr txBox="1"/>
+          <p:nvPr/>
+        </p:nvSpPr>
+        <p:spPr>
+          <a:xfrm>
+            <a:off x="8276704" y="4628554"/>
+            <a:ext cx="775855" cy="400110"/>
+          </a:xfrm>
+          <a:prstGeom prst="rect">
+            <a:avLst/>
+          </a:prstGeom>
+          <a:noFill/>
+        </p:spPr>
+        <p:txBody>
+          <a:bodyPr wrap="square" rtlCol="0">
+            <a:spAutoFit/>
+          </a:bodyPr>
+          <a:lstStyle/>
+          <a:p>
+            <a:pPr algn="ctr"/>
+            <a:fld id="{91326118-483B-4565-A65B-2DA6A95B8275}" type="slidenum">
+              <a:rPr lang="ru-RU" sz="2000" smtClean="0">
+                <a:latin typeface="Roboto" panose="020B0604020202020204" charset="0"/>
+                <a:ea typeface="Roboto" panose="020B0604020202020204" charset="0"/>
+                <a:cs typeface="Roboto" panose="020B0604020202020204" charset="0"/>
+              </a:rPr>
+              <a:t>12</a:t>
+            </a:fld>
+            <a:endParaRPr lang="ru-RU" sz="2000" dirty="0">
+              <a:latin typeface="Roboto" panose="020B0604020202020204" charset="0"/>
+              <a:ea typeface="Roboto" panose="020B0604020202020204" charset="0"/>
+              <a:cs typeface="Roboto" panose="020B0604020202020204" charset="0"/>
+            </a:endParaRPr>
+          </a:p>
+        </p:txBody>
+      </p:sp>
+      <p:pic>
+        <p:nvPicPr>
+          <p:cNvPr id="9" name="Рисунок 8"/>
+          <p:cNvPicPr>
+            <a:picLocks noChangeAspect="1"/>
+          </p:cNvPicPr>
+          <p:nvPr/>
+        </p:nvPicPr>
+        <p:blipFill rotWithShape="1">
+          <a:blip r:embed="rId4"/>
+          <a:srcRect t="1163" r="1053" b="1327"/>
+          <a:stretch/>
+        </p:blipFill>
+        <p:spPr>
+          <a:xfrm>
+            <a:off x="1111735" y="848517"/>
+            <a:ext cx="7679788" cy="3878787"/>
+          </a:xfrm>
+          <a:prstGeom prst="rect">
+            <a:avLst/>
+          </a:prstGeom>
+        </p:spPr>
+      </p:pic>
+    </p:spTree>
+    <p:extLst>
+      <p:ext uri="{BB962C8B-B14F-4D97-AF65-F5344CB8AC3E}">
+        <p14:creationId xmlns:p14="http://schemas.microsoft.com/office/powerpoint/2010/main" val="1364691126"/>
+      </p:ext>
+    </p:extLst>
+  </p:cSld>
+  <p:clrMapOvr>
+    <a:masterClrMapping/>
+  </p:clrMapOvr>
+</p:sld>
+</file>
+
+<file path=ppt/slides/slide13.xml><?xml version="1.0" encoding="utf-8"?>
+<p:sld xmlns:a="http://schemas.openxmlformats.org/drawingml/2006/main" xmlns:r="http://schemas.openxmlformats.org/officeDocument/2006/relationships" xmlns:p="http://schemas.openxmlformats.org/presentationml/2006/main">
+  <p:cSld>
+    <p:spTree>
+      <p:nvGrpSpPr>
+        <p:cNvPr id="1" name=""/>
+        <p:cNvGrpSpPr/>
+        <p:nvPr/>
+      </p:nvGrpSpPr>
+      <p:grpSpPr>
+        <a:xfrm>
+          <a:off x="0" y="0"/>
+          <a:ext cx="0" cy="0"/>
+          <a:chOff x="0" y="0"/>
+          <a:chExt cx="0" cy="0"/>
+        </a:xfrm>
+      </p:grpSpPr>
+      <p:sp>
+        <p:nvSpPr>
+          <p:cNvPr id="4" name="Прямоугольник 3"/>
+          <p:cNvSpPr/>
+          <p:nvPr/>
+        </p:nvSpPr>
+        <p:spPr>
+          <a:xfrm>
+            <a:off x="0" y="0"/>
+            <a:ext cx="827584" cy="5143500"/>
+          </a:xfrm>
+          <a:prstGeom prst="rect">
+            <a:avLst/>
+          </a:prstGeom>
+          <a:gradFill flip="none" rotWithShape="1">
+            <a:gsLst>
+              <a:gs pos="0">
+                <a:srgbClr val="00549F">
+                  <a:shade val="30000"/>
+                  <a:satMod val="115000"/>
+                </a:srgbClr>
+              </a:gs>
+              <a:gs pos="50000">
+                <a:srgbClr val="00549F">
+                  <a:shade val="67500"/>
+                  <a:satMod val="115000"/>
+                </a:srgbClr>
+              </a:gs>
+              <a:gs pos="100000">
+                <a:srgbClr val="00549F">
+                  <a:shade val="100000"/>
+                  <a:satMod val="115000"/>
+                </a:srgbClr>
+              </a:gs>
+            </a:gsLst>
+            <a:lin ang="5400000" scaled="1"/>
+            <a:tileRect/>
+          </a:gradFill>
+          <a:ln>
+            <a:noFill/>
+          </a:ln>
+        </p:spPr>
+        <p:style>
+          <a:lnRef idx="2">
+            <a:schemeClr val="dk1">
+              <a:shade val="50000"/>
+            </a:schemeClr>
+          </a:lnRef>
+          <a:fillRef idx="1">
+            <a:schemeClr val="dk1"/>
+          </a:fillRef>
+          <a:effectRef idx="0">
+            <a:schemeClr val="dk1"/>
+          </a:effectRef>
+          <a:fontRef idx="minor">
+            <a:schemeClr val="lt1"/>
+          </a:fontRef>
+        </p:style>
+        <p:txBody>
+          <a:bodyPr rtlCol="0" anchor="ctr"/>
+          <a:lstStyle/>
+          <a:p>
+            <a:pPr algn="ctr"/>
+            <a:endParaRPr lang="ru-RU"/>
+          </a:p>
+        </p:txBody>
+      </p:sp>
+      <p:pic>
+        <p:nvPicPr>
+          <p:cNvPr id="5" name="Picture 2" descr="C:\Users\MSShafigullin\Desktop\2020\Презентация КФУ\kfu_logo_circle_rus.png"/>
+          <p:cNvPicPr>
+            <a:picLocks noChangeAspect="1" noChangeArrowheads="1"/>
+          </p:cNvPicPr>
+          <p:nvPr/>
+        </p:nvPicPr>
+        <p:blipFill>
+          <a:blip r:embed="rId3" cstate="print">
+            <a:extLst>
+              <a:ext uri="{28A0092B-C50C-407E-A947-70E740481C1C}">
+                <a14:useLocalDpi xmlns:a14="http://schemas.microsoft.com/office/drawing/2010/main" val="0"/>
+              </a:ext>
+            </a:extLst>
+          </a:blip>
+          <a:srcRect/>
+          <a:stretch>
+            <a:fillRect/>
+          </a:stretch>
+        </p:blipFill>
+        <p:spPr bwMode="auto">
+          <a:xfrm>
+            <a:off x="137267" y="87534"/>
+            <a:ext cx="553050" cy="540000"/>
+          </a:xfrm>
+          <a:prstGeom prst="rect">
+            <a:avLst/>
+          </a:prstGeom>
+          <a:noFill/>
+          <a:extLst>
+            <a:ext uri="{909E8E84-426E-40DD-AFC4-6F175D3DCCD1}">
+              <a14:hiddenFill xmlns:a14="http://schemas.microsoft.com/office/drawing/2010/main">
+                <a:solidFill>
+                  <a:srgbClr val="FFFFFF"/>
+                </a:solidFill>
+              </a14:hiddenFill>
+            </a:ext>
+          </a:extLst>
+        </p:spPr>
+      </p:pic>
+      <p:sp>
+        <p:nvSpPr>
+          <p:cNvPr id="17" name="Google Shape;424;p27"/>
+          <p:cNvSpPr txBox="1">
+            <a:spLocks noGrp="1"/>
+          </p:cNvSpPr>
+          <p:nvPr>
+            <p:ph type="title"/>
+          </p:nvPr>
+        </p:nvSpPr>
+        <p:spPr>
+          <a:xfrm>
+            <a:off x="964851" y="87534"/>
+            <a:ext cx="7582725" cy="760983"/>
+          </a:xfrm>
+          <a:prstGeom prst="rect">
+            <a:avLst/>
+          </a:prstGeom>
+        </p:spPr>
+        <p:txBody>
+          <a:bodyPr spcFirstLastPara="1" vert="horz" wrap="square" lIns="91425" tIns="91425" rIns="91425" bIns="91425" rtlCol="0" anchor="t" anchorCtr="0">
+            <a:noAutofit/>
+          </a:bodyPr>
+          <a:lstStyle/>
+          <a:p>
+            <a:r>
+              <a:rPr lang="ru-RU" sz="4000" dirty="0"/>
+              <a:t>Модели БД</a:t>
+            </a:r>
+          </a:p>
+        </p:txBody>
+      </p:sp>
+      <p:sp>
+        <p:nvSpPr>
+          <p:cNvPr id="7" name="TextBox 6"/>
+          <p:cNvSpPr txBox="1"/>
+          <p:nvPr/>
+        </p:nvSpPr>
+        <p:spPr>
+          <a:xfrm>
+            <a:off x="8276704" y="4628554"/>
+            <a:ext cx="775855" cy="400110"/>
+          </a:xfrm>
+          <a:prstGeom prst="rect">
+            <a:avLst/>
+          </a:prstGeom>
+          <a:noFill/>
+        </p:spPr>
+        <p:txBody>
+          <a:bodyPr wrap="square" rtlCol="0">
+            <a:spAutoFit/>
+          </a:bodyPr>
+          <a:lstStyle/>
+          <a:p>
+            <a:pPr algn="ctr"/>
+            <a:fld id="{91326118-483B-4565-A65B-2DA6A95B8275}" type="slidenum">
+              <a:rPr lang="ru-RU" sz="2000" smtClean="0">
+                <a:latin typeface="Roboto" panose="020B0604020202020204" charset="0"/>
+                <a:ea typeface="Roboto" panose="020B0604020202020204" charset="0"/>
+                <a:cs typeface="Roboto" panose="020B0604020202020204" charset="0"/>
+              </a:rPr>
+              <a:t>13</a:t>
+            </a:fld>
+            <a:endParaRPr lang="ru-RU" sz="2000" dirty="0">
+              <a:latin typeface="Roboto" panose="020B0604020202020204" charset="0"/>
+              <a:ea typeface="Roboto" panose="020B0604020202020204" charset="0"/>
+              <a:cs typeface="Roboto" panose="020B0604020202020204" charset="0"/>
+            </a:endParaRPr>
+          </a:p>
+        </p:txBody>
+      </p:sp>
+      <p:pic>
+        <p:nvPicPr>
+          <p:cNvPr id="2" name="Рисунок 1"/>
+          <p:cNvPicPr>
+            <a:picLocks noChangeAspect="1"/>
+          </p:cNvPicPr>
+          <p:nvPr/>
+        </p:nvPicPr>
+        <p:blipFill>
+          <a:blip r:embed="rId4">
+            <a:extLst>
+              <a:ext uri="{28A0092B-C50C-407E-A947-70E740481C1C}">
+                <a14:useLocalDpi xmlns:a14="http://schemas.microsoft.com/office/drawing/2010/main" val="0"/>
+              </a:ext>
+            </a:extLst>
+          </a:blip>
+          <a:stretch>
+            <a:fillRect/>
+          </a:stretch>
+        </p:blipFill>
+        <p:spPr>
+          <a:xfrm>
+            <a:off x="895923" y="1318261"/>
+            <a:ext cx="8156636" cy="2775584"/>
+          </a:xfrm>
+          <a:prstGeom prst="rect">
+            <a:avLst/>
+          </a:prstGeom>
+        </p:spPr>
+      </p:pic>
+    </p:spTree>
+    <p:extLst>
+      <p:ext uri="{BB962C8B-B14F-4D97-AF65-F5344CB8AC3E}">
+        <p14:creationId xmlns:p14="http://schemas.microsoft.com/office/powerpoint/2010/main" val="451574234"/>
+      </p:ext>
+    </p:extLst>
+  </p:cSld>
+  <p:clrMapOvr>
+    <a:masterClrMapping/>
+  </p:clrMapOvr>
+</p:sld>
+</file>
+
+<file path=ppt/slides/slide14.xml><?xml version="1.0" encoding="utf-8"?>
+<p:sld xmlns:a="http://schemas.openxmlformats.org/drawingml/2006/main" xmlns:r="http://schemas.openxmlformats.org/officeDocument/2006/relationships" xmlns:p="http://schemas.openxmlformats.org/presentationml/2006/main">
+  <p:cSld>
+    <p:spTree>
+      <p:nvGrpSpPr>
+        <p:cNvPr id="1" name=""/>
+        <p:cNvGrpSpPr/>
+        <p:nvPr/>
+      </p:nvGrpSpPr>
+      <p:grpSpPr>
+        <a:xfrm>
+          <a:off x="0" y="0"/>
+          <a:ext cx="0" cy="0"/>
+          <a:chOff x="0" y="0"/>
+          <a:chExt cx="0" cy="0"/>
+        </a:xfrm>
+      </p:grpSpPr>
+      <p:sp>
+        <p:nvSpPr>
+          <p:cNvPr id="4" name="Прямоугольник 3"/>
+          <p:cNvSpPr/>
+          <p:nvPr/>
+        </p:nvSpPr>
+        <p:spPr>
+          <a:xfrm>
+            <a:off x="0" y="0"/>
+            <a:ext cx="827584" cy="5143500"/>
+          </a:xfrm>
+          <a:prstGeom prst="rect">
+            <a:avLst/>
+          </a:prstGeom>
+          <a:gradFill flip="none" rotWithShape="1">
+            <a:gsLst>
+              <a:gs pos="0">
+                <a:srgbClr val="00549F">
+                  <a:shade val="30000"/>
+                  <a:satMod val="115000"/>
+                </a:srgbClr>
+              </a:gs>
+              <a:gs pos="50000">
+                <a:srgbClr val="00549F">
+                  <a:shade val="67500"/>
+                  <a:satMod val="115000"/>
+                </a:srgbClr>
+              </a:gs>
+              <a:gs pos="100000">
+                <a:srgbClr val="00549F">
+                  <a:shade val="100000"/>
+                  <a:satMod val="115000"/>
+                </a:srgbClr>
+              </a:gs>
+            </a:gsLst>
+            <a:lin ang="5400000" scaled="1"/>
+            <a:tileRect/>
+          </a:gradFill>
+          <a:ln>
+            <a:noFill/>
+          </a:ln>
+        </p:spPr>
+        <p:style>
+          <a:lnRef idx="2">
+            <a:schemeClr val="dk1">
+              <a:shade val="50000"/>
+            </a:schemeClr>
+          </a:lnRef>
+          <a:fillRef idx="1">
+            <a:schemeClr val="dk1"/>
+          </a:fillRef>
+          <a:effectRef idx="0">
+            <a:schemeClr val="dk1"/>
+          </a:effectRef>
+          <a:fontRef idx="minor">
+            <a:schemeClr val="lt1"/>
+          </a:fontRef>
+        </p:style>
+        <p:txBody>
+          <a:bodyPr rtlCol="0" anchor="ctr"/>
+          <a:lstStyle/>
+          <a:p>
+            <a:pPr algn="ctr"/>
+            <a:endParaRPr lang="ru-RU"/>
+          </a:p>
+        </p:txBody>
+      </p:sp>
+      <p:pic>
+        <p:nvPicPr>
+          <p:cNvPr id="5" name="Picture 2" descr="C:\Users\MSShafigullin\Desktop\2020\Презентация КФУ\kfu_logo_circle_rus.png"/>
+          <p:cNvPicPr>
+            <a:picLocks noChangeAspect="1" noChangeArrowheads="1"/>
+          </p:cNvPicPr>
+          <p:nvPr/>
+        </p:nvPicPr>
+        <p:blipFill>
+          <a:blip r:embed="rId3" cstate="print">
+            <a:extLst>
+              <a:ext uri="{28A0092B-C50C-407E-A947-70E740481C1C}">
+                <a14:useLocalDpi xmlns:a14="http://schemas.microsoft.com/office/drawing/2010/main" val="0"/>
+              </a:ext>
+            </a:extLst>
+          </a:blip>
+          <a:srcRect/>
+          <a:stretch>
+            <a:fillRect/>
+          </a:stretch>
+        </p:blipFill>
+        <p:spPr bwMode="auto">
+          <a:xfrm>
+            <a:off x="137267" y="87534"/>
+            <a:ext cx="553050" cy="540000"/>
+          </a:xfrm>
+          <a:prstGeom prst="rect">
+            <a:avLst/>
+          </a:prstGeom>
+          <a:noFill/>
+          <a:extLst>
+            <a:ext uri="{909E8E84-426E-40DD-AFC4-6F175D3DCCD1}">
+              <a14:hiddenFill xmlns:a14="http://schemas.microsoft.com/office/drawing/2010/main">
+                <a:solidFill>
+                  <a:srgbClr val="FFFFFF"/>
+                </a:solidFill>
+              </a14:hiddenFill>
+            </a:ext>
+          </a:extLst>
+        </p:spPr>
+      </p:pic>
+      <p:sp>
+        <p:nvSpPr>
+          <p:cNvPr id="17" name="Google Shape;424;p27"/>
+          <p:cNvSpPr txBox="1">
+            <a:spLocks noGrp="1"/>
+          </p:cNvSpPr>
+          <p:nvPr>
+            <p:ph type="title"/>
+          </p:nvPr>
+        </p:nvSpPr>
+        <p:spPr>
+          <a:xfrm>
+            <a:off x="964851" y="87534"/>
+            <a:ext cx="7582725" cy="760983"/>
+          </a:xfrm>
+          <a:prstGeom prst="rect">
+            <a:avLst/>
+          </a:prstGeom>
+        </p:spPr>
+        <p:txBody>
+          <a:bodyPr spcFirstLastPara="1" vert="horz" wrap="square" lIns="91425" tIns="91425" rIns="91425" bIns="91425" rtlCol="0" anchor="t" anchorCtr="0">
+            <a:noAutofit/>
+          </a:bodyPr>
+          <a:lstStyle/>
+          <a:p>
+            <a:r>
+              <a:rPr lang="ru-RU" sz="4000" dirty="0"/>
+              <a:t>Итоги</a:t>
+            </a:r>
+            <a:endParaRPr sz="6000" dirty="0"/>
+          </a:p>
+        </p:txBody>
+      </p:sp>
+      <p:sp>
+        <p:nvSpPr>
+          <p:cNvPr id="19" name="Google Shape;426;p27"/>
+          <p:cNvSpPr txBox="1">
+            <a:spLocks/>
+          </p:cNvSpPr>
+          <p:nvPr/>
+        </p:nvSpPr>
+        <p:spPr>
+          <a:xfrm>
+            <a:off x="1021080" y="796636"/>
+            <a:ext cx="3809999" cy="3943004"/>
+          </a:xfrm>
+          <a:prstGeom prst="rect">
+            <a:avLst/>
+          </a:prstGeom>
+        </p:spPr>
+        <p:txBody>
+          <a:bodyPr spcFirstLastPara="1" vert="horz" wrap="square" lIns="91425" tIns="91425" rIns="91425" bIns="91425" rtlCol="0" anchor="t" anchorCtr="0">
+            <a:noAutofit/>
+          </a:bodyPr>
+          <a:lstStyle>
+            <a:lvl1pPr marL="342900" indent="-342900" algn="l" defTabSz="914400" rtl="0" eaLnBrk="1" latinLnBrk="0" hangingPunct="1">
+              <a:spcBef>
+                <a:spcPct val="20000"/>
+              </a:spcBef>
+              <a:buFont typeface="Arial" panose="020B0604020202020204" pitchFamily="34" charset="0"/>
+              <a:buChar char="•"/>
+              <a:defRPr sz="3200" kern="1200">
+                <a:solidFill>
+                  <a:schemeClr val="tx1"/>
+                </a:solidFill>
+                <a:latin typeface="+mn-lt"/>
+                <a:ea typeface="+mn-ea"/>
+                <a:cs typeface="+mn-cs"/>
+              </a:defRPr>
+            </a:lvl1pPr>
+            <a:lvl2pPr marL="742950" indent="-285750" algn="l" defTabSz="914400" rtl="0" eaLnBrk="1" latinLnBrk="0" hangingPunct="1">
+              <a:spcBef>
+                <a:spcPct val="20000"/>
+              </a:spcBef>
+              <a:buFont typeface="Arial" panose="020B0604020202020204" pitchFamily="34" charset="0"/>
+              <a:buChar char="–"/>
+              <a:defRPr sz="2800" kern="1200">
+                <a:solidFill>
+                  <a:schemeClr val="tx1"/>
+                </a:solidFill>
+                <a:latin typeface="+mn-lt"/>
+                <a:ea typeface="+mn-ea"/>
+                <a:cs typeface="+mn-cs"/>
+              </a:defRPr>
+            </a:lvl2pPr>
+            <a:lvl3pPr marL="1143000" indent="-228600" algn="l" defTabSz="914400" rtl="0" eaLnBrk="1" latinLnBrk="0" hangingPunct="1">
+              <a:spcBef>
+                <a:spcPct val="20000"/>
+              </a:spcBef>
+              <a:buFont typeface="Arial" panose="020B0604020202020204" pitchFamily="34" charset="0"/>
+              <a:buChar char="•"/>
+              <a:defRPr sz="2400" kern="1200">
+                <a:solidFill>
+                  <a:schemeClr val="tx1"/>
+                </a:solidFill>
+                <a:latin typeface="+mn-lt"/>
+                <a:ea typeface="+mn-ea"/>
+                <a:cs typeface="+mn-cs"/>
+              </a:defRPr>
+            </a:lvl3pPr>
+            <a:lvl4pPr marL="1600200" indent="-228600" algn="l" defTabSz="914400" rtl="0" eaLnBrk="1" latinLnBrk="0" hangingPunct="1">
+              <a:spcBef>
+                <a:spcPct val="20000"/>
+              </a:spcBef>
+              <a:buFont typeface="Arial" panose="020B0604020202020204" pitchFamily="34" charset="0"/>
+              <a:buChar char="–"/>
+              <a:defRPr sz="2000" kern="1200">
+                <a:solidFill>
+                  <a:schemeClr val="tx1"/>
+                </a:solidFill>
+                <a:latin typeface="+mn-lt"/>
+                <a:ea typeface="+mn-ea"/>
+                <a:cs typeface="+mn-cs"/>
+              </a:defRPr>
+            </a:lvl4pPr>
+            <a:lvl5pPr marL="2057400" indent="-228600" algn="l" defTabSz="914400" rtl="0" eaLnBrk="1" latinLnBrk="0" hangingPunct="1">
+              <a:spcBef>
+                <a:spcPct val="20000"/>
+              </a:spcBef>
+              <a:buFont typeface="Arial" panose="020B0604020202020204" pitchFamily="34" charset="0"/>
+              <a:buChar char="»"/>
+              <a:defRPr sz="2000" kern="1200">
+                <a:solidFill>
+                  <a:schemeClr val="tx1"/>
+                </a:solidFill>
+                <a:latin typeface="+mn-lt"/>
+                <a:ea typeface="+mn-ea"/>
+                <a:cs typeface="+mn-cs"/>
+              </a:defRPr>
+            </a:lvl5pPr>
+            <a:lvl6pPr marL="2514600" indent="-228600" algn="l" defTabSz="914400" rtl="0" eaLnBrk="1" latinLnBrk="0" hangingPunct="1">
+              <a:spcBef>
+                <a:spcPct val="20000"/>
+              </a:spcBef>
+              <a:buFont typeface="Arial" panose="020B0604020202020204" pitchFamily="34" charset="0"/>
+              <a:buChar char="•"/>
+              <a:defRPr sz="2000" kern="1200">
+                <a:solidFill>
+                  <a:schemeClr val="tx1"/>
+                </a:solidFill>
+                <a:latin typeface="+mn-lt"/>
+                <a:ea typeface="+mn-ea"/>
+                <a:cs typeface="+mn-cs"/>
+              </a:defRPr>
+            </a:lvl6pPr>
+            <a:lvl7pPr marL="2971800" indent="-228600" algn="l" defTabSz="914400" rtl="0" eaLnBrk="1" latinLnBrk="0" hangingPunct="1">
+              <a:spcBef>
+                <a:spcPct val="20000"/>
+              </a:spcBef>
+              <a:buFont typeface="Arial" panose="020B0604020202020204" pitchFamily="34" charset="0"/>
+              <a:buChar char="•"/>
+              <a:defRPr sz="2000" kern="1200">
+                <a:solidFill>
+                  <a:schemeClr val="tx1"/>
+                </a:solidFill>
+                <a:latin typeface="+mn-lt"/>
+                <a:ea typeface="+mn-ea"/>
+                <a:cs typeface="+mn-cs"/>
+              </a:defRPr>
+            </a:lvl7pPr>
+            <a:lvl8pPr marL="3429000" indent="-228600" algn="l" defTabSz="914400" rtl="0" eaLnBrk="1" latinLnBrk="0" hangingPunct="1">
+              <a:spcBef>
+                <a:spcPct val="20000"/>
+              </a:spcBef>
+              <a:buFont typeface="Arial" panose="020B0604020202020204" pitchFamily="34" charset="0"/>
+              <a:buChar char="•"/>
+              <a:defRPr sz="2000" kern="1200">
+                <a:solidFill>
+                  <a:schemeClr val="tx1"/>
+                </a:solidFill>
+                <a:latin typeface="+mn-lt"/>
+                <a:ea typeface="+mn-ea"/>
+                <a:cs typeface="+mn-cs"/>
+              </a:defRPr>
+            </a:lvl8pPr>
+            <a:lvl9pPr marL="3886200" indent="-228600" algn="l" defTabSz="914400" rtl="0" eaLnBrk="1" latinLnBrk="0" hangingPunct="1">
+              <a:spcBef>
+                <a:spcPct val="20000"/>
+              </a:spcBef>
+              <a:buFont typeface="Arial" panose="020B0604020202020204" pitchFamily="34" charset="0"/>
+              <a:buChar char="•"/>
+              <a:defRPr sz="2000" kern="1200">
+                <a:solidFill>
+                  <a:schemeClr val="tx1"/>
+                </a:solidFill>
+                <a:latin typeface="+mn-lt"/>
+                <a:ea typeface="+mn-ea"/>
+                <a:cs typeface="+mn-cs"/>
+              </a:defRPr>
+            </a:lvl9pPr>
+          </a:lstStyle>
+          <a:p>
+            <a:pPr marL="0" indent="0">
+              <a:spcAft>
+                <a:spcPts val="2100"/>
+              </a:spcAft>
+              <a:buNone/>
+            </a:pPr>
+            <a:r>
+              <a:rPr lang="ru-RU" sz="2400" dirty="0"/>
+              <a:t>Создано решение в области систем контроля версий, обладающее простотой в использовании, набором уникальных функций, обеспечивающее безопасность данных и возможность монетизации контента</a:t>
+            </a:r>
+            <a:endParaRPr lang="ru-RU" sz="2400" dirty="0"/>
+          </a:p>
+        </p:txBody>
+      </p:sp>
+      <p:sp>
+        <p:nvSpPr>
+          <p:cNvPr id="7" name="TextBox 6"/>
+          <p:cNvSpPr txBox="1"/>
+          <p:nvPr/>
+        </p:nvSpPr>
+        <p:spPr>
+          <a:xfrm>
+            <a:off x="8276704" y="4628554"/>
+            <a:ext cx="775855" cy="400110"/>
+          </a:xfrm>
+          <a:prstGeom prst="rect">
+            <a:avLst/>
+          </a:prstGeom>
+          <a:noFill/>
+        </p:spPr>
+        <p:txBody>
+          <a:bodyPr wrap="square" rtlCol="0">
+            <a:spAutoFit/>
+          </a:bodyPr>
+          <a:lstStyle/>
+          <a:p>
+            <a:pPr algn="ctr"/>
+            <a:fld id="{91326118-483B-4565-A65B-2DA6A95B8275}" type="slidenum">
+              <a:rPr lang="ru-RU" sz="2000" smtClean="0">
+                <a:latin typeface="Roboto" panose="020B0604020202020204" charset="0"/>
+                <a:ea typeface="Roboto" panose="020B0604020202020204" charset="0"/>
+                <a:cs typeface="Roboto" panose="020B0604020202020204" charset="0"/>
+              </a:rPr>
+              <a:t>14</a:t>
+            </a:fld>
+            <a:endParaRPr lang="ru-RU" sz="2000" dirty="0">
+              <a:latin typeface="Roboto" panose="020B0604020202020204" charset="0"/>
+              <a:ea typeface="Roboto" panose="020B0604020202020204" charset="0"/>
+              <a:cs typeface="Roboto" panose="020B0604020202020204" charset="0"/>
+            </a:endParaRPr>
+          </a:p>
+        </p:txBody>
+      </p:sp>
+      <p:pic>
+        <p:nvPicPr>
+          <p:cNvPr id="8" name="Рисунок 7"/>
+          <p:cNvPicPr>
+            <a:picLocks noChangeAspect="1"/>
+          </p:cNvPicPr>
+          <p:nvPr/>
+        </p:nvPicPr>
+        <p:blipFill rotWithShape="1">
+          <a:blip r:embed="rId4"/>
+          <a:srcRect l="4049" r="5094"/>
+          <a:stretch/>
+        </p:blipFill>
+        <p:spPr>
+          <a:xfrm>
+            <a:off x="5135278" y="2940799"/>
+            <a:ext cx="3313238" cy="2042145"/>
+          </a:xfrm>
+          <a:prstGeom prst="rect">
+            <a:avLst/>
+          </a:prstGeom>
+          <a:effectLst>
+            <a:softEdge rad="0"/>
+          </a:effectLst>
+        </p:spPr>
+      </p:pic>
+      <p:pic>
+        <p:nvPicPr>
+          <p:cNvPr id="10" name="Рисунок 9"/>
+          <p:cNvPicPr>
+            <a:picLocks noChangeAspect="1"/>
+          </p:cNvPicPr>
+          <p:nvPr/>
+        </p:nvPicPr>
+        <p:blipFill>
+          <a:blip r:embed="rId5"/>
+          <a:stretch>
+            <a:fillRect/>
+          </a:stretch>
+        </p:blipFill>
+        <p:spPr>
+          <a:xfrm>
+            <a:off x="5135278" y="866566"/>
+            <a:ext cx="3313238" cy="2028513"/>
+          </a:xfrm>
+          <a:prstGeom prst="rect">
+            <a:avLst/>
+          </a:prstGeom>
+        </p:spPr>
+      </p:pic>
+    </p:spTree>
+    <p:extLst>
+      <p:ext uri="{BB962C8B-B14F-4D97-AF65-F5344CB8AC3E}">
+        <p14:creationId xmlns:p14="http://schemas.microsoft.com/office/powerpoint/2010/main" val="179258306"/>
+      </p:ext>
+    </p:extLst>
+  </p:cSld>
+  <p:clrMapOvr>
+    <a:masterClrMapping/>
+  </p:clrMapOvr>
+</p:sld>
+</file>
+
+<file path=ppt/slides/slide15.xml><?xml version="1.0" encoding="utf-8"?>
+<p:sld xmlns:a="http://schemas.openxmlformats.org/drawingml/2006/main" xmlns:r="http://schemas.openxmlformats.org/officeDocument/2006/relationships" xmlns:p="http://schemas.openxmlformats.org/presentationml/2006/main">
+  <p:cSld>
+    <p:spTree>
+      <p:nvGrpSpPr>
+        <p:cNvPr id="1" name=""/>
+        <p:cNvGrpSpPr/>
+        <p:nvPr/>
+      </p:nvGrpSpPr>
+      <p:grpSpPr>
+        <a:xfrm>
+          <a:off x="0" y="0"/>
+          <a:ext cx="0" cy="0"/>
+          <a:chOff x="0" y="0"/>
+          <a:chExt cx="0" cy="0"/>
+        </a:xfrm>
+      </p:grpSpPr>
+      <p:pic>
+        <p:nvPicPr>
+          <p:cNvPr id="4" name="Picture 2" descr="C:\Users\MSShafigullin\Desktop\Проекты\Брендбук\Гайдлайн\Презентация\презентация шаблон КФУ-01.jpg"/>
+          <p:cNvPicPr>
+            <a:picLocks noChangeAspect="1" noChangeArrowheads="1"/>
+          </p:cNvPicPr>
+          <p:nvPr/>
+        </p:nvPicPr>
+        <p:blipFill rotWithShape="1">
+          <a:blip r:embed="rId3">
+            <a:extLst>
+              <a:ext uri="{28A0092B-C50C-407E-A947-70E740481C1C}">
+                <a14:useLocalDpi xmlns:a14="http://schemas.microsoft.com/office/drawing/2010/main" val="0"/>
+              </a:ext>
+            </a:extLst>
+          </a:blip>
+          <a:srcRect b="20472"/>
+          <a:stretch/>
+        </p:blipFill>
+        <p:spPr bwMode="auto">
+          <a:xfrm>
+            <a:off x="3143" y="4390"/>
+            <a:ext cx="9144000" cy="5141714"/>
+          </a:xfrm>
+          <a:prstGeom prst="rect">
+            <a:avLst/>
+          </a:prstGeom>
+          <a:noFill/>
+          <a:extLst>
+            <a:ext uri="{909E8E84-426E-40DD-AFC4-6F175D3DCCD1}">
+              <a14:hiddenFill xmlns:a14="http://schemas.microsoft.com/office/drawing/2010/main">
+                <a:solidFill>
+                  <a:srgbClr val="FFFFFF"/>
+                </a:solidFill>
+              </a14:hiddenFill>
+            </a:ext>
+          </a:extLst>
+        </p:spPr>
+      </p:pic>
+      <p:pic>
+        <p:nvPicPr>
+          <p:cNvPr id="5" name="Picture 2" descr="C:\Users\MSShafigullin\Desktop\2020\Презентация КФУ\kfu_logo_circle_rus.png"/>
+          <p:cNvPicPr>
+            <a:picLocks noChangeAspect="1" noChangeArrowheads="1"/>
+          </p:cNvPicPr>
+          <p:nvPr/>
+        </p:nvPicPr>
+        <p:blipFill>
+          <a:blip r:embed="rId4" cstate="print">
+            <a:extLst>
+              <a:ext uri="{28A0092B-C50C-407E-A947-70E740481C1C}">
+                <a14:useLocalDpi xmlns:a14="http://schemas.microsoft.com/office/drawing/2010/main" val="0"/>
+              </a:ext>
+            </a:extLst>
+          </a:blip>
+          <a:srcRect/>
+          <a:stretch>
+            <a:fillRect/>
+          </a:stretch>
+        </p:blipFill>
+        <p:spPr bwMode="auto">
+          <a:xfrm>
+            <a:off x="539552" y="411510"/>
+            <a:ext cx="1152128" cy="1124940"/>
+          </a:xfrm>
+          <a:prstGeom prst="rect">
+            <a:avLst/>
+          </a:prstGeom>
+          <a:noFill/>
+          <a:extLst>
+            <a:ext uri="{909E8E84-426E-40DD-AFC4-6F175D3DCCD1}">
+              <a14:hiddenFill xmlns:a14="http://schemas.microsoft.com/office/drawing/2010/main">
+                <a:solidFill>
+                  <a:srgbClr val="FFFFFF"/>
+                </a:solidFill>
+              </a14:hiddenFill>
+            </a:ext>
+          </a:extLst>
+        </p:spPr>
+      </p:pic>
+      <p:sp>
+        <p:nvSpPr>
+          <p:cNvPr id="7" name="Google Shape;898;g89d9307d70_13_164"/>
+          <p:cNvSpPr txBox="1"/>
+          <p:nvPr/>
+        </p:nvSpPr>
+        <p:spPr>
+          <a:xfrm>
+            <a:off x="1255005" y="2074200"/>
+            <a:ext cx="6633989" cy="995100"/>
+          </a:xfrm>
+          <a:prstGeom prst="rect">
+            <a:avLst/>
+          </a:prstGeom>
+          <a:noFill/>
+          <a:ln>
+            <a:noFill/>
+          </a:ln>
+        </p:spPr>
+        <p:txBody>
+          <a:bodyPr spcFirstLastPara="1" wrap="square" lIns="91425" tIns="45700" rIns="91425" bIns="45700" anchor="ctr" anchorCtr="0">
+            <a:noAutofit/>
+          </a:bodyPr>
+          <a:lstStyle/>
+          <a:p>
+            <a:pPr marL="0" marR="0" lvl="0" indent="0" algn="ctr" rtl="0">
+              <a:lnSpc>
+                <a:spcPct val="100000"/>
+              </a:lnSpc>
+              <a:spcBef>
+                <a:spcPts val="0"/>
+              </a:spcBef>
+              <a:spcAft>
+                <a:spcPts val="0"/>
+              </a:spcAft>
+              <a:buClr>
+                <a:srgbClr val="000000"/>
+              </a:buClr>
+              <a:buSzPts val="5867"/>
+              <a:buFont typeface="Arial"/>
+              <a:buNone/>
+            </a:pPr>
+            <a:r>
+              <a:rPr lang="ru-RU" sz="4400" b="1" i="0" strike="noStrike" cap="none" dirty="0">
+                <a:solidFill>
+                  <a:schemeClr val="bg1"/>
+                </a:solidFill>
+                <a:latin typeface="+mj-lt"/>
+                <a:ea typeface="Arial"/>
+                <a:cs typeface="Times New Roman" panose="02020603050405020304" pitchFamily="18" charset="0"/>
+                <a:sym typeface="Arial"/>
+              </a:rPr>
+              <a:t>Спасибо</a:t>
+            </a:r>
+            <a:r>
+              <a:rPr lang="en-US" sz="4400" b="1" i="0" strike="noStrike" cap="none" dirty="0">
+                <a:solidFill>
+                  <a:schemeClr val="bg1"/>
+                </a:solidFill>
+                <a:latin typeface="+mj-lt"/>
+                <a:ea typeface="Arial"/>
+                <a:cs typeface="Times New Roman" panose="02020603050405020304" pitchFamily="18" charset="0"/>
+                <a:sym typeface="Arial"/>
+              </a:rPr>
+              <a:t> за внимание!</a:t>
+            </a:r>
+            <a:endParaRPr sz="4400" b="1" i="0" strike="noStrike" cap="none" dirty="0">
+              <a:solidFill>
+                <a:schemeClr val="bg1"/>
+              </a:solidFill>
+              <a:latin typeface="+mj-lt"/>
+              <a:ea typeface="Arial"/>
+              <a:cs typeface="Times New Roman" panose="02020603050405020304" pitchFamily="18" charset="0"/>
+              <a:sym typeface="Arial"/>
+            </a:endParaRPr>
+          </a:p>
+        </p:txBody>
+      </p:sp>
+    </p:spTree>
+    <p:extLst>
+      <p:ext uri="{BB962C8B-B14F-4D97-AF65-F5344CB8AC3E}">
+        <p14:creationId xmlns:p14="http://schemas.microsoft.com/office/powerpoint/2010/main" val="209181024"/>
+      </p:ext>
+    </p:extLst>
+  </p:cSld>
+  <p:clrMapOvr>
+    <a:masterClrMapping/>
+  </p:clrMapOvr>
+</p:sld>
+</file>
+
+<file path=ppt/slides/slide2.xml><?xml version="1.0" encoding="utf-8"?>
+<p:sld xmlns:a="http://schemas.openxmlformats.org/drawingml/2006/main" xmlns:r="http://schemas.openxmlformats.org/officeDocument/2006/relationships" xmlns:p="http://schemas.openxmlformats.org/presentationml/2006/main">
+  <p:cSld>
+    <p:spTree>
+      <p:nvGrpSpPr>
+        <p:cNvPr id="1" name=""/>
+        <p:cNvGrpSpPr/>
+        <p:nvPr/>
+      </p:nvGrpSpPr>
+      <p:grpSpPr>
+        <a:xfrm>
+          <a:off x="0" y="0"/>
+          <a:ext cx="0" cy="0"/>
+          <a:chOff x="0" y="0"/>
+          <a:chExt cx="0" cy="0"/>
+        </a:xfrm>
+      </p:grpSpPr>
+      <p:sp>
+        <p:nvSpPr>
+          <p:cNvPr id="4" name="Прямоугольник 3"/>
+          <p:cNvSpPr/>
+          <p:nvPr/>
+        </p:nvSpPr>
+        <p:spPr>
+          <a:xfrm>
+            <a:off x="0" y="0"/>
+            <a:ext cx="827584" cy="5143500"/>
+          </a:xfrm>
+          <a:prstGeom prst="rect">
+            <a:avLst/>
+          </a:prstGeom>
+          <a:gradFill flip="none" rotWithShape="1">
+            <a:gsLst>
+              <a:gs pos="0">
+                <a:srgbClr val="00549F">
+                  <a:shade val="30000"/>
+                  <a:satMod val="115000"/>
+                </a:srgbClr>
+              </a:gs>
+              <a:gs pos="50000">
+                <a:srgbClr val="00549F">
+                  <a:shade val="67500"/>
+                  <a:satMod val="115000"/>
+                </a:srgbClr>
+              </a:gs>
+              <a:gs pos="100000">
+                <a:srgbClr val="00549F">
+                  <a:shade val="100000"/>
+                  <a:satMod val="115000"/>
+                </a:srgbClr>
+              </a:gs>
+            </a:gsLst>
+            <a:lin ang="5400000" scaled="1"/>
+            <a:tileRect/>
+          </a:gradFill>
+          <a:ln>
+            <a:noFill/>
+          </a:ln>
+        </p:spPr>
+        <p:style>
+          <a:lnRef idx="2">
+            <a:schemeClr val="dk1">
+              <a:shade val="50000"/>
+            </a:schemeClr>
+          </a:lnRef>
+          <a:fillRef idx="1">
+            <a:schemeClr val="dk1"/>
+          </a:fillRef>
+          <a:effectRef idx="0">
+            <a:schemeClr val="dk1"/>
+          </a:effectRef>
+          <a:fontRef idx="minor">
+            <a:schemeClr val="lt1"/>
+          </a:fontRef>
+        </p:style>
+        <p:txBody>
+          <a:bodyPr rtlCol="0" anchor="ctr"/>
+          <a:lstStyle/>
+          <a:p>
+            <a:pPr algn="ctr"/>
+            <a:endParaRPr lang="ru-RU"/>
+          </a:p>
+        </p:txBody>
+      </p:sp>
+      <p:pic>
+        <p:nvPicPr>
+          <p:cNvPr id="5" name="Picture 2" descr="C:\Users\MSShafigullin\Desktop\2020\Презентация КФУ\kfu_logo_circle_rus.png"/>
+          <p:cNvPicPr>
+            <a:picLocks noChangeAspect="1" noChangeArrowheads="1"/>
+          </p:cNvPicPr>
+          <p:nvPr/>
+        </p:nvPicPr>
+        <p:blipFill>
+          <a:blip r:embed="rId3" cstate="print">
+            <a:extLst>
+              <a:ext uri="{28A0092B-C50C-407E-A947-70E740481C1C}">
+                <a14:useLocalDpi xmlns:a14="http://schemas.microsoft.com/office/drawing/2010/main" val="0"/>
+              </a:ext>
+            </a:extLst>
+          </a:blip>
+          <a:srcRect/>
+          <a:stretch>
+            <a:fillRect/>
+          </a:stretch>
+        </p:blipFill>
+        <p:spPr bwMode="auto">
+          <a:xfrm>
+            <a:off x="137267" y="87534"/>
+            <a:ext cx="553050" cy="540000"/>
+          </a:xfrm>
+          <a:prstGeom prst="rect">
+            <a:avLst/>
+          </a:prstGeom>
+          <a:noFill/>
+          <a:extLst>
+            <a:ext uri="{909E8E84-426E-40DD-AFC4-6F175D3DCCD1}">
+              <a14:hiddenFill xmlns:a14="http://schemas.microsoft.com/office/drawing/2010/main">
+                <a:solidFill>
+                  <a:srgbClr val="FFFFFF"/>
+                </a:solidFill>
+              </a14:hiddenFill>
+            </a:ext>
+          </a:extLst>
+        </p:spPr>
+      </p:pic>
+      <p:sp>
+        <p:nvSpPr>
+          <p:cNvPr id="6" name="TextBox 5"/>
+          <p:cNvSpPr txBox="1"/>
+          <p:nvPr/>
+        </p:nvSpPr>
+        <p:spPr>
+          <a:xfrm>
+            <a:off x="1285525" y="210412"/>
+            <a:ext cx="7205462" cy="707886"/>
+          </a:xfrm>
+          <a:prstGeom prst="rect">
+            <a:avLst/>
+          </a:prstGeom>
+          <a:noFill/>
+        </p:spPr>
+        <p:txBody>
+          <a:bodyPr wrap="square" rtlCol="0">
+            <a:spAutoFit/>
+          </a:bodyPr>
+          <a:lstStyle/>
+          <a:p>
+            <a:pPr algn="ctr"/>
+            <a:r>
+              <a:rPr lang="ru-RU" sz="4000" dirty="0"/>
               <a:t>Аналоги</a:t>
             </a:r>
-            <a:endParaRPr lang="ru-RU" sz="4400" dirty="0">
+            <a:endParaRPr lang="ru-RU" sz="4000" dirty="0">
               <a:cs typeface="Times New Roman" panose="02020603050405020304" pitchFamily="18" charset="0"/>
             </a:endParaRPr>
           </a:p>
@@ -7039,6 +8830,45 @@
           </a:p>
         </p:txBody>
       </p:sp>
+      <p:sp>
+        <p:nvSpPr>
+          <p:cNvPr id="12" name="TextBox 11"/>
+          <p:cNvSpPr txBox="1"/>
+          <p:nvPr/>
+        </p:nvSpPr>
+        <p:spPr>
+          <a:xfrm>
+            <a:off x="8276704" y="4628554"/>
+            <a:ext cx="775855" cy="400110"/>
+          </a:xfrm>
+          <a:prstGeom prst="rect">
+            <a:avLst/>
+          </a:prstGeom>
+          <a:noFill/>
+        </p:spPr>
+        <p:txBody>
+          <a:bodyPr wrap="square" rtlCol="0">
+            <a:spAutoFit/>
+          </a:bodyPr>
+          <a:lstStyle/>
+          <a:p>
+            <a:pPr algn="ctr"/>
+            <a:fld id="{AD9104E7-A6D3-413A-8A74-C9333AAD8130}" type="slidenum">
+              <a:rPr lang="ru-RU" sz="2000">
+                <a:latin typeface="Roboto" panose="020B0604020202020204" charset="0"/>
+                <a:ea typeface="Roboto" panose="020B0604020202020204" charset="0"/>
+                <a:cs typeface="Roboto" panose="020B0604020202020204" charset="0"/>
+              </a:rPr>
+              <a:t>2</a:t>
+            </a:fld>
+            <a:endParaRPr lang="ru-RU" sz="2000" dirty="0">
+              <a:latin typeface="Roboto" panose="020B0604020202020204" charset="0"/>
+              <a:ea typeface="Roboto" panose="020B0604020202020204" charset="0"/>
+              <a:cs typeface="Roboto" panose="020B0604020202020204" charset="0"/>
+            </a:endParaRPr>
+          </a:p>
+        </p:txBody>
+      </p:sp>
     </p:spTree>
     <p:extLst>
       <p:ext uri="{BB962C8B-B14F-4D97-AF65-F5344CB8AC3E}">
@@ -7189,7 +9019,7 @@
         </p:nvSpPr>
         <p:spPr>
           <a:xfrm>
-            <a:off x="745819" y="271181"/>
+            <a:off x="964851" y="174199"/>
             <a:ext cx="7582725" cy="572625"/>
           </a:xfrm>
           <a:prstGeom prst="rect">
@@ -7203,14 +9033,10 @@
           <a:lstStyle/>
           <a:p>
             <a:r>
-              <a:rPr lang="ru-RU" sz="3000" dirty="0"/>
-              <a:t>Цели </a:t>
-            </a:r>
-            <a:r>
-              <a:rPr lang="ru-RU" sz="3000" dirty="0"/>
-              <a:t>проекта</a:t>
-            </a:r>
-            <a:endParaRPr sz="4500" dirty="0"/>
+              <a:rPr lang="ru-RU" sz="4000" dirty="0"/>
+              <a:t>Цели проекта</a:t>
+            </a:r>
+            <a:endParaRPr sz="6000" dirty="0"/>
           </a:p>
         </p:txBody>
       </p:sp>
@@ -7225,7 +9051,7 @@
         <p:spPr>
           <a:xfrm>
             <a:off x="4895384" y="1309255"/>
-            <a:ext cx="3368853" cy="2990338"/>
+            <a:ext cx="3888398" cy="3151910"/>
           </a:xfrm>
           <a:prstGeom prst="rect">
             <a:avLst/>
@@ -7375,38 +9201,62 @@
           <a:p>
             <a:pPr marL="214313" indent="-214313"/>
             <a:r>
-              <a:rPr lang="ru-RU" sz="1800" dirty="0" smtClean="0"/>
+              <a:rPr lang="ru-RU" sz="2400" dirty="0" smtClean="0">
+                <a:solidFill>
+                  <a:srgbClr val="00B050"/>
+                </a:solidFill>
+              </a:rPr>
               <a:t>Простота в использовании</a:t>
             </a:r>
           </a:p>
           <a:p>
             <a:pPr marL="214313" indent="-214313"/>
             <a:r>
-              <a:rPr lang="ru-RU" sz="1800" dirty="0" smtClean="0"/>
+              <a:rPr lang="ru-RU" sz="2400" dirty="0" smtClean="0">
+                <a:solidFill>
+                  <a:srgbClr val="00B050"/>
+                </a:solidFill>
+              </a:rPr>
               <a:t>Русификация и выбор языка</a:t>
             </a:r>
           </a:p>
           <a:p>
             <a:pPr marL="214313" indent="-214313"/>
             <a:r>
-              <a:rPr lang="ru-RU" sz="1800" dirty="0" smtClean="0"/>
+              <a:rPr lang="ru-RU" sz="2400" dirty="0" smtClean="0">
+                <a:solidFill>
+                  <a:srgbClr val="00B050"/>
+                </a:solidFill>
+              </a:rPr>
               <a:t>Шифрование данных</a:t>
             </a:r>
           </a:p>
           <a:p>
             <a:pPr marL="214313" indent="-214313"/>
             <a:r>
-              <a:rPr lang="ru-RU" sz="1800" dirty="0" smtClean="0"/>
+              <a:rPr lang="ru-RU" sz="2400" dirty="0" smtClean="0">
+                <a:solidFill>
+                  <a:srgbClr val="00B050"/>
+                </a:solidFill>
+              </a:rPr>
               <a:t>Выбор сервера для хранения данных</a:t>
             </a:r>
           </a:p>
           <a:p>
             <a:pPr marL="214313" indent="-214313"/>
             <a:r>
-              <a:rPr lang="ru-RU" sz="1800" dirty="0" smtClean="0"/>
+              <a:rPr lang="ru-RU" sz="2400" dirty="0" smtClean="0">
+                <a:solidFill>
+                  <a:srgbClr val="00B050"/>
+                </a:solidFill>
+              </a:rPr>
               <a:t>Торговая площадка</a:t>
             </a:r>
-            <a:endParaRPr lang="ru-RU" sz="1800" dirty="0"/>
+            <a:endParaRPr lang="ru-RU" sz="2400" dirty="0">
+              <a:solidFill>
+                <a:srgbClr val="00B050"/>
+              </a:solidFill>
+            </a:endParaRPr>
           </a:p>
         </p:txBody>
       </p:sp>
@@ -7421,7 +9271,7 @@
         <p:spPr>
           <a:xfrm>
             <a:off x="1126636" y="1309255"/>
-            <a:ext cx="3410545" cy="3151910"/>
+            <a:ext cx="3563128" cy="3151910"/>
           </a:xfrm>
           <a:prstGeom prst="rect">
             <a:avLst/>
@@ -7577,18 +9427,57 @@
               <a:buNone/>
             </a:pPr>
             <a:r>
-              <a:rPr lang="ru-RU" sz="1950" dirty="0" smtClean="0"/>
+              <a:rPr lang="ru-RU" sz="2400" dirty="0" smtClean="0"/>
               <a:t>Цель: создание </a:t>
             </a:r>
             <a:r>
-              <a:rPr lang="en-US" sz="1950" dirty="0" smtClean="0"/>
+              <a:rPr lang="en-US" sz="2400" dirty="0" smtClean="0"/>
               <a:t>VCS</a:t>
             </a:r>
             <a:r>
-              <a:rPr lang="ru-RU" sz="1950" dirty="0" smtClean="0"/>
+              <a:rPr lang="ru-RU" sz="2400" dirty="0" smtClean="0"/>
               <a:t>, простой в использовании, с русификацией и расширенным функционалом, как для клиентской, так и для серверной части.</a:t>
             </a:r>
-            <a:endParaRPr lang="ru-RU" sz="1950" dirty="0"/>
+            <a:endParaRPr lang="ru-RU" sz="2400" dirty="0"/>
+          </a:p>
+        </p:txBody>
+      </p:sp>
+      <p:sp>
+        <p:nvSpPr>
+          <p:cNvPr id="7" name="TextBox 6"/>
+          <p:cNvSpPr txBox="1"/>
+          <p:nvPr/>
+        </p:nvSpPr>
+        <p:spPr>
+          <a:xfrm>
+            <a:off x="8276704" y="4628554"/>
+            <a:ext cx="775855" cy="400110"/>
+          </a:xfrm>
+          <a:prstGeom prst="rect">
+            <a:avLst/>
+          </a:prstGeom>
+          <a:noFill/>
+        </p:spPr>
+        <p:txBody>
+          <a:bodyPr wrap="square" rtlCol="0">
+            <a:spAutoFit/>
+          </a:bodyPr>
+          <a:lstStyle/>
+          <a:p>
+            <a:pPr algn="ctr"/>
+            <a:fld id="{73B2B6CB-D875-4B6A-A90B-B9752B54B15D}" type="slidenum">
+              <a:rPr lang="ru-RU" sz="2000">
+                <a:latin typeface="Roboto" panose="020B0604020202020204" charset="0"/>
+                <a:ea typeface="Roboto" panose="020B0604020202020204" charset="0"/>
+                <a:cs typeface="Roboto" panose="020B0604020202020204" charset="0"/>
+              </a:rPr>
+              <a:t>3</a:t>
+            </a:fld>
+            <a:endParaRPr lang="ru-RU" sz="2000" dirty="0">
+              <a:latin typeface="Roboto" panose="020B0604020202020204" charset="0"/>
+              <a:ea typeface="Roboto" panose="020B0604020202020204" charset="0"/>
+              <a:cs typeface="Roboto" panose="020B0604020202020204" charset="0"/>
+            </a:endParaRPr>
           </a:p>
         </p:txBody>
       </p:sp>
@@ -7732,177 +9621,350 @@
       </p:pic>
       <p:sp>
         <p:nvSpPr>
-          <p:cNvPr id="8" name="Прямоугольник 7"/>
-          <p:cNvSpPr/>
-          <p:nvPr/>
+          <p:cNvPr id="17" name="Google Shape;424;p27"/>
+          <p:cNvSpPr txBox="1">
+            <a:spLocks noGrp="1"/>
+          </p:cNvSpPr>
+          <p:nvPr>
+            <p:ph type="title"/>
+          </p:nvPr>
         </p:nvSpPr>
         <p:spPr>
           <a:xfrm>
-            <a:off x="413792" y="942350"/>
-            <a:ext cx="8621924" cy="4619854"/>
+            <a:off x="964851" y="87534"/>
+            <a:ext cx="7582725" cy="760983"/>
           </a:xfrm>
           <a:prstGeom prst="rect">
             <a:avLst/>
           </a:prstGeom>
         </p:spPr>
         <p:txBody>
-          <a:bodyPr wrap="square">
-            <a:spAutoFit/>
+          <a:bodyPr spcFirstLastPara="1" vert="horz" wrap="square" lIns="91425" tIns="91425" rIns="91425" bIns="91425" rtlCol="0" anchor="t" anchorCtr="0">
+            <a:noAutofit/>
           </a:bodyPr>
           <a:lstStyle/>
           <a:p>
-            <a:pPr lvl="1" indent="360000">
-              <a:lnSpc>
-                <a:spcPct val="150000"/>
-              </a:lnSpc>
-            </a:pPr>
-            <a:r>
-              <a:rPr lang="ru-RU" dirty="0">
-                <a:cs typeface="Times New Roman" panose="02020603050405020304" pitchFamily="18" charset="0"/>
-              </a:rPr>
-              <a:t>Целью</a:t>
-            </a:r>
-            <a:r>
-              <a:rPr lang="ru-RU" b="1" dirty="0">
-                <a:cs typeface="Times New Roman" panose="02020603050405020304" pitchFamily="18" charset="0"/>
-              </a:rPr>
-              <a:t> </a:t>
-            </a:r>
-            <a:r>
-              <a:rPr lang="ru-RU" dirty="0">
-                <a:cs typeface="Times New Roman" panose="02020603050405020304" pitchFamily="18" charset="0"/>
-              </a:rPr>
-              <a:t>выпускной квалификационной работы является создание прототипа системы контроля версий</a:t>
-            </a:r>
-            <a:r>
-              <a:rPr lang="en-US" dirty="0">
-                <a:cs typeface="Times New Roman" panose="02020603050405020304" pitchFamily="18" charset="0"/>
-              </a:rPr>
-              <a:t> </a:t>
-            </a:r>
-            <a:r>
-              <a:rPr lang="ru-RU" dirty="0">
-                <a:cs typeface="Times New Roman" panose="02020603050405020304" pitchFamily="18" charset="0"/>
-              </a:rPr>
-              <a:t>для  отслеживания изменений, управления версиями и совместной работы между разработчиками. </a:t>
-            </a:r>
-          </a:p>
-          <a:p>
-            <a:pPr lvl="1" indent="360000">
-              <a:lnSpc>
-                <a:spcPct val="150000"/>
-              </a:lnSpc>
-            </a:pPr>
-            <a:r>
-              <a:rPr lang="ru-RU" dirty="0">
-                <a:cs typeface="Times New Roman" panose="02020603050405020304" pitchFamily="18" charset="0"/>
-              </a:rPr>
-              <a:t>Для достижения цели поставлены следующие </a:t>
-            </a:r>
-            <a:r>
-              <a:rPr lang="ru-RU" b="1" dirty="0">
-                <a:cs typeface="Times New Roman" panose="02020603050405020304" pitchFamily="18" charset="0"/>
-              </a:rPr>
-              <a:t>задачи:</a:t>
-            </a:r>
-          </a:p>
-          <a:p>
-            <a:pPr marL="800100" lvl="1" indent="-342900">
-              <a:lnSpc>
-                <a:spcPct val="150000"/>
-              </a:lnSpc>
+            <a:r>
+              <a:rPr lang="ru-RU" sz="4000" dirty="0"/>
+              <a:t>Задачи проекта</a:t>
+            </a:r>
+            <a:endParaRPr sz="6000" dirty="0"/>
+          </a:p>
+        </p:txBody>
+      </p:sp>
+      <p:sp>
+        <p:nvSpPr>
+          <p:cNvPr id="19" name="Google Shape;426;p27"/>
+          <p:cNvSpPr txBox="1">
+            <a:spLocks/>
+          </p:cNvSpPr>
+          <p:nvPr/>
+        </p:nvSpPr>
+        <p:spPr>
+          <a:xfrm>
+            <a:off x="1119707" y="796636"/>
+            <a:ext cx="7802619" cy="3241966"/>
+          </a:xfrm>
+          <a:prstGeom prst="rect">
+            <a:avLst/>
+          </a:prstGeom>
+        </p:spPr>
+        <p:txBody>
+          <a:bodyPr spcFirstLastPara="1" vert="horz" wrap="square" lIns="91425" tIns="91425" rIns="91425" bIns="91425" rtlCol="0" anchor="t" anchorCtr="0">
+            <a:noAutofit/>
+          </a:bodyPr>
+          <a:lstStyle>
+            <a:lvl1pPr marL="342900" indent="-342900" algn="l" defTabSz="914400" rtl="0" eaLnBrk="1" latinLnBrk="0" hangingPunct="1">
+              <a:spcBef>
+                <a:spcPct val="20000"/>
+              </a:spcBef>
+              <a:buFont typeface="Arial" panose="020B0604020202020204" pitchFamily="34" charset="0"/>
+              <a:buChar char="•"/>
+              <a:defRPr sz="3200" kern="1200">
+                <a:solidFill>
+                  <a:schemeClr val="tx1"/>
+                </a:solidFill>
+                <a:latin typeface="+mn-lt"/>
+                <a:ea typeface="+mn-ea"/>
+                <a:cs typeface="+mn-cs"/>
+              </a:defRPr>
+            </a:lvl1pPr>
+            <a:lvl2pPr marL="742950" indent="-285750" algn="l" defTabSz="914400" rtl="0" eaLnBrk="1" latinLnBrk="0" hangingPunct="1">
+              <a:spcBef>
+                <a:spcPct val="20000"/>
+              </a:spcBef>
+              <a:buFont typeface="Arial" panose="020B0604020202020204" pitchFamily="34" charset="0"/>
+              <a:buChar char="–"/>
+              <a:defRPr sz="2800" kern="1200">
+                <a:solidFill>
+                  <a:schemeClr val="tx1"/>
+                </a:solidFill>
+                <a:latin typeface="+mn-lt"/>
+                <a:ea typeface="+mn-ea"/>
+                <a:cs typeface="+mn-cs"/>
+              </a:defRPr>
+            </a:lvl2pPr>
+            <a:lvl3pPr marL="1143000" indent="-228600" algn="l" defTabSz="914400" rtl="0" eaLnBrk="1" latinLnBrk="0" hangingPunct="1">
+              <a:spcBef>
+                <a:spcPct val="20000"/>
+              </a:spcBef>
+              <a:buFont typeface="Arial" panose="020B0604020202020204" pitchFamily="34" charset="0"/>
+              <a:buChar char="•"/>
+              <a:defRPr sz="2400" kern="1200">
+                <a:solidFill>
+                  <a:schemeClr val="tx1"/>
+                </a:solidFill>
+                <a:latin typeface="+mn-lt"/>
+                <a:ea typeface="+mn-ea"/>
+                <a:cs typeface="+mn-cs"/>
+              </a:defRPr>
+            </a:lvl3pPr>
+            <a:lvl4pPr marL="1600200" indent="-228600" algn="l" defTabSz="914400" rtl="0" eaLnBrk="1" latinLnBrk="0" hangingPunct="1">
+              <a:spcBef>
+                <a:spcPct val="20000"/>
+              </a:spcBef>
+              <a:buFont typeface="Arial" panose="020B0604020202020204" pitchFamily="34" charset="0"/>
+              <a:buChar char="–"/>
+              <a:defRPr sz="2000" kern="1200">
+                <a:solidFill>
+                  <a:schemeClr val="tx1"/>
+                </a:solidFill>
+                <a:latin typeface="+mn-lt"/>
+                <a:ea typeface="+mn-ea"/>
+                <a:cs typeface="+mn-cs"/>
+              </a:defRPr>
+            </a:lvl4pPr>
+            <a:lvl5pPr marL="2057400" indent="-228600" algn="l" defTabSz="914400" rtl="0" eaLnBrk="1" latinLnBrk="0" hangingPunct="1">
+              <a:spcBef>
+                <a:spcPct val="20000"/>
+              </a:spcBef>
+              <a:buFont typeface="Arial" panose="020B0604020202020204" pitchFamily="34" charset="0"/>
+              <a:buChar char="»"/>
+              <a:defRPr sz="2000" kern="1200">
+                <a:solidFill>
+                  <a:schemeClr val="tx1"/>
+                </a:solidFill>
+                <a:latin typeface="+mn-lt"/>
+                <a:ea typeface="+mn-ea"/>
+                <a:cs typeface="+mn-cs"/>
+              </a:defRPr>
+            </a:lvl5pPr>
+            <a:lvl6pPr marL="2514600" indent="-228600" algn="l" defTabSz="914400" rtl="0" eaLnBrk="1" latinLnBrk="0" hangingPunct="1">
+              <a:spcBef>
+                <a:spcPct val="20000"/>
+              </a:spcBef>
+              <a:buFont typeface="Arial" panose="020B0604020202020204" pitchFamily="34" charset="0"/>
+              <a:buChar char="•"/>
+              <a:defRPr sz="2000" kern="1200">
+                <a:solidFill>
+                  <a:schemeClr val="tx1"/>
+                </a:solidFill>
+                <a:latin typeface="+mn-lt"/>
+                <a:ea typeface="+mn-ea"/>
+                <a:cs typeface="+mn-cs"/>
+              </a:defRPr>
+            </a:lvl6pPr>
+            <a:lvl7pPr marL="2971800" indent="-228600" algn="l" defTabSz="914400" rtl="0" eaLnBrk="1" latinLnBrk="0" hangingPunct="1">
+              <a:spcBef>
+                <a:spcPct val="20000"/>
+              </a:spcBef>
+              <a:buFont typeface="Arial" panose="020B0604020202020204" pitchFamily="34" charset="0"/>
+              <a:buChar char="•"/>
+              <a:defRPr sz="2000" kern="1200">
+                <a:solidFill>
+                  <a:schemeClr val="tx1"/>
+                </a:solidFill>
+                <a:latin typeface="+mn-lt"/>
+                <a:ea typeface="+mn-ea"/>
+                <a:cs typeface="+mn-cs"/>
+              </a:defRPr>
+            </a:lvl7pPr>
+            <a:lvl8pPr marL="3429000" indent="-228600" algn="l" defTabSz="914400" rtl="0" eaLnBrk="1" latinLnBrk="0" hangingPunct="1">
+              <a:spcBef>
+                <a:spcPct val="20000"/>
+              </a:spcBef>
+              <a:buFont typeface="Arial" panose="020B0604020202020204" pitchFamily="34" charset="0"/>
+              <a:buChar char="•"/>
+              <a:defRPr sz="2000" kern="1200">
+                <a:solidFill>
+                  <a:schemeClr val="tx1"/>
+                </a:solidFill>
+                <a:latin typeface="+mn-lt"/>
+                <a:ea typeface="+mn-ea"/>
+                <a:cs typeface="+mn-cs"/>
+              </a:defRPr>
+            </a:lvl8pPr>
+            <a:lvl9pPr marL="3886200" indent="-228600" algn="l" defTabSz="914400" rtl="0" eaLnBrk="1" latinLnBrk="0" hangingPunct="1">
+              <a:spcBef>
+                <a:spcPct val="20000"/>
+              </a:spcBef>
+              <a:buFont typeface="Arial" panose="020B0604020202020204" pitchFamily="34" charset="0"/>
+              <a:buChar char="•"/>
+              <a:defRPr sz="2000" kern="1200">
+                <a:solidFill>
+                  <a:schemeClr val="tx1"/>
+                </a:solidFill>
+                <a:latin typeface="+mn-lt"/>
+                <a:ea typeface="+mn-ea"/>
+                <a:cs typeface="+mn-cs"/>
+              </a:defRPr>
+            </a:lvl9pPr>
+          </a:lstStyle>
+          <a:p>
+            <a:pPr>
+              <a:buClr>
+                <a:schemeClr val="tx1"/>
+              </a:buClr>
               <a:buFont typeface="+mj-lt"/>
               <a:buAutoNum type="arabicPeriod"/>
             </a:pPr>
             <a:r>
-              <a:rPr lang="ru-RU" dirty="0">
-                <a:cs typeface="Times New Roman" panose="02020603050405020304" pitchFamily="18" charset="0"/>
+              <a:rPr lang="ru-RU" sz="2400" dirty="0">
+                <a:latin typeface="Roboto" panose="020B0604020202020204" charset="0"/>
+                <a:ea typeface="Roboto" panose="020B0604020202020204" charset="0"/>
+                <a:cs typeface="Roboto" panose="020B0604020202020204" charset="0"/>
               </a:rPr>
-              <a:t>провести исследование предметной области и провести анализ существующих подходов;</a:t>
-            </a:r>
-          </a:p>
-          <a:p>
-            <a:pPr marL="800100" lvl="1" indent="-342900">
-              <a:lnSpc>
-                <a:spcPct val="150000"/>
-              </a:lnSpc>
+              <a:t> Проектирование архитектуры:</a:t>
+            </a:r>
+          </a:p>
+          <a:p>
+            <a:pPr marL="432000" indent="285750">
+              <a:buClr>
+                <a:schemeClr val="tx1"/>
+              </a:buClr>
+            </a:pPr>
+            <a:r>
+              <a:rPr lang="ru-RU" sz="2400" dirty="0">
+                <a:latin typeface="Roboto" panose="020B0604020202020204" charset="0"/>
+                <a:ea typeface="Roboto" panose="020B0604020202020204" charset="0"/>
+                <a:cs typeface="Roboto" panose="020B0604020202020204" charset="0"/>
+              </a:rPr>
+              <a:t>Проектирование клиентской части</a:t>
+            </a:r>
+          </a:p>
+          <a:p>
+            <a:pPr marL="432000" indent="285750">
+              <a:buClr>
+                <a:schemeClr val="tx1"/>
+              </a:buClr>
+            </a:pPr>
+            <a:r>
+              <a:rPr lang="ru-RU" sz="2400" dirty="0">
+                <a:latin typeface="Roboto" panose="020B0604020202020204" charset="0"/>
+                <a:ea typeface="Roboto" panose="020B0604020202020204" charset="0"/>
+                <a:cs typeface="Roboto" panose="020B0604020202020204" charset="0"/>
+              </a:rPr>
+              <a:t>Проектирование серверной части</a:t>
+            </a:r>
+          </a:p>
+          <a:p>
+            <a:pPr>
+              <a:buClr>
+                <a:schemeClr val="tx1"/>
+              </a:buClr>
               <a:buFont typeface="+mj-lt"/>
-              <a:buAutoNum type="arabicPeriod"/>
+              <a:buAutoNum type="arabicPeriod" startAt="2"/>
             </a:pPr>
             <a:r>
-              <a:rPr lang="ru-RU" dirty="0">
-                <a:cs typeface="Times New Roman" panose="02020603050405020304" pitchFamily="18" charset="0"/>
+              <a:rPr lang="ru-RU" sz="2400" dirty="0">
+                <a:latin typeface="Roboto" panose="020B0604020202020204" charset="0"/>
+                <a:ea typeface="Roboto" panose="020B0604020202020204" charset="0"/>
+                <a:cs typeface="Roboto" panose="020B0604020202020204" charset="0"/>
               </a:rPr>
-              <a:t>составить техническое задание к интерфейсу и функциям системы;</a:t>
-            </a:r>
-          </a:p>
-          <a:p>
-            <a:pPr marL="800100" lvl="1" indent="-342900">
-              <a:lnSpc>
-                <a:spcPct val="150000"/>
-              </a:lnSpc>
+              <a:t> Разработка:</a:t>
+            </a:r>
+          </a:p>
+          <a:p>
+            <a:pPr marL="432000" indent="285750">
+              <a:buClr>
+                <a:schemeClr val="tx1"/>
+              </a:buClr>
+            </a:pPr>
+            <a:r>
+              <a:rPr lang="ru-RU" sz="2400" dirty="0">
+                <a:latin typeface="Roboto" panose="020B0604020202020204" charset="0"/>
+                <a:ea typeface="Roboto" panose="020B0604020202020204" charset="0"/>
+                <a:cs typeface="Roboto" panose="020B0604020202020204" charset="0"/>
+              </a:rPr>
+              <a:t>Разработка клиента</a:t>
+            </a:r>
+          </a:p>
+          <a:p>
+            <a:pPr marL="432000" indent="285750">
+              <a:buClr>
+                <a:schemeClr val="tx1"/>
+              </a:buClr>
+            </a:pPr>
+            <a:r>
+              <a:rPr lang="ru-RU" sz="2400" dirty="0">
+                <a:latin typeface="Roboto" panose="020B0604020202020204" charset="0"/>
+                <a:ea typeface="Roboto" panose="020B0604020202020204" charset="0"/>
+                <a:cs typeface="Roboto" panose="020B0604020202020204" charset="0"/>
+              </a:rPr>
+              <a:t>Разработка сервера</a:t>
+            </a:r>
+          </a:p>
+          <a:p>
+            <a:pPr>
+              <a:buClr>
+                <a:schemeClr val="tx1"/>
+              </a:buClr>
               <a:buFont typeface="+mj-lt"/>
-              <a:buAutoNum type="arabicPeriod"/>
+              <a:buAutoNum type="arabicPeriod" startAt="3"/>
             </a:pPr>
             <a:r>
-              <a:rPr lang="ru-RU" dirty="0">
-                <a:cs typeface="Times New Roman" panose="02020603050405020304" pitchFamily="18" charset="0"/>
+              <a:rPr lang="ru-RU" sz="2400" dirty="0">
+                <a:latin typeface="Roboto" panose="020B0604020202020204" charset="0"/>
+                <a:ea typeface="Roboto" panose="020B0604020202020204" charset="0"/>
+                <a:cs typeface="Roboto" panose="020B0604020202020204" charset="0"/>
               </a:rPr>
-              <a:t>осуществить выбор программных инструментов для реализации;</a:t>
-            </a:r>
-          </a:p>
-          <a:p>
-            <a:pPr marL="800100" lvl="1" indent="-342900">
-              <a:lnSpc>
-                <a:spcPct val="150000"/>
-              </a:lnSpc>
+              <a:t> Интеграция:</a:t>
+            </a:r>
+          </a:p>
+          <a:p>
+            <a:pPr marL="432000" indent="285750">
+              <a:buClr>
+                <a:schemeClr val="tx1"/>
+              </a:buClr>
+            </a:pPr>
+            <a:r>
+              <a:rPr lang="ru-RU" sz="2400" dirty="0">
+                <a:latin typeface="Roboto" panose="020B0604020202020204" charset="0"/>
+                <a:ea typeface="Roboto" panose="020B0604020202020204" charset="0"/>
+                <a:cs typeface="Roboto" panose="020B0604020202020204" charset="0"/>
+              </a:rPr>
+              <a:t>Связывание клиента и сервера</a:t>
+            </a:r>
+          </a:p>
+          <a:p>
+            <a:pPr>
+              <a:buClr>
+                <a:schemeClr val="tx1"/>
+              </a:buClr>
               <a:buFont typeface="+mj-lt"/>
-              <a:buAutoNum type="arabicPeriod"/>
+              <a:buAutoNum type="arabicPeriod" startAt="4"/>
             </a:pPr>
             <a:r>
-              <a:rPr lang="ru-RU" dirty="0">
-                <a:cs typeface="Times New Roman" panose="02020603050405020304" pitchFamily="18" charset="0"/>
+              <a:rPr lang="ru-RU" sz="2400" dirty="0">
+                <a:latin typeface="Roboto" panose="020B0604020202020204" charset="0"/>
+                <a:ea typeface="Roboto" panose="020B0604020202020204" charset="0"/>
+                <a:cs typeface="Roboto" panose="020B0604020202020204" charset="0"/>
               </a:rPr>
-              <a:t>разработать прототип системы;</a:t>
-            </a:r>
-          </a:p>
-          <a:p>
-            <a:pPr marL="800100" lvl="1" indent="-342900">
-              <a:lnSpc>
-                <a:spcPct val="150000"/>
-              </a:lnSpc>
-              <a:buFont typeface="+mj-lt"/>
-              <a:buAutoNum type="arabicPeriod"/>
-            </a:pPr>
-            <a:r>
-              <a:rPr lang="ru-RU" dirty="0">
-                <a:cs typeface="Times New Roman" panose="02020603050405020304" pitchFamily="18" charset="0"/>
-              </a:rPr>
-              <a:t>провести тестирование системы.</a:t>
-            </a:r>
-          </a:p>
-          <a:p>
-            <a:pPr lvl="1">
-              <a:lnSpc>
-                <a:spcPct val="150000"/>
-              </a:lnSpc>
-              <a:buFont typeface="Wingdings" pitchFamily="2" charset="2"/>
-              <a:buChar char="§"/>
-            </a:pPr>
-            <a:endParaRPr lang="ru-RU" dirty="0"/>
-          </a:p>
-        </p:txBody>
-      </p:sp>
-      <p:sp>
-        <p:nvSpPr>
-          <p:cNvPr id="6" name="TextBox 5"/>
+              <a:t> Тестирование и отладка</a:t>
+            </a:r>
+          </a:p>
+        </p:txBody>
+      </p:sp>
+      <p:sp>
+        <p:nvSpPr>
+          <p:cNvPr id="7" name="TextBox 6"/>
           <p:cNvSpPr txBox="1"/>
           <p:nvPr/>
         </p:nvSpPr>
         <p:spPr>
           <a:xfrm>
-            <a:off x="1804876" y="87534"/>
-            <a:ext cx="6096000" cy="769441"/>
+            <a:off x="8276704" y="4628554"/>
+            <a:ext cx="775855" cy="400110"/>
           </a:xfrm>
           <a:prstGeom prst="rect">
             <a:avLst/>
@@ -7916,19 +9978,26 @@
           <a:lstStyle/>
           <a:p>
             <a:pPr algn="ctr"/>
-            <a:r>
-              <a:rPr lang="ru-RU" sz="4400" dirty="0">
-                <a:cs typeface="Times New Roman" panose="02020603050405020304" pitchFamily="18" charset="0"/>
+            <a:fld id="{91326118-483B-4565-A65B-2DA6A95B8275}" type="slidenum">
+              <a:rPr lang="ru-RU" sz="2000" smtClean="0">
+                <a:latin typeface="Roboto" panose="020B0604020202020204" charset="0"/>
+                <a:ea typeface="Roboto" panose="020B0604020202020204" charset="0"/>
+                <a:cs typeface="Roboto" panose="020B0604020202020204" charset="0"/>
               </a:rPr>
-              <a:t>Цель и задачи</a:t>
-            </a:r>
+              <a:t>4</a:t>
+            </a:fld>
+            <a:endParaRPr lang="ru-RU" sz="2000" dirty="0">
+              <a:latin typeface="Roboto" panose="020B0604020202020204" charset="0"/>
+              <a:ea typeface="Roboto" panose="020B0604020202020204" charset="0"/>
+              <a:cs typeface="Roboto" panose="020B0604020202020204" charset="0"/>
+            </a:endParaRPr>
           </a:p>
         </p:txBody>
       </p:sp>
     </p:spTree>
     <p:extLst>
       <p:ext uri="{BB962C8B-B14F-4D97-AF65-F5344CB8AC3E}">
-        <p14:creationId xmlns:p14="http://schemas.microsoft.com/office/powerpoint/2010/main" val="3422781118"/>
+        <p14:creationId xmlns:p14="http://schemas.microsoft.com/office/powerpoint/2010/main" val="2719417157"/>
       </p:ext>
     </p:extLst>
   </p:cSld>
@@ -8065,14 +10134,1332 @@
       </p:pic>
       <p:sp>
         <p:nvSpPr>
-          <p:cNvPr id="6" name="TextBox 5"/>
+          <p:cNvPr id="17" name="Google Shape;424;p27"/>
+          <p:cNvSpPr txBox="1">
+            <a:spLocks noGrp="1"/>
+          </p:cNvSpPr>
+          <p:nvPr>
+            <p:ph type="title"/>
+          </p:nvPr>
+        </p:nvSpPr>
+        <p:spPr>
+          <a:xfrm>
+            <a:off x="964851" y="174199"/>
+            <a:ext cx="7582725" cy="572625"/>
+          </a:xfrm>
+          <a:prstGeom prst="rect">
+            <a:avLst/>
+          </a:prstGeom>
+        </p:spPr>
+        <p:txBody>
+          <a:bodyPr spcFirstLastPara="1" vert="horz" wrap="square" lIns="91425" tIns="91425" rIns="91425" bIns="91425" rtlCol="0" anchor="t" anchorCtr="0">
+            <a:noAutofit/>
+          </a:bodyPr>
+          <a:lstStyle/>
+          <a:p>
+            <a:r>
+              <a:rPr lang="ru-RU" sz="4000" dirty="0"/>
+              <a:t>Функциональные требования</a:t>
+            </a:r>
+            <a:endParaRPr sz="6000" dirty="0"/>
+          </a:p>
+        </p:txBody>
+      </p:sp>
+      <p:sp>
+        <p:nvSpPr>
+          <p:cNvPr id="18" name="Google Shape;425;p27"/>
+          <p:cNvSpPr txBox="1">
+            <a:spLocks/>
+          </p:cNvSpPr>
+          <p:nvPr/>
+        </p:nvSpPr>
+        <p:spPr>
+          <a:xfrm>
+            <a:off x="4895384" y="1309255"/>
+            <a:ext cx="3888398" cy="3151910"/>
+          </a:xfrm>
+          <a:prstGeom prst="rect">
+            <a:avLst/>
+          </a:prstGeom>
+        </p:spPr>
+        <p:txBody>
+          <a:bodyPr spcFirstLastPara="1" vert="horz" wrap="square" lIns="91425" tIns="91425" rIns="91425" bIns="91425" rtlCol="0" anchor="t" anchorCtr="0">
+            <a:noAutofit/>
+          </a:bodyPr>
+          <a:lstStyle>
+            <a:lvl1pPr marL="342900" indent="-342900" algn="l" defTabSz="914400" rtl="0" eaLnBrk="1" latinLnBrk="0" hangingPunct="1">
+              <a:spcBef>
+                <a:spcPct val="20000"/>
+              </a:spcBef>
+              <a:buFont typeface="Arial" panose="020B0604020202020204" pitchFamily="34" charset="0"/>
+              <a:buChar char="•"/>
+              <a:defRPr sz="3200" kern="1200">
+                <a:solidFill>
+                  <a:schemeClr val="tx1"/>
+                </a:solidFill>
+                <a:latin typeface="+mn-lt"/>
+                <a:ea typeface="+mn-ea"/>
+                <a:cs typeface="+mn-cs"/>
+              </a:defRPr>
+            </a:lvl1pPr>
+            <a:lvl2pPr marL="742950" indent="-285750" algn="l" defTabSz="914400" rtl="0" eaLnBrk="1" latinLnBrk="0" hangingPunct="1">
+              <a:spcBef>
+                <a:spcPct val="20000"/>
+              </a:spcBef>
+              <a:buFont typeface="Arial" panose="020B0604020202020204" pitchFamily="34" charset="0"/>
+              <a:buChar char="–"/>
+              <a:defRPr sz="2800" kern="1200">
+                <a:solidFill>
+                  <a:schemeClr val="tx1"/>
+                </a:solidFill>
+                <a:latin typeface="+mn-lt"/>
+                <a:ea typeface="+mn-ea"/>
+                <a:cs typeface="+mn-cs"/>
+              </a:defRPr>
+            </a:lvl2pPr>
+            <a:lvl3pPr marL="1143000" indent="-228600" algn="l" defTabSz="914400" rtl="0" eaLnBrk="1" latinLnBrk="0" hangingPunct="1">
+              <a:spcBef>
+                <a:spcPct val="20000"/>
+              </a:spcBef>
+              <a:buFont typeface="Arial" panose="020B0604020202020204" pitchFamily="34" charset="0"/>
+              <a:buChar char="•"/>
+              <a:defRPr sz="2400" kern="1200">
+                <a:solidFill>
+                  <a:schemeClr val="tx1"/>
+                </a:solidFill>
+                <a:latin typeface="+mn-lt"/>
+                <a:ea typeface="+mn-ea"/>
+                <a:cs typeface="+mn-cs"/>
+              </a:defRPr>
+            </a:lvl3pPr>
+            <a:lvl4pPr marL="1600200" indent="-228600" algn="l" defTabSz="914400" rtl="0" eaLnBrk="1" latinLnBrk="0" hangingPunct="1">
+              <a:spcBef>
+                <a:spcPct val="20000"/>
+              </a:spcBef>
+              <a:buFont typeface="Arial" panose="020B0604020202020204" pitchFamily="34" charset="0"/>
+              <a:buChar char="–"/>
+              <a:defRPr sz="2000" kern="1200">
+                <a:solidFill>
+                  <a:schemeClr val="tx1"/>
+                </a:solidFill>
+                <a:latin typeface="+mn-lt"/>
+                <a:ea typeface="+mn-ea"/>
+                <a:cs typeface="+mn-cs"/>
+              </a:defRPr>
+            </a:lvl4pPr>
+            <a:lvl5pPr marL="2057400" indent="-228600" algn="l" defTabSz="914400" rtl="0" eaLnBrk="1" latinLnBrk="0" hangingPunct="1">
+              <a:spcBef>
+                <a:spcPct val="20000"/>
+              </a:spcBef>
+              <a:buFont typeface="Arial" panose="020B0604020202020204" pitchFamily="34" charset="0"/>
+              <a:buChar char="»"/>
+              <a:defRPr sz="2000" kern="1200">
+                <a:solidFill>
+                  <a:schemeClr val="tx1"/>
+                </a:solidFill>
+                <a:latin typeface="+mn-lt"/>
+                <a:ea typeface="+mn-ea"/>
+                <a:cs typeface="+mn-cs"/>
+              </a:defRPr>
+            </a:lvl5pPr>
+            <a:lvl6pPr marL="2514600" indent="-228600" algn="l" defTabSz="914400" rtl="0" eaLnBrk="1" latinLnBrk="0" hangingPunct="1">
+              <a:spcBef>
+                <a:spcPct val="20000"/>
+              </a:spcBef>
+              <a:buFont typeface="Arial" panose="020B0604020202020204" pitchFamily="34" charset="0"/>
+              <a:buChar char="•"/>
+              <a:defRPr sz="2000" kern="1200">
+                <a:solidFill>
+                  <a:schemeClr val="tx1"/>
+                </a:solidFill>
+                <a:latin typeface="+mn-lt"/>
+                <a:ea typeface="+mn-ea"/>
+                <a:cs typeface="+mn-cs"/>
+              </a:defRPr>
+            </a:lvl6pPr>
+            <a:lvl7pPr marL="2971800" indent="-228600" algn="l" defTabSz="914400" rtl="0" eaLnBrk="1" latinLnBrk="0" hangingPunct="1">
+              <a:spcBef>
+                <a:spcPct val="20000"/>
+              </a:spcBef>
+              <a:buFont typeface="Arial" panose="020B0604020202020204" pitchFamily="34" charset="0"/>
+              <a:buChar char="•"/>
+              <a:defRPr sz="2000" kern="1200">
+                <a:solidFill>
+                  <a:schemeClr val="tx1"/>
+                </a:solidFill>
+                <a:latin typeface="+mn-lt"/>
+                <a:ea typeface="+mn-ea"/>
+                <a:cs typeface="+mn-cs"/>
+              </a:defRPr>
+            </a:lvl7pPr>
+            <a:lvl8pPr marL="3429000" indent="-228600" algn="l" defTabSz="914400" rtl="0" eaLnBrk="1" latinLnBrk="0" hangingPunct="1">
+              <a:spcBef>
+                <a:spcPct val="20000"/>
+              </a:spcBef>
+              <a:buFont typeface="Arial" panose="020B0604020202020204" pitchFamily="34" charset="0"/>
+              <a:buChar char="•"/>
+              <a:defRPr sz="2000" kern="1200">
+                <a:solidFill>
+                  <a:schemeClr val="tx1"/>
+                </a:solidFill>
+                <a:latin typeface="+mn-lt"/>
+                <a:ea typeface="+mn-ea"/>
+                <a:cs typeface="+mn-cs"/>
+              </a:defRPr>
+            </a:lvl8pPr>
+            <a:lvl9pPr marL="3886200" indent="-228600" algn="l" defTabSz="914400" rtl="0" eaLnBrk="1" latinLnBrk="0" hangingPunct="1">
+              <a:spcBef>
+                <a:spcPct val="20000"/>
+              </a:spcBef>
+              <a:buFont typeface="Arial" panose="020B0604020202020204" pitchFamily="34" charset="0"/>
+              <a:buChar char="•"/>
+              <a:defRPr sz="2000" kern="1200">
+                <a:solidFill>
+                  <a:schemeClr val="tx1"/>
+                </a:solidFill>
+                <a:latin typeface="+mn-lt"/>
+                <a:ea typeface="+mn-ea"/>
+                <a:cs typeface="+mn-cs"/>
+              </a:defRPr>
+            </a:lvl9pPr>
+          </a:lstStyle>
+          <a:p>
+            <a:pPr marL="285750" indent="-285750">
+              <a:buClr>
+                <a:schemeClr val="tx1"/>
+              </a:buClr>
+            </a:pPr>
+            <a:r>
+              <a:rPr lang="ru-RU" sz="1300" dirty="0">
+                <a:latin typeface="Roboto" panose="020B0604020202020204" charset="0"/>
+                <a:ea typeface="Roboto" panose="020B0604020202020204" charset="0"/>
+                <a:cs typeface="Roboto" panose="020B0604020202020204" charset="0"/>
+              </a:rPr>
+              <a:t>Аутентификация и авторизация</a:t>
+            </a:r>
+          </a:p>
+          <a:p>
+            <a:pPr marL="285750" indent="-285750">
+              <a:buClr>
+                <a:schemeClr val="tx1"/>
+              </a:buClr>
+            </a:pPr>
+            <a:r>
+              <a:rPr lang="ru-RU" sz="1300" dirty="0">
+                <a:latin typeface="Roboto" panose="020B0604020202020204" charset="0"/>
+                <a:ea typeface="Roboto" panose="020B0604020202020204" charset="0"/>
+                <a:cs typeface="Roboto" panose="020B0604020202020204" charset="0"/>
+              </a:rPr>
+              <a:t>Редактирование личной информации</a:t>
+            </a:r>
+          </a:p>
+          <a:p>
+            <a:pPr marL="285750" indent="-285750">
+              <a:buClr>
+                <a:schemeClr val="tx1"/>
+              </a:buClr>
+            </a:pPr>
+            <a:r>
+              <a:rPr lang="ru-RU" sz="1300" dirty="0">
+                <a:latin typeface="Roboto" panose="020B0604020202020204" charset="0"/>
+                <a:ea typeface="Roboto" panose="020B0604020202020204" charset="0"/>
+                <a:cs typeface="Roboto" panose="020B0604020202020204" charset="0"/>
+              </a:rPr>
+              <a:t>Хранение данных репозиториев</a:t>
+            </a:r>
+          </a:p>
+          <a:p>
+            <a:pPr marL="285750" indent="-285750">
+              <a:buClr>
+                <a:schemeClr val="tx1"/>
+              </a:buClr>
+            </a:pPr>
+            <a:r>
+              <a:rPr lang="ru-RU" sz="1300" dirty="0">
+                <a:latin typeface="Roboto" panose="020B0604020202020204" charset="0"/>
+                <a:ea typeface="Roboto" panose="020B0604020202020204" charset="0"/>
+                <a:cs typeface="Roboto" panose="020B0604020202020204" charset="0"/>
+              </a:rPr>
+              <a:t>Создание репозитория</a:t>
+            </a:r>
+          </a:p>
+          <a:p>
+            <a:pPr marL="285750" indent="-285750">
+              <a:buClr>
+                <a:schemeClr val="tx1"/>
+              </a:buClr>
+            </a:pPr>
+            <a:r>
+              <a:rPr lang="ru-RU" sz="1300" dirty="0">
+                <a:latin typeface="Roboto" panose="020B0604020202020204" charset="0"/>
+                <a:ea typeface="Roboto" panose="020B0604020202020204" charset="0"/>
+                <a:cs typeface="Roboto" panose="020B0604020202020204" charset="0"/>
+              </a:rPr>
+              <a:t>Клонирование репозитория</a:t>
+            </a:r>
+          </a:p>
+          <a:p>
+            <a:pPr marL="285750" indent="-285750">
+              <a:buClr>
+                <a:schemeClr val="tx1"/>
+              </a:buClr>
+            </a:pPr>
+            <a:r>
+              <a:rPr lang="ru-RU" sz="1300" dirty="0">
+                <a:latin typeface="Roboto" panose="020B0604020202020204" charset="0"/>
+                <a:ea typeface="Roboto" panose="020B0604020202020204" charset="0"/>
+                <a:cs typeface="Roboto" panose="020B0604020202020204" charset="0"/>
+              </a:rPr>
+              <a:t>Удаление репозитория</a:t>
+            </a:r>
+          </a:p>
+          <a:p>
+            <a:pPr marL="285750" indent="-285750">
+              <a:buClr>
+                <a:schemeClr val="tx1"/>
+              </a:buClr>
+            </a:pPr>
+            <a:r>
+              <a:rPr lang="ru-RU" sz="1300" dirty="0">
+                <a:latin typeface="Roboto" panose="020B0604020202020204" charset="0"/>
+                <a:ea typeface="Roboto" panose="020B0604020202020204" charset="0"/>
+                <a:cs typeface="Roboto" panose="020B0604020202020204" charset="0"/>
+              </a:rPr>
+              <a:t>Просмотр содержимого репозитория</a:t>
+            </a:r>
+          </a:p>
+          <a:p>
+            <a:pPr marL="285750" indent="-285750">
+              <a:buClr>
+                <a:schemeClr val="tx1"/>
+              </a:buClr>
+            </a:pPr>
+            <a:r>
+              <a:rPr lang="ru-RU" sz="1300" dirty="0">
+                <a:latin typeface="Roboto" panose="020B0604020202020204" charset="0"/>
+                <a:ea typeface="Roboto" panose="020B0604020202020204" charset="0"/>
+                <a:cs typeface="Roboto" panose="020B0604020202020204" charset="0"/>
+              </a:rPr>
+              <a:t>Изменение параметров репозитория</a:t>
+            </a:r>
+          </a:p>
+          <a:p>
+            <a:pPr marL="285750" indent="-285750">
+              <a:buClr>
+                <a:schemeClr val="tx1"/>
+              </a:buClr>
+            </a:pPr>
+            <a:r>
+              <a:rPr lang="ru-RU" sz="1300" dirty="0">
+                <a:latin typeface="Roboto" panose="020B0604020202020204" charset="0"/>
+                <a:ea typeface="Roboto" panose="020B0604020202020204" charset="0"/>
+                <a:cs typeface="Roboto" panose="020B0604020202020204" charset="0"/>
+              </a:rPr>
+              <a:t>Взаимодействие с клиентской частью</a:t>
+            </a:r>
+          </a:p>
+          <a:p>
+            <a:pPr marL="285750" indent="-285750">
+              <a:buClr>
+                <a:schemeClr val="tx1"/>
+              </a:buClr>
+            </a:pPr>
+            <a:r>
+              <a:rPr lang="ru-RU" sz="1300" dirty="0">
+                <a:latin typeface="Roboto" panose="020B0604020202020204" charset="0"/>
+                <a:ea typeface="Roboto" panose="020B0604020202020204" charset="0"/>
+                <a:cs typeface="Roboto" panose="020B0604020202020204" charset="0"/>
+              </a:rPr>
+              <a:t>Выбор сервера для хранения данных</a:t>
+            </a:r>
+          </a:p>
+          <a:p>
+            <a:pPr marL="285750" indent="-285750">
+              <a:buClr>
+                <a:schemeClr val="tx1"/>
+              </a:buClr>
+            </a:pPr>
+            <a:r>
+              <a:rPr lang="ru-RU" sz="1300" dirty="0">
+                <a:latin typeface="Roboto" panose="020B0604020202020204" charset="0"/>
+                <a:ea typeface="Roboto" panose="020B0604020202020204" charset="0"/>
+                <a:cs typeface="Roboto" panose="020B0604020202020204" charset="0"/>
+              </a:rPr>
+              <a:t>Встроенная торговая площадка</a:t>
+            </a:r>
+          </a:p>
+          <a:p>
+            <a:pPr marL="285750" indent="-285750">
+              <a:buClr>
+                <a:schemeClr val="tx1"/>
+              </a:buClr>
+            </a:pPr>
+            <a:r>
+              <a:rPr lang="ru-RU" sz="1300" dirty="0">
+                <a:latin typeface="Roboto" panose="020B0604020202020204" charset="0"/>
+                <a:ea typeface="Roboto" panose="020B0604020202020204" charset="0"/>
+                <a:cs typeface="Roboto" panose="020B0604020202020204" charset="0"/>
+              </a:rPr>
+              <a:t>Администрирование</a:t>
+            </a:r>
+          </a:p>
+          <a:p>
+            <a:pPr marL="285750" indent="-285750">
+              <a:buClr>
+                <a:schemeClr val="tx1"/>
+              </a:buClr>
+            </a:pPr>
+            <a:endParaRPr lang="ru-RU" sz="1300" dirty="0">
+              <a:latin typeface="Roboto" panose="020B0604020202020204" charset="0"/>
+              <a:ea typeface="Roboto" panose="020B0604020202020204" charset="0"/>
+              <a:cs typeface="Roboto" panose="020B0604020202020204" charset="0"/>
+            </a:endParaRPr>
+          </a:p>
+        </p:txBody>
+      </p:sp>
+      <p:sp>
+        <p:nvSpPr>
+          <p:cNvPr id="19" name="Google Shape;426;p27"/>
+          <p:cNvSpPr txBox="1">
+            <a:spLocks/>
+          </p:cNvSpPr>
+          <p:nvPr/>
+        </p:nvSpPr>
+        <p:spPr>
+          <a:xfrm>
+            <a:off x="1043593" y="1309255"/>
+            <a:ext cx="3782519" cy="3719409"/>
+          </a:xfrm>
+          <a:prstGeom prst="rect">
+            <a:avLst/>
+          </a:prstGeom>
+        </p:spPr>
+        <p:txBody>
+          <a:bodyPr spcFirstLastPara="1" vert="horz" wrap="square" lIns="91425" tIns="91425" rIns="91425" bIns="91425" rtlCol="0" anchor="t" anchorCtr="0">
+            <a:noAutofit/>
+          </a:bodyPr>
+          <a:lstStyle>
+            <a:lvl1pPr marL="342900" indent="-342900" algn="l" defTabSz="914400" rtl="0" eaLnBrk="1" latinLnBrk="0" hangingPunct="1">
+              <a:spcBef>
+                <a:spcPct val="20000"/>
+              </a:spcBef>
+              <a:buFont typeface="Arial" panose="020B0604020202020204" pitchFamily="34" charset="0"/>
+              <a:buChar char="•"/>
+              <a:defRPr sz="3200" kern="1200">
+                <a:solidFill>
+                  <a:schemeClr val="tx1"/>
+                </a:solidFill>
+                <a:latin typeface="+mn-lt"/>
+                <a:ea typeface="+mn-ea"/>
+                <a:cs typeface="+mn-cs"/>
+              </a:defRPr>
+            </a:lvl1pPr>
+            <a:lvl2pPr marL="742950" indent="-285750" algn="l" defTabSz="914400" rtl="0" eaLnBrk="1" latinLnBrk="0" hangingPunct="1">
+              <a:spcBef>
+                <a:spcPct val="20000"/>
+              </a:spcBef>
+              <a:buFont typeface="Arial" panose="020B0604020202020204" pitchFamily="34" charset="0"/>
+              <a:buChar char="–"/>
+              <a:defRPr sz="2800" kern="1200">
+                <a:solidFill>
+                  <a:schemeClr val="tx1"/>
+                </a:solidFill>
+                <a:latin typeface="+mn-lt"/>
+                <a:ea typeface="+mn-ea"/>
+                <a:cs typeface="+mn-cs"/>
+              </a:defRPr>
+            </a:lvl2pPr>
+            <a:lvl3pPr marL="1143000" indent="-228600" algn="l" defTabSz="914400" rtl="0" eaLnBrk="1" latinLnBrk="0" hangingPunct="1">
+              <a:spcBef>
+                <a:spcPct val="20000"/>
+              </a:spcBef>
+              <a:buFont typeface="Arial" panose="020B0604020202020204" pitchFamily="34" charset="0"/>
+              <a:buChar char="•"/>
+              <a:defRPr sz="2400" kern="1200">
+                <a:solidFill>
+                  <a:schemeClr val="tx1"/>
+                </a:solidFill>
+                <a:latin typeface="+mn-lt"/>
+                <a:ea typeface="+mn-ea"/>
+                <a:cs typeface="+mn-cs"/>
+              </a:defRPr>
+            </a:lvl3pPr>
+            <a:lvl4pPr marL="1600200" indent="-228600" algn="l" defTabSz="914400" rtl="0" eaLnBrk="1" latinLnBrk="0" hangingPunct="1">
+              <a:spcBef>
+                <a:spcPct val="20000"/>
+              </a:spcBef>
+              <a:buFont typeface="Arial" panose="020B0604020202020204" pitchFamily="34" charset="0"/>
+              <a:buChar char="–"/>
+              <a:defRPr sz="2000" kern="1200">
+                <a:solidFill>
+                  <a:schemeClr val="tx1"/>
+                </a:solidFill>
+                <a:latin typeface="+mn-lt"/>
+                <a:ea typeface="+mn-ea"/>
+                <a:cs typeface="+mn-cs"/>
+              </a:defRPr>
+            </a:lvl4pPr>
+            <a:lvl5pPr marL="2057400" indent="-228600" algn="l" defTabSz="914400" rtl="0" eaLnBrk="1" latinLnBrk="0" hangingPunct="1">
+              <a:spcBef>
+                <a:spcPct val="20000"/>
+              </a:spcBef>
+              <a:buFont typeface="Arial" panose="020B0604020202020204" pitchFamily="34" charset="0"/>
+              <a:buChar char="»"/>
+              <a:defRPr sz="2000" kern="1200">
+                <a:solidFill>
+                  <a:schemeClr val="tx1"/>
+                </a:solidFill>
+                <a:latin typeface="+mn-lt"/>
+                <a:ea typeface="+mn-ea"/>
+                <a:cs typeface="+mn-cs"/>
+              </a:defRPr>
+            </a:lvl5pPr>
+            <a:lvl6pPr marL="2514600" indent="-228600" algn="l" defTabSz="914400" rtl="0" eaLnBrk="1" latinLnBrk="0" hangingPunct="1">
+              <a:spcBef>
+                <a:spcPct val="20000"/>
+              </a:spcBef>
+              <a:buFont typeface="Arial" panose="020B0604020202020204" pitchFamily="34" charset="0"/>
+              <a:buChar char="•"/>
+              <a:defRPr sz="2000" kern="1200">
+                <a:solidFill>
+                  <a:schemeClr val="tx1"/>
+                </a:solidFill>
+                <a:latin typeface="+mn-lt"/>
+                <a:ea typeface="+mn-ea"/>
+                <a:cs typeface="+mn-cs"/>
+              </a:defRPr>
+            </a:lvl6pPr>
+            <a:lvl7pPr marL="2971800" indent="-228600" algn="l" defTabSz="914400" rtl="0" eaLnBrk="1" latinLnBrk="0" hangingPunct="1">
+              <a:spcBef>
+                <a:spcPct val="20000"/>
+              </a:spcBef>
+              <a:buFont typeface="Arial" panose="020B0604020202020204" pitchFamily="34" charset="0"/>
+              <a:buChar char="•"/>
+              <a:defRPr sz="2000" kern="1200">
+                <a:solidFill>
+                  <a:schemeClr val="tx1"/>
+                </a:solidFill>
+                <a:latin typeface="+mn-lt"/>
+                <a:ea typeface="+mn-ea"/>
+                <a:cs typeface="+mn-cs"/>
+              </a:defRPr>
+            </a:lvl7pPr>
+            <a:lvl8pPr marL="3429000" indent="-228600" algn="l" defTabSz="914400" rtl="0" eaLnBrk="1" latinLnBrk="0" hangingPunct="1">
+              <a:spcBef>
+                <a:spcPct val="20000"/>
+              </a:spcBef>
+              <a:buFont typeface="Arial" panose="020B0604020202020204" pitchFamily="34" charset="0"/>
+              <a:buChar char="•"/>
+              <a:defRPr sz="2000" kern="1200">
+                <a:solidFill>
+                  <a:schemeClr val="tx1"/>
+                </a:solidFill>
+                <a:latin typeface="+mn-lt"/>
+                <a:ea typeface="+mn-ea"/>
+                <a:cs typeface="+mn-cs"/>
+              </a:defRPr>
+            </a:lvl8pPr>
+            <a:lvl9pPr marL="3886200" indent="-228600" algn="l" defTabSz="914400" rtl="0" eaLnBrk="1" latinLnBrk="0" hangingPunct="1">
+              <a:spcBef>
+                <a:spcPct val="20000"/>
+              </a:spcBef>
+              <a:buFont typeface="Arial" panose="020B0604020202020204" pitchFamily="34" charset="0"/>
+              <a:buChar char="•"/>
+              <a:defRPr sz="2000" kern="1200">
+                <a:solidFill>
+                  <a:schemeClr val="tx1"/>
+                </a:solidFill>
+                <a:latin typeface="+mn-lt"/>
+                <a:ea typeface="+mn-ea"/>
+                <a:cs typeface="+mn-cs"/>
+              </a:defRPr>
+            </a:lvl9pPr>
+          </a:lstStyle>
+          <a:p>
+            <a:pPr marL="285750" indent="-285750">
+              <a:buClr>
+                <a:schemeClr val="tx1"/>
+              </a:buClr>
+            </a:pPr>
+            <a:r>
+              <a:rPr lang="ru-RU" sz="1300" dirty="0">
+                <a:latin typeface="Roboto" panose="020B0604020202020204" charset="0"/>
+                <a:ea typeface="Roboto" panose="020B0604020202020204" charset="0"/>
+                <a:cs typeface="Roboto" panose="020B0604020202020204" charset="0"/>
+              </a:rPr>
+              <a:t>Создание репозитория (</a:t>
+            </a:r>
+            <a:r>
+              <a:rPr lang="en-US" sz="1300" dirty="0" err="1">
+                <a:solidFill>
+                  <a:srgbClr val="00B050"/>
+                </a:solidFill>
+                <a:latin typeface="Roboto" panose="020B0604020202020204" charset="0"/>
+                <a:ea typeface="Roboto" panose="020B0604020202020204" charset="0"/>
+                <a:cs typeface="Roboto" panose="020B0604020202020204" charset="0"/>
+              </a:rPr>
+              <a:t>vcs</a:t>
+            </a:r>
+            <a:r>
+              <a:rPr lang="en-US" sz="1300" dirty="0">
+                <a:solidFill>
+                  <a:srgbClr val="00B050"/>
+                </a:solidFill>
+                <a:latin typeface="Roboto" panose="020B0604020202020204" charset="0"/>
+                <a:ea typeface="Roboto" panose="020B0604020202020204" charset="0"/>
+                <a:cs typeface="Roboto" panose="020B0604020202020204" charset="0"/>
+              </a:rPr>
+              <a:t> </a:t>
+            </a:r>
+            <a:r>
+              <a:rPr lang="en-US" sz="1300" dirty="0" err="1">
+                <a:solidFill>
+                  <a:srgbClr val="00B050"/>
+                </a:solidFill>
+                <a:latin typeface="Roboto" panose="020B0604020202020204" charset="0"/>
+                <a:ea typeface="Roboto" panose="020B0604020202020204" charset="0"/>
+                <a:cs typeface="Roboto" panose="020B0604020202020204" charset="0"/>
+              </a:rPr>
+              <a:t>init</a:t>
+            </a:r>
+            <a:r>
+              <a:rPr lang="ru-RU" sz="1300" dirty="0">
+                <a:latin typeface="Roboto" panose="020B0604020202020204" charset="0"/>
+                <a:ea typeface="Roboto" panose="020B0604020202020204" charset="0"/>
+                <a:cs typeface="Roboto" panose="020B0604020202020204" charset="0"/>
+              </a:rPr>
+              <a:t>)</a:t>
+            </a:r>
+          </a:p>
+          <a:p>
+            <a:pPr marL="285750" indent="-285750">
+              <a:buClr>
+                <a:schemeClr val="tx1"/>
+              </a:buClr>
+            </a:pPr>
+            <a:r>
+              <a:rPr lang="ru-RU" sz="1300" dirty="0">
+                <a:latin typeface="Roboto" panose="020B0604020202020204" charset="0"/>
+                <a:ea typeface="Roboto" panose="020B0604020202020204" charset="0"/>
+                <a:cs typeface="Roboto" panose="020B0604020202020204" charset="0"/>
+              </a:rPr>
+              <a:t>Клонирование репозитория</a:t>
+            </a:r>
+            <a:r>
+              <a:rPr lang="en-US" sz="1300" dirty="0">
+                <a:latin typeface="Roboto" panose="020B0604020202020204" charset="0"/>
+                <a:ea typeface="Roboto" panose="020B0604020202020204" charset="0"/>
+                <a:cs typeface="Roboto" panose="020B0604020202020204" charset="0"/>
+              </a:rPr>
+              <a:t> </a:t>
+            </a:r>
+            <a:r>
+              <a:rPr lang="ru-RU" sz="1300" dirty="0">
+                <a:latin typeface="Roboto" panose="020B0604020202020204" charset="0"/>
+                <a:ea typeface="Roboto" panose="020B0604020202020204" charset="0"/>
+                <a:cs typeface="Roboto" panose="020B0604020202020204" charset="0"/>
+              </a:rPr>
+              <a:t>(</a:t>
+            </a:r>
+            <a:r>
+              <a:rPr lang="en-US" sz="1300" dirty="0" err="1">
+                <a:solidFill>
+                  <a:srgbClr val="00B050"/>
+                </a:solidFill>
+                <a:latin typeface="Roboto" panose="020B0604020202020204" charset="0"/>
+                <a:ea typeface="Roboto" panose="020B0604020202020204" charset="0"/>
+                <a:cs typeface="Roboto" panose="020B0604020202020204" charset="0"/>
+              </a:rPr>
+              <a:t>vcs</a:t>
+            </a:r>
+            <a:r>
+              <a:rPr lang="en-US" sz="1300" dirty="0">
+                <a:solidFill>
+                  <a:srgbClr val="00B050"/>
+                </a:solidFill>
+                <a:latin typeface="Roboto" panose="020B0604020202020204" charset="0"/>
+                <a:ea typeface="Roboto" panose="020B0604020202020204" charset="0"/>
+                <a:cs typeface="Roboto" panose="020B0604020202020204" charset="0"/>
+              </a:rPr>
+              <a:t> clone</a:t>
+            </a:r>
+            <a:r>
+              <a:rPr lang="ru-RU" sz="1300" dirty="0">
+                <a:latin typeface="Roboto" panose="020B0604020202020204" charset="0"/>
+                <a:ea typeface="Roboto" panose="020B0604020202020204" charset="0"/>
+                <a:cs typeface="Roboto" panose="020B0604020202020204" charset="0"/>
+              </a:rPr>
+              <a:t>)</a:t>
+            </a:r>
+            <a:endParaRPr lang="en-US" sz="1300" dirty="0">
+              <a:latin typeface="Roboto" panose="020B0604020202020204" charset="0"/>
+              <a:ea typeface="Roboto" panose="020B0604020202020204" charset="0"/>
+              <a:cs typeface="Roboto" panose="020B0604020202020204" charset="0"/>
+            </a:endParaRPr>
+          </a:p>
+          <a:p>
+            <a:pPr marL="285750" indent="-285750">
+              <a:buClr>
+                <a:schemeClr val="tx1"/>
+              </a:buClr>
+            </a:pPr>
+            <a:r>
+              <a:rPr lang="ru-RU" sz="1300" dirty="0">
+                <a:latin typeface="Roboto" panose="020B0604020202020204" charset="0"/>
+                <a:ea typeface="Roboto" panose="020B0604020202020204" charset="0"/>
+                <a:cs typeface="Roboto" panose="020B0604020202020204" charset="0"/>
+              </a:rPr>
+              <a:t>Загрузка на сервер (</a:t>
+            </a:r>
+            <a:r>
+              <a:rPr lang="en-US" sz="1300" dirty="0" err="1">
+                <a:solidFill>
+                  <a:srgbClr val="00B050"/>
+                </a:solidFill>
+                <a:latin typeface="Roboto" panose="020B0604020202020204" charset="0"/>
+                <a:ea typeface="Roboto" panose="020B0604020202020204" charset="0"/>
+                <a:cs typeface="Roboto" panose="020B0604020202020204" charset="0"/>
+              </a:rPr>
+              <a:t>vcs</a:t>
+            </a:r>
+            <a:r>
+              <a:rPr lang="en-US" sz="1300" dirty="0">
+                <a:solidFill>
+                  <a:srgbClr val="00B050"/>
+                </a:solidFill>
+                <a:latin typeface="Roboto" panose="020B0604020202020204" charset="0"/>
+                <a:ea typeface="Roboto" panose="020B0604020202020204" charset="0"/>
+                <a:cs typeface="Roboto" panose="020B0604020202020204" charset="0"/>
+              </a:rPr>
+              <a:t> push</a:t>
+            </a:r>
+            <a:r>
+              <a:rPr lang="ru-RU" sz="1300" dirty="0">
+                <a:latin typeface="Roboto" panose="020B0604020202020204" charset="0"/>
+                <a:ea typeface="Roboto" panose="020B0604020202020204" charset="0"/>
+                <a:cs typeface="Roboto" panose="020B0604020202020204" charset="0"/>
+              </a:rPr>
+              <a:t>)</a:t>
+            </a:r>
+          </a:p>
+          <a:p>
+            <a:pPr marL="285750" indent="-285750">
+              <a:buClr>
+                <a:schemeClr val="tx1"/>
+              </a:buClr>
+            </a:pPr>
+            <a:r>
+              <a:rPr lang="ru-RU" sz="1300" dirty="0">
+                <a:latin typeface="Roboto" panose="020B0604020202020204" charset="0"/>
+                <a:ea typeface="Roboto" panose="020B0604020202020204" charset="0"/>
+                <a:cs typeface="Roboto" panose="020B0604020202020204" charset="0"/>
+              </a:rPr>
+              <a:t>Удаление репозитория</a:t>
+            </a:r>
+            <a:r>
+              <a:rPr lang="en-US" sz="1300" dirty="0">
+                <a:latin typeface="Roboto" panose="020B0604020202020204" charset="0"/>
+                <a:ea typeface="Roboto" panose="020B0604020202020204" charset="0"/>
+                <a:cs typeface="Roboto" panose="020B0604020202020204" charset="0"/>
+              </a:rPr>
+              <a:t> </a:t>
+            </a:r>
+            <a:r>
+              <a:rPr lang="ru-RU" sz="1300" dirty="0">
+                <a:latin typeface="Roboto" panose="020B0604020202020204" charset="0"/>
+                <a:ea typeface="Roboto" panose="020B0604020202020204" charset="0"/>
+                <a:cs typeface="Roboto" panose="020B0604020202020204" charset="0"/>
+              </a:rPr>
+              <a:t>(</a:t>
+            </a:r>
+            <a:r>
+              <a:rPr lang="en-US" sz="1300" dirty="0" err="1">
+                <a:solidFill>
+                  <a:srgbClr val="00B050"/>
+                </a:solidFill>
+                <a:latin typeface="Roboto" panose="020B0604020202020204" charset="0"/>
+                <a:ea typeface="Roboto" panose="020B0604020202020204" charset="0"/>
+                <a:cs typeface="Roboto" panose="020B0604020202020204" charset="0"/>
+              </a:rPr>
+              <a:t>vcs</a:t>
+            </a:r>
+            <a:r>
+              <a:rPr lang="en-US" sz="1300" dirty="0">
+                <a:solidFill>
+                  <a:srgbClr val="00B050"/>
+                </a:solidFill>
+                <a:latin typeface="Roboto" panose="020B0604020202020204" charset="0"/>
+                <a:ea typeface="Roboto" panose="020B0604020202020204" charset="0"/>
+                <a:cs typeface="Roboto" panose="020B0604020202020204" charset="0"/>
+              </a:rPr>
+              <a:t> remove</a:t>
+            </a:r>
+            <a:r>
+              <a:rPr lang="ru-RU" sz="1300" dirty="0">
+                <a:latin typeface="Roboto" panose="020B0604020202020204" charset="0"/>
+                <a:ea typeface="Roboto" panose="020B0604020202020204" charset="0"/>
+                <a:cs typeface="Roboto" panose="020B0604020202020204" charset="0"/>
+              </a:rPr>
+              <a:t>)</a:t>
+            </a:r>
+          </a:p>
+          <a:p>
+            <a:pPr marL="285750" indent="-285750">
+              <a:buClr>
+                <a:schemeClr val="tx1"/>
+              </a:buClr>
+            </a:pPr>
+            <a:r>
+              <a:rPr lang="ru-RU" sz="1300" dirty="0">
+                <a:latin typeface="Roboto" panose="020B0604020202020204" charset="0"/>
+                <a:ea typeface="Roboto" panose="020B0604020202020204" charset="0"/>
+                <a:cs typeface="Roboto" panose="020B0604020202020204" charset="0"/>
+              </a:rPr>
+              <a:t>Создание коммитов</a:t>
+            </a:r>
+            <a:r>
+              <a:rPr lang="en-US" sz="1300" dirty="0">
+                <a:latin typeface="Roboto" panose="020B0604020202020204" charset="0"/>
+                <a:ea typeface="Roboto" panose="020B0604020202020204" charset="0"/>
+                <a:cs typeface="Roboto" panose="020B0604020202020204" charset="0"/>
+              </a:rPr>
+              <a:t> </a:t>
+            </a:r>
+            <a:r>
+              <a:rPr lang="ru-RU" sz="1300" dirty="0">
+                <a:latin typeface="Roboto" panose="020B0604020202020204" charset="0"/>
+                <a:ea typeface="Roboto" panose="020B0604020202020204" charset="0"/>
+                <a:cs typeface="Roboto" panose="020B0604020202020204" charset="0"/>
+              </a:rPr>
+              <a:t>(</a:t>
+            </a:r>
+            <a:r>
+              <a:rPr lang="en-US" sz="1300" dirty="0" err="1">
+                <a:solidFill>
+                  <a:srgbClr val="00B050"/>
+                </a:solidFill>
+                <a:latin typeface="Roboto" panose="020B0604020202020204" charset="0"/>
+                <a:ea typeface="Roboto" panose="020B0604020202020204" charset="0"/>
+                <a:cs typeface="Roboto" panose="020B0604020202020204" charset="0"/>
+              </a:rPr>
+              <a:t>vcs</a:t>
+            </a:r>
+            <a:r>
+              <a:rPr lang="en-US" sz="1300" dirty="0">
+                <a:solidFill>
+                  <a:srgbClr val="00B050"/>
+                </a:solidFill>
+                <a:latin typeface="Roboto" panose="020B0604020202020204" charset="0"/>
+                <a:ea typeface="Roboto" panose="020B0604020202020204" charset="0"/>
+                <a:cs typeface="Roboto" panose="020B0604020202020204" charset="0"/>
+              </a:rPr>
+              <a:t> commit</a:t>
+            </a:r>
+            <a:r>
+              <a:rPr lang="ru-RU" sz="1300" dirty="0">
+                <a:latin typeface="Roboto" panose="020B0604020202020204" charset="0"/>
+                <a:ea typeface="Roboto" panose="020B0604020202020204" charset="0"/>
+                <a:cs typeface="Roboto" panose="020B0604020202020204" charset="0"/>
+              </a:rPr>
+              <a:t>)</a:t>
+            </a:r>
+          </a:p>
+          <a:p>
+            <a:pPr marL="285750" indent="-285750">
+              <a:buClr>
+                <a:schemeClr val="tx1"/>
+              </a:buClr>
+            </a:pPr>
+            <a:r>
+              <a:rPr lang="ru-RU" sz="1300" dirty="0">
+                <a:latin typeface="Roboto" panose="020B0604020202020204" charset="0"/>
+                <a:ea typeface="Roboto" panose="020B0604020202020204" charset="0"/>
+                <a:cs typeface="Roboto" panose="020B0604020202020204" charset="0"/>
+              </a:rPr>
+              <a:t>Сравнение коммитов</a:t>
+            </a:r>
+            <a:r>
+              <a:rPr lang="en-US" sz="1300" dirty="0">
+                <a:latin typeface="Roboto" panose="020B0604020202020204" charset="0"/>
+                <a:ea typeface="Roboto" panose="020B0604020202020204" charset="0"/>
+                <a:cs typeface="Roboto" panose="020B0604020202020204" charset="0"/>
+              </a:rPr>
+              <a:t> </a:t>
+            </a:r>
+            <a:r>
+              <a:rPr lang="ru-RU" sz="1300" dirty="0">
+                <a:latin typeface="Roboto" panose="020B0604020202020204" charset="0"/>
+                <a:ea typeface="Roboto" panose="020B0604020202020204" charset="0"/>
+                <a:cs typeface="Roboto" panose="020B0604020202020204" charset="0"/>
+              </a:rPr>
+              <a:t>(</a:t>
+            </a:r>
+            <a:r>
+              <a:rPr lang="en-US" sz="1300" dirty="0" err="1">
+                <a:solidFill>
+                  <a:srgbClr val="00B050"/>
+                </a:solidFill>
+                <a:latin typeface="Roboto" panose="020B0604020202020204" charset="0"/>
+                <a:ea typeface="Roboto" panose="020B0604020202020204" charset="0"/>
+                <a:cs typeface="Roboto" panose="020B0604020202020204" charset="0"/>
+              </a:rPr>
+              <a:t>vcs</a:t>
+            </a:r>
+            <a:r>
+              <a:rPr lang="en-US" sz="1300" dirty="0">
+                <a:solidFill>
+                  <a:srgbClr val="00B050"/>
+                </a:solidFill>
+                <a:latin typeface="Roboto" panose="020B0604020202020204" charset="0"/>
+                <a:ea typeface="Roboto" panose="020B0604020202020204" charset="0"/>
+                <a:cs typeface="Roboto" panose="020B0604020202020204" charset="0"/>
+              </a:rPr>
+              <a:t> status</a:t>
+            </a:r>
+            <a:r>
+              <a:rPr lang="ru-RU" sz="1300" dirty="0">
+                <a:latin typeface="Roboto" panose="020B0604020202020204" charset="0"/>
+                <a:ea typeface="Roboto" panose="020B0604020202020204" charset="0"/>
+                <a:cs typeface="Roboto" panose="020B0604020202020204" charset="0"/>
+              </a:rPr>
+              <a:t>)</a:t>
+            </a:r>
+          </a:p>
+          <a:p>
+            <a:pPr marL="285750" indent="-285750">
+              <a:buClr>
+                <a:schemeClr val="tx1"/>
+              </a:buClr>
+            </a:pPr>
+            <a:r>
+              <a:rPr lang="ru-RU" sz="1300" dirty="0">
+                <a:latin typeface="Roboto" panose="020B0604020202020204" charset="0"/>
+                <a:ea typeface="Roboto" panose="020B0604020202020204" charset="0"/>
+                <a:cs typeface="Roboto" panose="020B0604020202020204" charset="0"/>
+              </a:rPr>
+              <a:t>Откат к предыдущей версии</a:t>
+            </a:r>
+            <a:r>
+              <a:rPr lang="en-US" sz="1300" dirty="0">
+                <a:latin typeface="Roboto" panose="020B0604020202020204" charset="0"/>
+                <a:ea typeface="Roboto" panose="020B0604020202020204" charset="0"/>
+                <a:cs typeface="Roboto" panose="020B0604020202020204" charset="0"/>
+              </a:rPr>
+              <a:t> </a:t>
+            </a:r>
+            <a:r>
+              <a:rPr lang="ru-RU" sz="1300" dirty="0">
+                <a:latin typeface="Roboto" panose="020B0604020202020204" charset="0"/>
+                <a:ea typeface="Roboto" panose="020B0604020202020204" charset="0"/>
+                <a:cs typeface="Roboto" panose="020B0604020202020204" charset="0"/>
+              </a:rPr>
+              <a:t>(</a:t>
+            </a:r>
+            <a:r>
+              <a:rPr lang="en-US" sz="1300" dirty="0" err="1">
+                <a:solidFill>
+                  <a:srgbClr val="00B050"/>
+                </a:solidFill>
+                <a:latin typeface="Roboto" panose="020B0604020202020204" charset="0"/>
+                <a:ea typeface="Roboto" panose="020B0604020202020204" charset="0"/>
+                <a:cs typeface="Roboto" panose="020B0604020202020204" charset="0"/>
+              </a:rPr>
+              <a:t>vcs</a:t>
+            </a:r>
+            <a:r>
+              <a:rPr lang="en-US" sz="1300" dirty="0">
+                <a:solidFill>
+                  <a:srgbClr val="00B050"/>
+                </a:solidFill>
+                <a:latin typeface="Roboto" panose="020B0604020202020204" charset="0"/>
+                <a:ea typeface="Roboto" panose="020B0604020202020204" charset="0"/>
+                <a:cs typeface="Roboto" panose="020B0604020202020204" charset="0"/>
+              </a:rPr>
+              <a:t> rollback</a:t>
+            </a:r>
+            <a:r>
+              <a:rPr lang="ru-RU" sz="1300" dirty="0">
+                <a:latin typeface="Roboto" panose="020B0604020202020204" charset="0"/>
+                <a:ea typeface="Roboto" panose="020B0604020202020204" charset="0"/>
+                <a:cs typeface="Roboto" panose="020B0604020202020204" charset="0"/>
+              </a:rPr>
+              <a:t>)</a:t>
+            </a:r>
+          </a:p>
+          <a:p>
+            <a:pPr marL="285750" indent="-285750">
+              <a:buClr>
+                <a:schemeClr val="tx1"/>
+              </a:buClr>
+            </a:pPr>
+            <a:r>
+              <a:rPr lang="ru-RU" sz="1300" dirty="0">
+                <a:latin typeface="Roboto" panose="020B0604020202020204" charset="0"/>
+                <a:ea typeface="Roboto" panose="020B0604020202020204" charset="0"/>
+                <a:cs typeface="Roboto" panose="020B0604020202020204" charset="0"/>
+              </a:rPr>
+              <a:t>История коммитов</a:t>
+            </a:r>
+            <a:r>
+              <a:rPr lang="en-US" sz="1300" dirty="0">
+                <a:latin typeface="Roboto" panose="020B0604020202020204" charset="0"/>
+                <a:ea typeface="Roboto" panose="020B0604020202020204" charset="0"/>
+                <a:cs typeface="Roboto" panose="020B0604020202020204" charset="0"/>
+              </a:rPr>
+              <a:t> </a:t>
+            </a:r>
+            <a:r>
+              <a:rPr lang="ru-RU" sz="1300" dirty="0">
+                <a:latin typeface="Roboto" panose="020B0604020202020204" charset="0"/>
+                <a:ea typeface="Roboto" panose="020B0604020202020204" charset="0"/>
+                <a:cs typeface="Roboto" panose="020B0604020202020204" charset="0"/>
+              </a:rPr>
+              <a:t>(</a:t>
+            </a:r>
+            <a:r>
+              <a:rPr lang="en-US" sz="1300" dirty="0" err="1">
+                <a:solidFill>
+                  <a:srgbClr val="00B050"/>
+                </a:solidFill>
+                <a:latin typeface="Roboto" panose="020B0604020202020204" charset="0"/>
+                <a:ea typeface="Roboto" panose="020B0604020202020204" charset="0"/>
+                <a:cs typeface="Roboto" panose="020B0604020202020204" charset="0"/>
+              </a:rPr>
+              <a:t>vcs</a:t>
+            </a:r>
+            <a:r>
+              <a:rPr lang="en-US" sz="1300" dirty="0">
+                <a:solidFill>
+                  <a:srgbClr val="00B050"/>
+                </a:solidFill>
+                <a:latin typeface="Roboto" panose="020B0604020202020204" charset="0"/>
+                <a:ea typeface="Roboto" panose="020B0604020202020204" charset="0"/>
+                <a:cs typeface="Roboto" panose="020B0604020202020204" charset="0"/>
+              </a:rPr>
+              <a:t> </a:t>
+            </a:r>
+            <a:r>
+              <a:rPr lang="en-US" sz="1300" dirty="0" err="1">
+                <a:solidFill>
+                  <a:srgbClr val="00B050"/>
+                </a:solidFill>
+                <a:latin typeface="Roboto" panose="020B0604020202020204" charset="0"/>
+                <a:ea typeface="Roboto" panose="020B0604020202020204" charset="0"/>
+                <a:cs typeface="Roboto" panose="020B0604020202020204" charset="0"/>
+              </a:rPr>
+              <a:t>hist</a:t>
+            </a:r>
+            <a:r>
+              <a:rPr lang="ru-RU" sz="1300" dirty="0">
+                <a:latin typeface="Roboto" panose="020B0604020202020204" charset="0"/>
+                <a:ea typeface="Roboto" panose="020B0604020202020204" charset="0"/>
+                <a:cs typeface="Roboto" panose="020B0604020202020204" charset="0"/>
+              </a:rPr>
+              <a:t>)</a:t>
+            </a:r>
+            <a:endParaRPr lang="en-US" sz="1300" dirty="0">
+              <a:latin typeface="Roboto" panose="020B0604020202020204" charset="0"/>
+              <a:ea typeface="Roboto" panose="020B0604020202020204" charset="0"/>
+              <a:cs typeface="Roboto" panose="020B0604020202020204" charset="0"/>
+            </a:endParaRPr>
+          </a:p>
+          <a:p>
+            <a:pPr marL="285750" indent="-285750">
+              <a:buClr>
+                <a:schemeClr val="tx1"/>
+              </a:buClr>
+            </a:pPr>
+            <a:r>
+              <a:rPr lang="ru-RU" sz="1300" dirty="0">
+                <a:latin typeface="Roboto" panose="020B0604020202020204" charset="0"/>
+                <a:ea typeface="Roboto" panose="020B0604020202020204" charset="0"/>
+                <a:cs typeface="Roboto" panose="020B0604020202020204" charset="0"/>
+              </a:rPr>
+              <a:t>Вывод файловой структуры</a:t>
+            </a:r>
+            <a:r>
+              <a:rPr lang="en-US" sz="1300" dirty="0">
+                <a:latin typeface="Roboto" panose="020B0604020202020204" charset="0"/>
+                <a:ea typeface="Roboto" panose="020B0604020202020204" charset="0"/>
+                <a:cs typeface="Roboto" panose="020B0604020202020204" charset="0"/>
+              </a:rPr>
+              <a:t> (</a:t>
+            </a:r>
+            <a:r>
+              <a:rPr lang="en-US" sz="1300" dirty="0" err="1">
+                <a:solidFill>
+                  <a:srgbClr val="00B050"/>
+                </a:solidFill>
+                <a:latin typeface="Roboto" panose="020B0604020202020204" charset="0"/>
+                <a:ea typeface="Roboto" panose="020B0604020202020204" charset="0"/>
+                <a:cs typeface="Roboto" panose="020B0604020202020204" charset="0"/>
+              </a:rPr>
+              <a:t>vcs</a:t>
+            </a:r>
+            <a:r>
+              <a:rPr lang="en-US" sz="1300" dirty="0">
+                <a:solidFill>
+                  <a:srgbClr val="00B050"/>
+                </a:solidFill>
+                <a:latin typeface="Roboto" panose="020B0604020202020204" charset="0"/>
+                <a:ea typeface="Roboto" panose="020B0604020202020204" charset="0"/>
+                <a:cs typeface="Roboto" panose="020B0604020202020204" charset="0"/>
+              </a:rPr>
+              <a:t> tree</a:t>
+            </a:r>
+            <a:r>
+              <a:rPr lang="en-US" sz="1300" dirty="0">
+                <a:latin typeface="Roboto" panose="020B0604020202020204" charset="0"/>
+                <a:ea typeface="Roboto" panose="020B0604020202020204" charset="0"/>
+                <a:cs typeface="Roboto" panose="020B0604020202020204" charset="0"/>
+              </a:rPr>
+              <a:t>)</a:t>
+            </a:r>
+          </a:p>
+          <a:p>
+            <a:pPr marL="285750" indent="-285750">
+              <a:buClr>
+                <a:schemeClr val="tx1"/>
+              </a:buClr>
+            </a:pPr>
+            <a:r>
+              <a:rPr lang="ru-RU" sz="1300" dirty="0">
+                <a:latin typeface="Roboto" panose="020B0604020202020204" charset="0"/>
+                <a:ea typeface="Roboto" panose="020B0604020202020204" charset="0"/>
+                <a:cs typeface="Roboto" panose="020B0604020202020204" charset="0"/>
+              </a:rPr>
+              <a:t>Справка по командам</a:t>
+            </a:r>
+            <a:r>
+              <a:rPr lang="en-US" sz="1300" dirty="0">
+                <a:latin typeface="Roboto" panose="020B0604020202020204" charset="0"/>
+                <a:ea typeface="Roboto" panose="020B0604020202020204" charset="0"/>
+                <a:cs typeface="Roboto" panose="020B0604020202020204" charset="0"/>
+              </a:rPr>
+              <a:t> (</a:t>
+            </a:r>
+            <a:r>
+              <a:rPr lang="en-US" sz="1300" dirty="0" err="1">
+                <a:solidFill>
+                  <a:srgbClr val="00B050"/>
+                </a:solidFill>
+                <a:latin typeface="Roboto" panose="020B0604020202020204" charset="0"/>
+                <a:ea typeface="Roboto" panose="020B0604020202020204" charset="0"/>
+                <a:cs typeface="Roboto" panose="020B0604020202020204" charset="0"/>
+              </a:rPr>
+              <a:t>vcs</a:t>
+            </a:r>
+            <a:r>
+              <a:rPr lang="en-US" sz="1300" dirty="0">
+                <a:solidFill>
+                  <a:srgbClr val="00B050"/>
+                </a:solidFill>
+                <a:latin typeface="Roboto" panose="020B0604020202020204" charset="0"/>
+                <a:ea typeface="Roboto" panose="020B0604020202020204" charset="0"/>
+                <a:cs typeface="Roboto" panose="020B0604020202020204" charset="0"/>
+              </a:rPr>
+              <a:t> help</a:t>
+            </a:r>
+            <a:r>
+              <a:rPr lang="en-US" sz="1300" dirty="0">
+                <a:latin typeface="Roboto" panose="020B0604020202020204" charset="0"/>
+                <a:ea typeface="Roboto" panose="020B0604020202020204" charset="0"/>
+                <a:cs typeface="Roboto" panose="020B0604020202020204" charset="0"/>
+              </a:rPr>
+              <a:t>)</a:t>
+            </a:r>
+            <a:endParaRPr lang="ru-RU" sz="1300" dirty="0">
+              <a:latin typeface="Roboto" panose="020B0604020202020204" charset="0"/>
+              <a:ea typeface="Roboto" panose="020B0604020202020204" charset="0"/>
+              <a:cs typeface="Roboto" panose="020B0604020202020204" charset="0"/>
+            </a:endParaRPr>
+          </a:p>
+          <a:p>
+            <a:pPr marL="285750" indent="-285750">
+              <a:buClr>
+                <a:schemeClr val="tx1"/>
+              </a:buClr>
+            </a:pPr>
+            <a:r>
+              <a:rPr lang="ru-RU" sz="1300" dirty="0">
+                <a:latin typeface="Roboto" panose="020B0604020202020204" charset="0"/>
+                <a:ea typeface="Roboto" panose="020B0604020202020204" charset="0"/>
+                <a:cs typeface="Roboto" panose="020B0604020202020204" charset="0"/>
+              </a:rPr>
+              <a:t>Смена языка</a:t>
+            </a:r>
+            <a:r>
+              <a:rPr lang="en-US" sz="1300" dirty="0">
+                <a:latin typeface="Roboto" panose="020B0604020202020204" charset="0"/>
+                <a:ea typeface="Roboto" panose="020B0604020202020204" charset="0"/>
+                <a:cs typeface="Roboto" panose="020B0604020202020204" charset="0"/>
+              </a:rPr>
+              <a:t> (</a:t>
+            </a:r>
+            <a:r>
+              <a:rPr lang="en-US" sz="1300" dirty="0" err="1">
+                <a:solidFill>
+                  <a:srgbClr val="00B050"/>
+                </a:solidFill>
+                <a:latin typeface="Roboto" panose="020B0604020202020204" charset="0"/>
+                <a:ea typeface="Roboto" panose="020B0604020202020204" charset="0"/>
+                <a:cs typeface="Roboto" panose="020B0604020202020204" charset="0"/>
+              </a:rPr>
+              <a:t>vcs</a:t>
+            </a:r>
+            <a:r>
+              <a:rPr lang="en-US" sz="1300" dirty="0">
+                <a:solidFill>
+                  <a:srgbClr val="00B050"/>
+                </a:solidFill>
+                <a:latin typeface="Roboto" panose="020B0604020202020204" charset="0"/>
+                <a:ea typeface="Roboto" panose="020B0604020202020204" charset="0"/>
+                <a:cs typeface="Roboto" panose="020B0604020202020204" charset="0"/>
+              </a:rPr>
+              <a:t> </a:t>
+            </a:r>
+            <a:r>
+              <a:rPr lang="en-US" sz="1300" dirty="0" err="1">
+                <a:solidFill>
+                  <a:srgbClr val="00B050"/>
+                </a:solidFill>
+                <a:latin typeface="Roboto" panose="020B0604020202020204" charset="0"/>
+                <a:ea typeface="Roboto" panose="020B0604020202020204" charset="0"/>
+                <a:cs typeface="Roboto" panose="020B0604020202020204" charset="0"/>
+              </a:rPr>
+              <a:t>lang</a:t>
+            </a:r>
+            <a:r>
+              <a:rPr lang="en-US" sz="1300" dirty="0">
+                <a:latin typeface="Roboto" panose="020B0604020202020204" charset="0"/>
+                <a:ea typeface="Roboto" panose="020B0604020202020204" charset="0"/>
+                <a:cs typeface="Roboto" panose="020B0604020202020204" charset="0"/>
+              </a:rPr>
+              <a:t>)</a:t>
+            </a:r>
+            <a:endParaRPr lang="ru-RU" sz="1300" dirty="0">
+              <a:latin typeface="Roboto" panose="020B0604020202020204" charset="0"/>
+              <a:ea typeface="Roboto" panose="020B0604020202020204" charset="0"/>
+              <a:cs typeface="Roboto" panose="020B0604020202020204" charset="0"/>
+            </a:endParaRPr>
+          </a:p>
+          <a:p>
+            <a:pPr marL="285750" indent="-285750">
+              <a:buClr>
+                <a:schemeClr val="tx1"/>
+              </a:buClr>
+            </a:pPr>
+            <a:r>
+              <a:rPr lang="en-US" sz="1300" dirty="0">
+                <a:latin typeface="Roboto" panose="020B0604020202020204" charset="0"/>
+                <a:ea typeface="Roboto" panose="020B0604020202020204" charset="0"/>
+                <a:cs typeface="Roboto" panose="020B0604020202020204" charset="0"/>
+              </a:rPr>
+              <a:t>(</a:t>
+            </a:r>
+            <a:r>
+              <a:rPr lang="ru-RU" sz="1300" dirty="0">
+                <a:latin typeface="Roboto" panose="020B0604020202020204" charset="0"/>
+                <a:ea typeface="Roboto" panose="020B0604020202020204" charset="0"/>
+                <a:cs typeface="Roboto" panose="020B0604020202020204" charset="0"/>
+              </a:rPr>
+              <a:t>де</a:t>
+            </a:r>
+            <a:r>
+              <a:rPr lang="en-US" sz="1300" dirty="0">
+                <a:latin typeface="Roboto" panose="020B0604020202020204" charset="0"/>
+                <a:ea typeface="Roboto" panose="020B0604020202020204" charset="0"/>
+                <a:cs typeface="Roboto" panose="020B0604020202020204" charset="0"/>
+              </a:rPr>
+              <a:t>)</a:t>
+            </a:r>
+            <a:r>
+              <a:rPr lang="ru-RU" sz="1300" dirty="0">
+                <a:latin typeface="Roboto" panose="020B0604020202020204" charset="0"/>
+                <a:ea typeface="Roboto" panose="020B0604020202020204" charset="0"/>
+                <a:cs typeface="Roboto" panose="020B0604020202020204" charset="0"/>
+              </a:rPr>
+              <a:t>шифрование репозитория (</a:t>
+            </a:r>
+            <a:r>
+              <a:rPr lang="en-US" sz="1300" dirty="0" err="1">
+                <a:solidFill>
+                  <a:srgbClr val="00B050"/>
+                </a:solidFill>
+                <a:latin typeface="Roboto" panose="020B0604020202020204" charset="0"/>
+                <a:ea typeface="Roboto" panose="020B0604020202020204" charset="0"/>
+                <a:cs typeface="Roboto" panose="020B0604020202020204" charset="0"/>
+              </a:rPr>
+              <a:t>vcs</a:t>
+            </a:r>
+            <a:r>
+              <a:rPr lang="en-US" sz="1300" dirty="0">
+                <a:solidFill>
+                  <a:srgbClr val="00B050"/>
+                </a:solidFill>
+                <a:latin typeface="Roboto" panose="020B0604020202020204" charset="0"/>
+                <a:ea typeface="Roboto" panose="020B0604020202020204" charset="0"/>
+                <a:cs typeface="Roboto" panose="020B0604020202020204" charset="0"/>
+              </a:rPr>
+              <a:t> (de)crypt</a:t>
+            </a:r>
+            <a:r>
+              <a:rPr lang="ru-RU" sz="1300" dirty="0">
+                <a:latin typeface="Roboto" panose="020B0604020202020204" charset="0"/>
+                <a:ea typeface="Roboto" panose="020B0604020202020204" charset="0"/>
+                <a:cs typeface="Roboto" panose="020B0604020202020204" charset="0"/>
+              </a:rPr>
+              <a:t>)</a:t>
+            </a:r>
+          </a:p>
+          <a:p>
+            <a:pPr marL="285750" indent="-285750">
+              <a:buClr>
+                <a:schemeClr val="tx1"/>
+              </a:buClr>
+            </a:pPr>
+            <a:r>
+              <a:rPr lang="ru-RU" sz="1300" dirty="0">
+                <a:latin typeface="Roboto" panose="020B0604020202020204" charset="0"/>
+                <a:ea typeface="Roboto" panose="020B0604020202020204" charset="0"/>
+                <a:cs typeface="Roboto" panose="020B0604020202020204" charset="0"/>
+              </a:rPr>
+              <a:t>Игнорирование файлов и директорий</a:t>
+            </a:r>
+            <a:r>
+              <a:rPr lang="en-US" sz="1300" dirty="0">
+                <a:latin typeface="Roboto" panose="020B0604020202020204" charset="0"/>
+                <a:ea typeface="Roboto" panose="020B0604020202020204" charset="0"/>
+                <a:cs typeface="Roboto" panose="020B0604020202020204" charset="0"/>
+              </a:rPr>
+              <a:t> (.gitignore)</a:t>
+            </a:r>
+            <a:r>
+              <a:rPr lang="ru-RU" sz="1300" dirty="0">
+                <a:latin typeface="Roboto" panose="020B0604020202020204" charset="0"/>
+                <a:ea typeface="Roboto" panose="020B0604020202020204" charset="0"/>
+                <a:cs typeface="Roboto" panose="020B0604020202020204" charset="0"/>
+              </a:rPr>
+              <a:t> </a:t>
+            </a:r>
+            <a:endParaRPr lang="en-US" sz="1300" dirty="0">
+              <a:latin typeface="Roboto" panose="020B0604020202020204" charset="0"/>
+              <a:ea typeface="Roboto" panose="020B0604020202020204" charset="0"/>
+              <a:cs typeface="Roboto" panose="020B0604020202020204" charset="0"/>
+            </a:endParaRPr>
+          </a:p>
+        </p:txBody>
+      </p:sp>
+      <p:sp>
+        <p:nvSpPr>
+          <p:cNvPr id="7" name="TextBox 6"/>
           <p:cNvSpPr txBox="1"/>
           <p:nvPr/>
         </p:nvSpPr>
         <p:spPr>
           <a:xfrm>
-            <a:off x="1285525" y="250070"/>
-            <a:ext cx="7205462" cy="769441"/>
+            <a:off x="8276704" y="4628554"/>
+            <a:ext cx="775855" cy="400110"/>
           </a:xfrm>
           <a:prstGeom prst="rect">
             <a:avLst/>
@@ -8086,31 +11473,32 @@
           <a:lstStyle/>
           <a:p>
             <a:pPr algn="ctr"/>
-            <a:r>
-              <a:rPr lang="ru-RU" sz="4400" dirty="0">
-                <a:cs typeface="Times New Roman" panose="02020603050405020304" pitchFamily="18" charset="0"/>
+            <a:fld id="{73B2B6CB-D875-4B6A-A90B-B9752B54B15D}" type="slidenum">
+              <a:rPr lang="ru-RU" sz="2000">
+                <a:latin typeface="Roboto" panose="020B0604020202020204" charset="0"/>
+                <a:ea typeface="Roboto" panose="020B0604020202020204" charset="0"/>
+                <a:cs typeface="Roboto" panose="020B0604020202020204" charset="0"/>
               </a:rPr>
-              <a:t>Анализ предметной области</a:t>
-            </a:r>
-          </a:p>
-        </p:txBody>
-      </p:sp>
-      <p:sp>
-        <p:nvSpPr>
-          <p:cNvPr id="7" name="TextBox 6">
-            <a:extLst>
-              <a:ext uri="{FF2B5EF4-FFF2-40B4-BE49-F238E27FC236}">
-                <a16:creationId xmlns:a16="http://schemas.microsoft.com/office/drawing/2014/main" id="{2BF579B1-AEA0-7A5D-336D-40F68DE0A923}"/>
-              </a:ext>
-            </a:extLst>
-          </p:cNvPr>
+              <a:t>5</a:t>
+            </a:fld>
+            <a:endParaRPr lang="ru-RU" sz="2000" dirty="0">
+              <a:latin typeface="Roboto" panose="020B0604020202020204" charset="0"/>
+              <a:ea typeface="Roboto" panose="020B0604020202020204" charset="0"/>
+              <a:cs typeface="Roboto" panose="020B0604020202020204" charset="0"/>
+            </a:endParaRPr>
+          </a:p>
+        </p:txBody>
+      </p:sp>
+      <p:sp>
+        <p:nvSpPr>
+          <p:cNvPr id="8" name="TextBox 7"/>
           <p:cNvSpPr txBox="1"/>
           <p:nvPr/>
         </p:nvSpPr>
         <p:spPr>
           <a:xfrm>
-            <a:off x="949051" y="1221249"/>
-            <a:ext cx="7878410" cy="3747436"/>
+            <a:off x="1354780" y="984128"/>
+            <a:ext cx="2605138" cy="369332"/>
           </a:xfrm>
           <a:prstGeom prst="rect">
             <a:avLst/>
@@ -8118,73 +11506,108 @@
           <a:noFill/>
         </p:spPr>
         <p:txBody>
-          <a:bodyPr wrap="square">
+          <a:bodyPr wrap="square" rtlCol="0">
             <a:spAutoFit/>
           </a:bodyPr>
           <a:lstStyle/>
           <a:p>
-            <a:pPr indent="450215" algn="just">
-              <a:lnSpc>
-                <a:spcPct val="150000"/>
-              </a:lnSpc>
-              <a:spcAft>
-                <a:spcPts val="800"/>
-              </a:spcAft>
-            </a:pPr>
-            <a:r>
-              <a:rPr lang="ru-RU" sz="1600" b="0" i="0" dirty="0">
-                <a:solidFill>
-                  <a:srgbClr val="374151"/>
-                </a:solidFill>
-                <a:effectLst/>
-                <a:latin typeface="Söhne"/>
+            <a:pPr algn="ctr"/>
+            <a:r>
+              <a:rPr lang="ru-RU" dirty="0" smtClean="0">
+                <a:solidFill>
+                  <a:srgbClr val="00B050"/>
+                </a:solidFill>
+                <a:latin typeface="Roboto" panose="020B0604020202020204" charset="0"/>
+                <a:ea typeface="Roboto" panose="020B0604020202020204" charset="0"/>
+                <a:cs typeface="Roboto" panose="020B0604020202020204" charset="0"/>
               </a:rPr>
-              <a:t>В современном мире разработка программного обеспечения довольно сложный процесс, требующий эффективного управления изменениями в исходном коде. Системы контроля версий (</a:t>
-            </a:r>
-            <a:r>
-              <a:rPr lang="en-US" sz="1600" b="0" i="0" dirty="0">
-                <a:solidFill>
-                  <a:srgbClr val="374151"/>
-                </a:solidFill>
-                <a:effectLst/>
-                <a:latin typeface="Söhne"/>
+              <a:t>Клиент </a:t>
+            </a:r>
+            <a:r>
+              <a:rPr lang="en-US" dirty="0" smtClean="0">
+                <a:solidFill>
+                  <a:srgbClr val="00B050"/>
+                </a:solidFill>
+                <a:latin typeface="Roboto" panose="020B0604020202020204" charset="0"/>
+                <a:ea typeface="Roboto" panose="020B0604020202020204" charset="0"/>
+                <a:cs typeface="Roboto" panose="020B0604020202020204" charset="0"/>
               </a:rPr>
               <a:t>VCS</a:t>
             </a:r>
-            <a:r>
-              <a:rPr lang="ru-RU" sz="1600" b="0" i="0" dirty="0">
-                <a:solidFill>
-                  <a:srgbClr val="374151"/>
-                </a:solidFill>
-                <a:effectLst/>
-                <a:latin typeface="Söhne"/>
+            <a:endParaRPr lang="ru-RU" dirty="0">
+              <a:solidFill>
+                <a:srgbClr val="00B050"/>
+              </a:solidFill>
+              <a:latin typeface="Roboto" panose="020B0604020202020204" charset="0"/>
+              <a:ea typeface="Roboto" panose="020B0604020202020204" charset="0"/>
+              <a:cs typeface="Roboto" panose="020B0604020202020204" charset="0"/>
+            </a:endParaRPr>
+          </a:p>
+        </p:txBody>
+      </p:sp>
+      <p:sp>
+        <p:nvSpPr>
+          <p:cNvPr id="9" name="TextBox 8"/>
+          <p:cNvSpPr txBox="1"/>
+          <p:nvPr/>
+        </p:nvSpPr>
+        <p:spPr>
+          <a:xfrm>
+            <a:off x="5180665" y="984128"/>
+            <a:ext cx="2605138" cy="369332"/>
+          </a:xfrm>
+          <a:prstGeom prst="rect">
+            <a:avLst/>
+          </a:prstGeom>
+          <a:noFill/>
+        </p:spPr>
+        <p:txBody>
+          <a:bodyPr wrap="square" rtlCol="0">
+            <a:spAutoFit/>
+          </a:bodyPr>
+          <a:lstStyle/>
+          <a:p>
+            <a:pPr algn="ctr"/>
+            <a:r>
+              <a:rPr lang="ru-RU" dirty="0" smtClean="0">
+                <a:solidFill>
+                  <a:srgbClr val="00B050"/>
+                </a:solidFill>
+                <a:latin typeface="Roboto" panose="020B0604020202020204" charset="0"/>
+                <a:ea typeface="Roboto" panose="020B0604020202020204" charset="0"/>
+                <a:cs typeface="Roboto" panose="020B0604020202020204" charset="0"/>
               </a:rPr>
-              <a:t>) играют ключевую роль в этом процессе, предоставляя механизмы отслеживания, управления и совместной работы над версиями программного продукта. Тема разработки новой системы контроля версий становится важной, учитывая постоянное развитие технологий и появление новых требований к процессам разработки. Перспективы улучшения эффективности совместной работы, безопасности данных и интеграции с современными средами разработки делают актуальной не только оптимизацию уже существующих </a:t>
-            </a:r>
-            <a:r>
-              <a:rPr lang="en-US" sz="1600" b="0" i="0" dirty="0">
-                <a:solidFill>
-                  <a:srgbClr val="374151"/>
-                </a:solidFill>
-                <a:effectLst/>
-                <a:latin typeface="Söhne"/>
+              <a:t>Сервер</a:t>
+            </a:r>
+            <a:r>
+              <a:rPr lang="ru-RU" dirty="0" smtClean="0">
+                <a:solidFill>
+                  <a:srgbClr val="00B050"/>
+                </a:solidFill>
+                <a:latin typeface="Roboto" panose="020B0604020202020204" charset="0"/>
+                <a:ea typeface="Roboto" panose="020B0604020202020204" charset="0"/>
+                <a:cs typeface="Roboto" panose="020B0604020202020204" charset="0"/>
+              </a:rPr>
+              <a:t> </a:t>
+            </a:r>
+            <a:r>
+              <a:rPr lang="en-US" dirty="0" smtClean="0">
+                <a:solidFill>
+                  <a:srgbClr val="00B050"/>
+                </a:solidFill>
+                <a:latin typeface="Roboto" panose="020B0604020202020204" charset="0"/>
+                <a:ea typeface="Roboto" panose="020B0604020202020204" charset="0"/>
+                <a:cs typeface="Roboto" panose="020B0604020202020204" charset="0"/>
               </a:rPr>
               <a:t>VCS</a:t>
             </a:r>
-            <a:r>
-              <a:rPr lang="ru-RU" sz="1600" b="0" i="0" dirty="0">
-                <a:solidFill>
-                  <a:srgbClr val="374151"/>
-                </a:solidFill>
-                <a:effectLst/>
-                <a:latin typeface="Söhne"/>
-              </a:rPr>
-              <a:t>, но и создание новых, инновационных систем.</a:t>
-            </a:r>
-            <a:endParaRPr lang="ru-RU" sz="1600" kern="100" dirty="0">
-              <a:effectLst/>
-              <a:ea typeface="Calibri" panose="020F0502020204030204" pitchFamily="34" charset="0"/>
-              <a:cs typeface="Times New Roman" panose="02020603050405020304" pitchFamily="18" charset="0"/>
+            <a:endParaRPr lang="ru-RU" dirty="0">
+              <a:solidFill>
+                <a:srgbClr val="00B050"/>
+              </a:solidFill>
+              <a:latin typeface="Roboto" panose="020B0604020202020204" charset="0"/>
+              <a:ea typeface="Roboto" panose="020B0604020202020204" charset="0"/>
+              <a:cs typeface="Roboto" panose="020B0604020202020204" charset="0"/>
             </a:endParaRPr>
           </a:p>
         </p:txBody>
@@ -8192,7 +11615,7 @@
     </p:spTree>
     <p:extLst>
       <p:ext uri="{BB962C8B-B14F-4D97-AF65-F5344CB8AC3E}">
-        <p14:creationId xmlns:p14="http://schemas.microsoft.com/office/powerpoint/2010/main" val="2626935554"/>
+        <p14:creationId xmlns:p14="http://schemas.microsoft.com/office/powerpoint/2010/main" val="2682102129"/>
       </p:ext>
     </p:extLst>
   </p:cSld>
@@ -8329,920 +11752,1147 @@
       </p:pic>
       <p:sp>
         <p:nvSpPr>
-          <p:cNvPr id="37" name="Прямоугольник 36"/>
-          <p:cNvSpPr/>
-          <p:nvPr/>
+          <p:cNvPr id="17" name="Google Shape;424;p27"/>
+          <p:cNvSpPr txBox="1">
+            <a:spLocks noGrp="1"/>
+          </p:cNvSpPr>
+          <p:nvPr>
+            <p:ph type="title"/>
+          </p:nvPr>
         </p:nvSpPr>
         <p:spPr>
           <a:xfrm>
-            <a:off x="1485588" y="181263"/>
-            <a:ext cx="6552727" cy="769441"/>
+            <a:off x="964851" y="87534"/>
+            <a:ext cx="7582725" cy="760983"/>
           </a:xfrm>
           <a:prstGeom prst="rect">
             <a:avLst/>
           </a:prstGeom>
         </p:spPr>
         <p:txBody>
-          <a:bodyPr wrap="square">
-            <a:spAutoFit/>
+          <a:bodyPr spcFirstLastPara="1" vert="horz" wrap="square" lIns="91425" tIns="91425" rIns="91425" bIns="91425" rtlCol="0" anchor="t" anchorCtr="0">
+            <a:noAutofit/>
           </a:bodyPr>
           <a:lstStyle/>
           <a:p>
-            <a:pPr algn="ctr"/>
-            <a:r>
-              <a:rPr lang="ru-RU" sz="4400" dirty="0">
-                <a:latin typeface="+mj-lt"/>
-                <a:cs typeface="Times New Roman" panose="02020603050405020304" pitchFamily="18" charset="0"/>
-              </a:rPr>
-              <a:t>Обзор аналогов</a:t>
-            </a:r>
-          </a:p>
-        </p:txBody>
-      </p:sp>
-      <p:sp>
-        <p:nvSpPr>
-          <p:cNvPr id="9" name="AutoShape 6" descr="Firebase expands to become a unified app platform — Google for Developers  Blog - News about Web, Mobile, AI and Cloud">
-            <a:extLst>
-              <a:ext uri="{FF2B5EF4-FFF2-40B4-BE49-F238E27FC236}">
-                <a16:creationId xmlns:a16="http://schemas.microsoft.com/office/drawing/2014/main" id="{85A993F8-4EB3-0E83-AC44-2E754F08394A}"/>
-              </a:ext>
-            </a:extLst>
-          </p:cNvPr>
-          <p:cNvSpPr>
-            <a:spLocks noChangeAspect="1" noChangeArrowheads="1"/>
+            <a:r>
+              <a:rPr lang="ru-RU" sz="4000" dirty="0"/>
+              <a:t>Нефункциональные требования</a:t>
+            </a:r>
+          </a:p>
+        </p:txBody>
+      </p:sp>
+      <p:sp>
+        <p:nvSpPr>
+          <p:cNvPr id="9" name="Google Shape;395;p24"/>
+          <p:cNvSpPr txBox="1">
+            <a:spLocks/>
           </p:cNvSpPr>
           <p:nvPr/>
         </p:nvSpPr>
-        <p:spPr bwMode="auto">
+        <p:spPr>
           <a:xfrm>
-            <a:off x="4419600" y="2419350"/>
-            <a:ext cx="304800" cy="304800"/>
+            <a:off x="1117961" y="1715041"/>
+            <a:ext cx="2451729" cy="733455"/>
+          </a:xfrm>
+          <a:prstGeom prst="rect">
+            <a:avLst/>
+          </a:prstGeom>
+        </p:spPr>
+        <p:txBody>
+          <a:bodyPr spcFirstLastPara="1" vert="horz" wrap="square" lIns="121900" tIns="121900" rIns="121900" bIns="121900" rtlCol="0" anchor="ctr" anchorCtr="0">
+            <a:noAutofit/>
+          </a:bodyPr>
+          <a:lstStyle>
+            <a:lvl1pPr marL="342900" indent="-342900" algn="l" defTabSz="914400" rtl="0" eaLnBrk="1" latinLnBrk="0" hangingPunct="1">
+              <a:spcBef>
+                <a:spcPct val="20000"/>
+              </a:spcBef>
+              <a:buFont typeface="Arial" panose="020B0604020202020204" pitchFamily="34" charset="0"/>
+              <a:buChar char="•"/>
+              <a:defRPr sz="3200" kern="1200">
+                <a:solidFill>
+                  <a:schemeClr val="tx1"/>
+                </a:solidFill>
+                <a:latin typeface="+mn-lt"/>
+                <a:ea typeface="+mn-ea"/>
+                <a:cs typeface="+mn-cs"/>
+              </a:defRPr>
+            </a:lvl1pPr>
+            <a:lvl2pPr marL="742950" indent="-285750" algn="l" defTabSz="914400" rtl="0" eaLnBrk="1" latinLnBrk="0" hangingPunct="1">
+              <a:spcBef>
+                <a:spcPct val="20000"/>
+              </a:spcBef>
+              <a:buFont typeface="Arial" panose="020B0604020202020204" pitchFamily="34" charset="0"/>
+              <a:buChar char="–"/>
+              <a:defRPr sz="2800" kern="1200">
+                <a:solidFill>
+                  <a:schemeClr val="tx1"/>
+                </a:solidFill>
+                <a:latin typeface="+mn-lt"/>
+                <a:ea typeface="+mn-ea"/>
+                <a:cs typeface="+mn-cs"/>
+              </a:defRPr>
+            </a:lvl2pPr>
+            <a:lvl3pPr marL="1143000" indent="-228600" algn="l" defTabSz="914400" rtl="0" eaLnBrk="1" latinLnBrk="0" hangingPunct="1">
+              <a:spcBef>
+                <a:spcPct val="20000"/>
+              </a:spcBef>
+              <a:buFont typeface="Arial" panose="020B0604020202020204" pitchFamily="34" charset="0"/>
+              <a:buChar char="•"/>
+              <a:defRPr sz="2400" kern="1200">
+                <a:solidFill>
+                  <a:schemeClr val="tx1"/>
+                </a:solidFill>
+                <a:latin typeface="+mn-lt"/>
+                <a:ea typeface="+mn-ea"/>
+                <a:cs typeface="+mn-cs"/>
+              </a:defRPr>
+            </a:lvl3pPr>
+            <a:lvl4pPr marL="1600200" indent="-228600" algn="l" defTabSz="914400" rtl="0" eaLnBrk="1" latinLnBrk="0" hangingPunct="1">
+              <a:spcBef>
+                <a:spcPct val="20000"/>
+              </a:spcBef>
+              <a:buFont typeface="Arial" panose="020B0604020202020204" pitchFamily="34" charset="0"/>
+              <a:buChar char="–"/>
+              <a:defRPr sz="2000" kern="1200">
+                <a:solidFill>
+                  <a:schemeClr val="tx1"/>
+                </a:solidFill>
+                <a:latin typeface="+mn-lt"/>
+                <a:ea typeface="+mn-ea"/>
+                <a:cs typeface="+mn-cs"/>
+              </a:defRPr>
+            </a:lvl4pPr>
+            <a:lvl5pPr marL="2057400" indent="-228600" algn="l" defTabSz="914400" rtl="0" eaLnBrk="1" latinLnBrk="0" hangingPunct="1">
+              <a:spcBef>
+                <a:spcPct val="20000"/>
+              </a:spcBef>
+              <a:buFont typeface="Arial" panose="020B0604020202020204" pitchFamily="34" charset="0"/>
+              <a:buChar char="»"/>
+              <a:defRPr sz="2000" kern="1200">
+                <a:solidFill>
+                  <a:schemeClr val="tx1"/>
+                </a:solidFill>
+                <a:latin typeface="+mn-lt"/>
+                <a:ea typeface="+mn-ea"/>
+                <a:cs typeface="+mn-cs"/>
+              </a:defRPr>
+            </a:lvl5pPr>
+            <a:lvl6pPr marL="2514600" indent="-228600" algn="l" defTabSz="914400" rtl="0" eaLnBrk="1" latinLnBrk="0" hangingPunct="1">
+              <a:spcBef>
+                <a:spcPct val="20000"/>
+              </a:spcBef>
+              <a:buFont typeface="Arial" panose="020B0604020202020204" pitchFamily="34" charset="0"/>
+              <a:buChar char="•"/>
+              <a:defRPr sz="2000" kern="1200">
+                <a:solidFill>
+                  <a:schemeClr val="tx1"/>
+                </a:solidFill>
+                <a:latin typeface="+mn-lt"/>
+                <a:ea typeface="+mn-ea"/>
+                <a:cs typeface="+mn-cs"/>
+              </a:defRPr>
+            </a:lvl6pPr>
+            <a:lvl7pPr marL="2971800" indent="-228600" algn="l" defTabSz="914400" rtl="0" eaLnBrk="1" latinLnBrk="0" hangingPunct="1">
+              <a:spcBef>
+                <a:spcPct val="20000"/>
+              </a:spcBef>
+              <a:buFont typeface="Arial" panose="020B0604020202020204" pitchFamily="34" charset="0"/>
+              <a:buChar char="•"/>
+              <a:defRPr sz="2000" kern="1200">
+                <a:solidFill>
+                  <a:schemeClr val="tx1"/>
+                </a:solidFill>
+                <a:latin typeface="+mn-lt"/>
+                <a:ea typeface="+mn-ea"/>
+                <a:cs typeface="+mn-cs"/>
+              </a:defRPr>
+            </a:lvl7pPr>
+            <a:lvl8pPr marL="3429000" indent="-228600" algn="l" defTabSz="914400" rtl="0" eaLnBrk="1" latinLnBrk="0" hangingPunct="1">
+              <a:spcBef>
+                <a:spcPct val="20000"/>
+              </a:spcBef>
+              <a:buFont typeface="Arial" panose="020B0604020202020204" pitchFamily="34" charset="0"/>
+              <a:buChar char="•"/>
+              <a:defRPr sz="2000" kern="1200">
+                <a:solidFill>
+                  <a:schemeClr val="tx1"/>
+                </a:solidFill>
+                <a:latin typeface="+mn-lt"/>
+                <a:ea typeface="+mn-ea"/>
+                <a:cs typeface="+mn-cs"/>
+              </a:defRPr>
+            </a:lvl8pPr>
+            <a:lvl9pPr marL="3886200" indent="-228600" algn="l" defTabSz="914400" rtl="0" eaLnBrk="1" latinLnBrk="0" hangingPunct="1">
+              <a:spcBef>
+                <a:spcPct val="20000"/>
+              </a:spcBef>
+              <a:buFont typeface="Arial" panose="020B0604020202020204" pitchFamily="34" charset="0"/>
+              <a:buChar char="•"/>
+              <a:defRPr sz="2000" kern="1200">
+                <a:solidFill>
+                  <a:schemeClr val="tx1"/>
+                </a:solidFill>
+                <a:latin typeface="+mn-lt"/>
+                <a:ea typeface="+mn-ea"/>
+                <a:cs typeface="+mn-cs"/>
+              </a:defRPr>
+            </a:lvl9pPr>
+          </a:lstStyle>
+          <a:p>
+            <a:pPr marL="0" indent="0">
+              <a:spcAft>
+                <a:spcPts val="2100"/>
+              </a:spcAft>
+              <a:buFont typeface="Arial" panose="020B0604020202020204" pitchFamily="34" charset="0"/>
+              <a:buNone/>
+            </a:pPr>
+            <a:r>
+              <a:rPr lang="ru-RU" sz="2000" dirty="0" smtClean="0">
+                <a:solidFill>
+                  <a:srgbClr val="00B050"/>
+                </a:solidFill>
+              </a:rPr>
+              <a:t>Простота и удобство</a:t>
+            </a:r>
+            <a:endParaRPr lang="en-US" sz="2000" dirty="0">
+              <a:solidFill>
+                <a:srgbClr val="00B050"/>
+              </a:solidFill>
+            </a:endParaRPr>
+          </a:p>
+        </p:txBody>
+      </p:sp>
+      <p:sp>
+        <p:nvSpPr>
+          <p:cNvPr id="10" name="Google Shape;396;p24"/>
+          <p:cNvSpPr txBox="1">
+            <a:spLocks/>
+          </p:cNvSpPr>
+          <p:nvPr/>
+        </p:nvSpPr>
+        <p:spPr>
+          <a:xfrm>
+            <a:off x="3677921" y="1715041"/>
+            <a:ext cx="2533010" cy="733455"/>
+          </a:xfrm>
+          <a:prstGeom prst="rect">
+            <a:avLst/>
+          </a:prstGeom>
+        </p:spPr>
+        <p:txBody>
+          <a:bodyPr spcFirstLastPara="1" wrap="square" lIns="121900" tIns="121900" rIns="121900" bIns="121900" anchor="ctr" anchorCtr="0">
+            <a:noAutofit/>
+          </a:bodyPr>
+          <a:lstStyle>
+            <a:lvl1pPr marL="342900" indent="-342900" algn="l" defTabSz="914400" rtl="0" eaLnBrk="1" latinLnBrk="0" hangingPunct="1">
+              <a:spcBef>
+                <a:spcPct val="20000"/>
+              </a:spcBef>
+              <a:buFont typeface="Arial" panose="020B0604020202020204" pitchFamily="34" charset="0"/>
+              <a:buChar char="•"/>
+              <a:defRPr sz="3200" kern="1200">
+                <a:solidFill>
+                  <a:schemeClr val="tx1"/>
+                </a:solidFill>
+                <a:latin typeface="+mn-lt"/>
+                <a:ea typeface="+mn-ea"/>
+                <a:cs typeface="+mn-cs"/>
+              </a:defRPr>
+            </a:lvl1pPr>
+            <a:lvl2pPr marL="742950" indent="-285750" algn="l" defTabSz="914400" rtl="0" eaLnBrk="1" latinLnBrk="0" hangingPunct="1">
+              <a:spcBef>
+                <a:spcPct val="20000"/>
+              </a:spcBef>
+              <a:buFont typeface="Arial" panose="020B0604020202020204" pitchFamily="34" charset="0"/>
+              <a:buChar char="–"/>
+              <a:defRPr sz="2800" kern="1200">
+                <a:solidFill>
+                  <a:schemeClr val="tx1"/>
+                </a:solidFill>
+                <a:latin typeface="+mn-lt"/>
+                <a:ea typeface="+mn-ea"/>
+                <a:cs typeface="+mn-cs"/>
+              </a:defRPr>
+            </a:lvl2pPr>
+            <a:lvl3pPr marL="1143000" indent="-228600" algn="l" defTabSz="914400" rtl="0" eaLnBrk="1" latinLnBrk="0" hangingPunct="1">
+              <a:spcBef>
+                <a:spcPct val="20000"/>
+              </a:spcBef>
+              <a:buFont typeface="Arial" panose="020B0604020202020204" pitchFamily="34" charset="0"/>
+              <a:buChar char="•"/>
+              <a:defRPr sz="2400" kern="1200">
+                <a:solidFill>
+                  <a:schemeClr val="tx1"/>
+                </a:solidFill>
+                <a:latin typeface="+mn-lt"/>
+                <a:ea typeface="+mn-ea"/>
+                <a:cs typeface="+mn-cs"/>
+              </a:defRPr>
+            </a:lvl3pPr>
+            <a:lvl4pPr marL="1600200" indent="-228600" algn="l" defTabSz="914400" rtl="0" eaLnBrk="1" latinLnBrk="0" hangingPunct="1">
+              <a:spcBef>
+                <a:spcPct val="20000"/>
+              </a:spcBef>
+              <a:buFont typeface="Arial" panose="020B0604020202020204" pitchFamily="34" charset="0"/>
+              <a:buChar char="–"/>
+              <a:defRPr sz="2000" kern="1200">
+                <a:solidFill>
+                  <a:schemeClr val="tx1"/>
+                </a:solidFill>
+                <a:latin typeface="+mn-lt"/>
+                <a:ea typeface="+mn-ea"/>
+                <a:cs typeface="+mn-cs"/>
+              </a:defRPr>
+            </a:lvl4pPr>
+            <a:lvl5pPr marL="2057400" indent="-228600" algn="l" defTabSz="914400" rtl="0" eaLnBrk="1" latinLnBrk="0" hangingPunct="1">
+              <a:spcBef>
+                <a:spcPct val="20000"/>
+              </a:spcBef>
+              <a:buFont typeface="Arial" panose="020B0604020202020204" pitchFamily="34" charset="0"/>
+              <a:buChar char="»"/>
+              <a:defRPr sz="2000" kern="1200">
+                <a:solidFill>
+                  <a:schemeClr val="tx1"/>
+                </a:solidFill>
+                <a:latin typeface="+mn-lt"/>
+                <a:ea typeface="+mn-ea"/>
+                <a:cs typeface="+mn-cs"/>
+              </a:defRPr>
+            </a:lvl5pPr>
+            <a:lvl6pPr marL="2514600" indent="-228600" algn="l" defTabSz="914400" rtl="0" eaLnBrk="1" latinLnBrk="0" hangingPunct="1">
+              <a:spcBef>
+                <a:spcPct val="20000"/>
+              </a:spcBef>
+              <a:buFont typeface="Arial" panose="020B0604020202020204" pitchFamily="34" charset="0"/>
+              <a:buChar char="•"/>
+              <a:defRPr sz="2000" kern="1200">
+                <a:solidFill>
+                  <a:schemeClr val="tx1"/>
+                </a:solidFill>
+                <a:latin typeface="+mn-lt"/>
+                <a:ea typeface="+mn-ea"/>
+                <a:cs typeface="+mn-cs"/>
+              </a:defRPr>
+            </a:lvl6pPr>
+            <a:lvl7pPr marL="2971800" indent="-228600" algn="l" defTabSz="914400" rtl="0" eaLnBrk="1" latinLnBrk="0" hangingPunct="1">
+              <a:spcBef>
+                <a:spcPct val="20000"/>
+              </a:spcBef>
+              <a:buFont typeface="Arial" panose="020B0604020202020204" pitchFamily="34" charset="0"/>
+              <a:buChar char="•"/>
+              <a:defRPr sz="2000" kern="1200">
+                <a:solidFill>
+                  <a:schemeClr val="tx1"/>
+                </a:solidFill>
+                <a:latin typeface="+mn-lt"/>
+                <a:ea typeface="+mn-ea"/>
+                <a:cs typeface="+mn-cs"/>
+              </a:defRPr>
+            </a:lvl7pPr>
+            <a:lvl8pPr marL="3429000" indent="-228600" algn="l" defTabSz="914400" rtl="0" eaLnBrk="1" latinLnBrk="0" hangingPunct="1">
+              <a:spcBef>
+                <a:spcPct val="20000"/>
+              </a:spcBef>
+              <a:buFont typeface="Arial" panose="020B0604020202020204" pitchFamily="34" charset="0"/>
+              <a:buChar char="•"/>
+              <a:defRPr sz="2000" kern="1200">
+                <a:solidFill>
+                  <a:schemeClr val="tx1"/>
+                </a:solidFill>
+                <a:latin typeface="+mn-lt"/>
+                <a:ea typeface="+mn-ea"/>
+                <a:cs typeface="+mn-cs"/>
+              </a:defRPr>
+            </a:lvl8pPr>
+            <a:lvl9pPr marL="3886200" indent="-228600" algn="l" defTabSz="914400" rtl="0" eaLnBrk="1" latinLnBrk="0" hangingPunct="1">
+              <a:spcBef>
+                <a:spcPct val="20000"/>
+              </a:spcBef>
+              <a:buFont typeface="Arial" panose="020B0604020202020204" pitchFamily="34" charset="0"/>
+              <a:buChar char="•"/>
+              <a:defRPr sz="2000" kern="1200">
+                <a:solidFill>
+                  <a:schemeClr val="tx1"/>
+                </a:solidFill>
+                <a:latin typeface="+mn-lt"/>
+                <a:ea typeface="+mn-ea"/>
+                <a:cs typeface="+mn-cs"/>
+              </a:defRPr>
+            </a:lvl9pPr>
+          </a:lstStyle>
+          <a:p>
+            <a:pPr marL="0" indent="0">
+              <a:spcAft>
+                <a:spcPts val="2100"/>
+              </a:spcAft>
+              <a:buFont typeface="Arial" panose="020B0604020202020204" pitchFamily="34" charset="0"/>
+              <a:buNone/>
+            </a:pPr>
+            <a:r>
+              <a:rPr lang="ru-RU" sz="2000" dirty="0" smtClean="0"/>
+              <a:t>Скорость и производительность</a:t>
+            </a:r>
+            <a:endParaRPr lang="ru-RU" sz="2000" dirty="0"/>
+          </a:p>
+        </p:txBody>
+      </p:sp>
+      <p:sp>
+        <p:nvSpPr>
+          <p:cNvPr id="11" name="Google Shape;397;p24"/>
+          <p:cNvSpPr txBox="1">
+            <a:spLocks/>
+          </p:cNvSpPr>
+          <p:nvPr/>
+        </p:nvSpPr>
+        <p:spPr>
+          <a:xfrm>
+            <a:off x="1117960" y="3171797"/>
+            <a:ext cx="2451729" cy="733455"/>
+          </a:xfrm>
+          <a:prstGeom prst="rect">
+            <a:avLst/>
+          </a:prstGeom>
+        </p:spPr>
+        <p:txBody>
+          <a:bodyPr spcFirstLastPara="1" wrap="square" lIns="121900" tIns="121900" rIns="121900" bIns="121900" anchor="ctr" anchorCtr="0">
+            <a:noAutofit/>
+          </a:bodyPr>
+          <a:lstStyle>
+            <a:lvl1pPr marL="342900" indent="-342900" algn="l" defTabSz="914400" rtl="0" eaLnBrk="1" latinLnBrk="0" hangingPunct="1">
+              <a:spcBef>
+                <a:spcPct val="20000"/>
+              </a:spcBef>
+              <a:buFont typeface="Arial" panose="020B0604020202020204" pitchFamily="34" charset="0"/>
+              <a:buChar char="•"/>
+              <a:defRPr sz="3200" kern="1200">
+                <a:solidFill>
+                  <a:schemeClr val="tx1"/>
+                </a:solidFill>
+                <a:latin typeface="+mn-lt"/>
+                <a:ea typeface="+mn-ea"/>
+                <a:cs typeface="+mn-cs"/>
+              </a:defRPr>
+            </a:lvl1pPr>
+            <a:lvl2pPr marL="742950" indent="-285750" algn="l" defTabSz="914400" rtl="0" eaLnBrk="1" latinLnBrk="0" hangingPunct="1">
+              <a:spcBef>
+                <a:spcPct val="20000"/>
+              </a:spcBef>
+              <a:buFont typeface="Arial" panose="020B0604020202020204" pitchFamily="34" charset="0"/>
+              <a:buChar char="–"/>
+              <a:defRPr sz="2800" kern="1200">
+                <a:solidFill>
+                  <a:schemeClr val="tx1"/>
+                </a:solidFill>
+                <a:latin typeface="+mn-lt"/>
+                <a:ea typeface="+mn-ea"/>
+                <a:cs typeface="+mn-cs"/>
+              </a:defRPr>
+            </a:lvl2pPr>
+            <a:lvl3pPr marL="1143000" indent="-228600" algn="l" defTabSz="914400" rtl="0" eaLnBrk="1" latinLnBrk="0" hangingPunct="1">
+              <a:spcBef>
+                <a:spcPct val="20000"/>
+              </a:spcBef>
+              <a:buFont typeface="Arial" panose="020B0604020202020204" pitchFamily="34" charset="0"/>
+              <a:buChar char="•"/>
+              <a:defRPr sz="2400" kern="1200">
+                <a:solidFill>
+                  <a:schemeClr val="tx1"/>
+                </a:solidFill>
+                <a:latin typeface="+mn-lt"/>
+                <a:ea typeface="+mn-ea"/>
+                <a:cs typeface="+mn-cs"/>
+              </a:defRPr>
+            </a:lvl3pPr>
+            <a:lvl4pPr marL="1600200" indent="-228600" algn="l" defTabSz="914400" rtl="0" eaLnBrk="1" latinLnBrk="0" hangingPunct="1">
+              <a:spcBef>
+                <a:spcPct val="20000"/>
+              </a:spcBef>
+              <a:buFont typeface="Arial" panose="020B0604020202020204" pitchFamily="34" charset="0"/>
+              <a:buChar char="–"/>
+              <a:defRPr sz="2000" kern="1200">
+                <a:solidFill>
+                  <a:schemeClr val="tx1"/>
+                </a:solidFill>
+                <a:latin typeface="+mn-lt"/>
+                <a:ea typeface="+mn-ea"/>
+                <a:cs typeface="+mn-cs"/>
+              </a:defRPr>
+            </a:lvl4pPr>
+            <a:lvl5pPr marL="2057400" indent="-228600" algn="l" defTabSz="914400" rtl="0" eaLnBrk="1" latinLnBrk="0" hangingPunct="1">
+              <a:spcBef>
+                <a:spcPct val="20000"/>
+              </a:spcBef>
+              <a:buFont typeface="Arial" panose="020B0604020202020204" pitchFamily="34" charset="0"/>
+              <a:buChar char="»"/>
+              <a:defRPr sz="2000" kern="1200">
+                <a:solidFill>
+                  <a:schemeClr val="tx1"/>
+                </a:solidFill>
+                <a:latin typeface="+mn-lt"/>
+                <a:ea typeface="+mn-ea"/>
+                <a:cs typeface="+mn-cs"/>
+              </a:defRPr>
+            </a:lvl5pPr>
+            <a:lvl6pPr marL="2514600" indent="-228600" algn="l" defTabSz="914400" rtl="0" eaLnBrk="1" latinLnBrk="0" hangingPunct="1">
+              <a:spcBef>
+                <a:spcPct val="20000"/>
+              </a:spcBef>
+              <a:buFont typeface="Arial" panose="020B0604020202020204" pitchFamily="34" charset="0"/>
+              <a:buChar char="•"/>
+              <a:defRPr sz="2000" kern="1200">
+                <a:solidFill>
+                  <a:schemeClr val="tx1"/>
+                </a:solidFill>
+                <a:latin typeface="+mn-lt"/>
+                <a:ea typeface="+mn-ea"/>
+                <a:cs typeface="+mn-cs"/>
+              </a:defRPr>
+            </a:lvl6pPr>
+            <a:lvl7pPr marL="2971800" indent="-228600" algn="l" defTabSz="914400" rtl="0" eaLnBrk="1" latinLnBrk="0" hangingPunct="1">
+              <a:spcBef>
+                <a:spcPct val="20000"/>
+              </a:spcBef>
+              <a:buFont typeface="Arial" panose="020B0604020202020204" pitchFamily="34" charset="0"/>
+              <a:buChar char="•"/>
+              <a:defRPr sz="2000" kern="1200">
+                <a:solidFill>
+                  <a:schemeClr val="tx1"/>
+                </a:solidFill>
+                <a:latin typeface="+mn-lt"/>
+                <a:ea typeface="+mn-ea"/>
+                <a:cs typeface="+mn-cs"/>
+              </a:defRPr>
+            </a:lvl7pPr>
+            <a:lvl8pPr marL="3429000" indent="-228600" algn="l" defTabSz="914400" rtl="0" eaLnBrk="1" latinLnBrk="0" hangingPunct="1">
+              <a:spcBef>
+                <a:spcPct val="20000"/>
+              </a:spcBef>
+              <a:buFont typeface="Arial" panose="020B0604020202020204" pitchFamily="34" charset="0"/>
+              <a:buChar char="•"/>
+              <a:defRPr sz="2000" kern="1200">
+                <a:solidFill>
+                  <a:schemeClr val="tx1"/>
+                </a:solidFill>
+                <a:latin typeface="+mn-lt"/>
+                <a:ea typeface="+mn-ea"/>
+                <a:cs typeface="+mn-cs"/>
+              </a:defRPr>
+            </a:lvl8pPr>
+            <a:lvl9pPr marL="3886200" indent="-228600" algn="l" defTabSz="914400" rtl="0" eaLnBrk="1" latinLnBrk="0" hangingPunct="1">
+              <a:spcBef>
+                <a:spcPct val="20000"/>
+              </a:spcBef>
+              <a:buFont typeface="Arial" panose="020B0604020202020204" pitchFamily="34" charset="0"/>
+              <a:buChar char="•"/>
+              <a:defRPr sz="2000" kern="1200">
+                <a:solidFill>
+                  <a:schemeClr val="tx1"/>
+                </a:solidFill>
+                <a:latin typeface="+mn-lt"/>
+                <a:ea typeface="+mn-ea"/>
+                <a:cs typeface="+mn-cs"/>
+              </a:defRPr>
+            </a:lvl9pPr>
+          </a:lstStyle>
+          <a:p>
+            <a:pPr marL="0" indent="0">
+              <a:spcAft>
+                <a:spcPts val="2100"/>
+              </a:spcAft>
+              <a:buFont typeface="Arial" panose="020B0604020202020204" pitchFamily="34" charset="0"/>
+              <a:buNone/>
+            </a:pPr>
+            <a:r>
+              <a:rPr lang="ru-RU" sz="2000" dirty="0" smtClean="0"/>
+              <a:t>Совместимость и адаптивность</a:t>
+            </a:r>
+            <a:endParaRPr lang="en-US" sz="2000" dirty="0"/>
+          </a:p>
+        </p:txBody>
+      </p:sp>
+      <p:sp>
+        <p:nvSpPr>
+          <p:cNvPr id="12" name="Google Shape;398;p24"/>
+          <p:cNvSpPr txBox="1">
+            <a:spLocks/>
+          </p:cNvSpPr>
+          <p:nvPr/>
+        </p:nvSpPr>
+        <p:spPr>
+          <a:xfrm>
+            <a:off x="3677920" y="3171797"/>
+            <a:ext cx="2533010" cy="733455"/>
+          </a:xfrm>
+          <a:prstGeom prst="rect">
+            <a:avLst/>
+          </a:prstGeom>
+        </p:spPr>
+        <p:txBody>
+          <a:bodyPr spcFirstLastPara="1" wrap="square" lIns="121900" tIns="121900" rIns="121900" bIns="121900" anchor="ctr" anchorCtr="0">
+            <a:noAutofit/>
+          </a:bodyPr>
+          <a:lstStyle>
+            <a:lvl1pPr marL="342900" indent="-342900" algn="l" defTabSz="914400" rtl="0" eaLnBrk="1" latinLnBrk="0" hangingPunct="1">
+              <a:spcBef>
+                <a:spcPct val="20000"/>
+              </a:spcBef>
+              <a:buFont typeface="Arial" panose="020B0604020202020204" pitchFamily="34" charset="0"/>
+              <a:buChar char="•"/>
+              <a:defRPr sz="3200" kern="1200">
+                <a:solidFill>
+                  <a:schemeClr val="tx1"/>
+                </a:solidFill>
+                <a:latin typeface="+mn-lt"/>
+                <a:ea typeface="+mn-ea"/>
+                <a:cs typeface="+mn-cs"/>
+              </a:defRPr>
+            </a:lvl1pPr>
+            <a:lvl2pPr marL="742950" indent="-285750" algn="l" defTabSz="914400" rtl="0" eaLnBrk="1" latinLnBrk="0" hangingPunct="1">
+              <a:spcBef>
+                <a:spcPct val="20000"/>
+              </a:spcBef>
+              <a:buFont typeface="Arial" panose="020B0604020202020204" pitchFamily="34" charset="0"/>
+              <a:buChar char="–"/>
+              <a:defRPr sz="2800" kern="1200">
+                <a:solidFill>
+                  <a:schemeClr val="tx1"/>
+                </a:solidFill>
+                <a:latin typeface="+mn-lt"/>
+                <a:ea typeface="+mn-ea"/>
+                <a:cs typeface="+mn-cs"/>
+              </a:defRPr>
+            </a:lvl2pPr>
+            <a:lvl3pPr marL="1143000" indent="-228600" algn="l" defTabSz="914400" rtl="0" eaLnBrk="1" latinLnBrk="0" hangingPunct="1">
+              <a:spcBef>
+                <a:spcPct val="20000"/>
+              </a:spcBef>
+              <a:buFont typeface="Arial" panose="020B0604020202020204" pitchFamily="34" charset="0"/>
+              <a:buChar char="•"/>
+              <a:defRPr sz="2400" kern="1200">
+                <a:solidFill>
+                  <a:schemeClr val="tx1"/>
+                </a:solidFill>
+                <a:latin typeface="+mn-lt"/>
+                <a:ea typeface="+mn-ea"/>
+                <a:cs typeface="+mn-cs"/>
+              </a:defRPr>
+            </a:lvl3pPr>
+            <a:lvl4pPr marL="1600200" indent="-228600" algn="l" defTabSz="914400" rtl="0" eaLnBrk="1" latinLnBrk="0" hangingPunct="1">
+              <a:spcBef>
+                <a:spcPct val="20000"/>
+              </a:spcBef>
+              <a:buFont typeface="Arial" panose="020B0604020202020204" pitchFamily="34" charset="0"/>
+              <a:buChar char="–"/>
+              <a:defRPr sz="2000" kern="1200">
+                <a:solidFill>
+                  <a:schemeClr val="tx1"/>
+                </a:solidFill>
+                <a:latin typeface="+mn-lt"/>
+                <a:ea typeface="+mn-ea"/>
+                <a:cs typeface="+mn-cs"/>
+              </a:defRPr>
+            </a:lvl4pPr>
+            <a:lvl5pPr marL="2057400" indent="-228600" algn="l" defTabSz="914400" rtl="0" eaLnBrk="1" latinLnBrk="0" hangingPunct="1">
+              <a:spcBef>
+                <a:spcPct val="20000"/>
+              </a:spcBef>
+              <a:buFont typeface="Arial" panose="020B0604020202020204" pitchFamily="34" charset="0"/>
+              <a:buChar char="»"/>
+              <a:defRPr sz="2000" kern="1200">
+                <a:solidFill>
+                  <a:schemeClr val="tx1"/>
+                </a:solidFill>
+                <a:latin typeface="+mn-lt"/>
+                <a:ea typeface="+mn-ea"/>
+                <a:cs typeface="+mn-cs"/>
+              </a:defRPr>
+            </a:lvl5pPr>
+            <a:lvl6pPr marL="2514600" indent="-228600" algn="l" defTabSz="914400" rtl="0" eaLnBrk="1" latinLnBrk="0" hangingPunct="1">
+              <a:spcBef>
+                <a:spcPct val="20000"/>
+              </a:spcBef>
+              <a:buFont typeface="Arial" panose="020B0604020202020204" pitchFamily="34" charset="0"/>
+              <a:buChar char="•"/>
+              <a:defRPr sz="2000" kern="1200">
+                <a:solidFill>
+                  <a:schemeClr val="tx1"/>
+                </a:solidFill>
+                <a:latin typeface="+mn-lt"/>
+                <a:ea typeface="+mn-ea"/>
+                <a:cs typeface="+mn-cs"/>
+              </a:defRPr>
+            </a:lvl6pPr>
+            <a:lvl7pPr marL="2971800" indent="-228600" algn="l" defTabSz="914400" rtl="0" eaLnBrk="1" latinLnBrk="0" hangingPunct="1">
+              <a:spcBef>
+                <a:spcPct val="20000"/>
+              </a:spcBef>
+              <a:buFont typeface="Arial" panose="020B0604020202020204" pitchFamily="34" charset="0"/>
+              <a:buChar char="•"/>
+              <a:defRPr sz="2000" kern="1200">
+                <a:solidFill>
+                  <a:schemeClr val="tx1"/>
+                </a:solidFill>
+                <a:latin typeface="+mn-lt"/>
+                <a:ea typeface="+mn-ea"/>
+                <a:cs typeface="+mn-cs"/>
+              </a:defRPr>
+            </a:lvl7pPr>
+            <a:lvl8pPr marL="3429000" indent="-228600" algn="l" defTabSz="914400" rtl="0" eaLnBrk="1" latinLnBrk="0" hangingPunct="1">
+              <a:spcBef>
+                <a:spcPct val="20000"/>
+              </a:spcBef>
+              <a:buFont typeface="Arial" panose="020B0604020202020204" pitchFamily="34" charset="0"/>
+              <a:buChar char="•"/>
+              <a:defRPr sz="2000" kern="1200">
+                <a:solidFill>
+                  <a:schemeClr val="tx1"/>
+                </a:solidFill>
+                <a:latin typeface="+mn-lt"/>
+                <a:ea typeface="+mn-ea"/>
+                <a:cs typeface="+mn-cs"/>
+              </a:defRPr>
+            </a:lvl8pPr>
+            <a:lvl9pPr marL="3886200" indent="-228600" algn="l" defTabSz="914400" rtl="0" eaLnBrk="1" latinLnBrk="0" hangingPunct="1">
+              <a:spcBef>
+                <a:spcPct val="20000"/>
+              </a:spcBef>
+              <a:buFont typeface="Arial" panose="020B0604020202020204" pitchFamily="34" charset="0"/>
+              <a:buChar char="•"/>
+              <a:defRPr sz="2000" kern="1200">
+                <a:solidFill>
+                  <a:schemeClr val="tx1"/>
+                </a:solidFill>
+                <a:latin typeface="+mn-lt"/>
+                <a:ea typeface="+mn-ea"/>
+                <a:cs typeface="+mn-cs"/>
+              </a:defRPr>
+            </a:lvl9pPr>
+          </a:lstStyle>
+          <a:p>
+            <a:pPr marL="0" indent="0">
+              <a:spcAft>
+                <a:spcPts val="2100"/>
+              </a:spcAft>
+              <a:buFont typeface="Arial" panose="020B0604020202020204" pitchFamily="34" charset="0"/>
+              <a:buNone/>
+            </a:pPr>
+            <a:r>
+              <a:rPr lang="ru-RU" sz="2000" dirty="0" smtClean="0">
+                <a:solidFill>
+                  <a:srgbClr val="00B050"/>
+                </a:solidFill>
+              </a:rPr>
+              <a:t>Масштабируемость</a:t>
+            </a:r>
+            <a:endParaRPr lang="en-US" sz="2000" dirty="0">
+              <a:solidFill>
+                <a:srgbClr val="00B050"/>
+              </a:solidFill>
+            </a:endParaRPr>
+          </a:p>
+        </p:txBody>
+      </p:sp>
+      <p:sp>
+        <p:nvSpPr>
+          <p:cNvPr id="14" name="Google Shape;400;p24"/>
+          <p:cNvSpPr txBox="1">
+            <a:spLocks/>
+          </p:cNvSpPr>
+          <p:nvPr/>
+        </p:nvSpPr>
+        <p:spPr>
+          <a:xfrm>
+            <a:off x="6319162" y="1715041"/>
+            <a:ext cx="2733397" cy="733455"/>
+          </a:xfrm>
+          <a:prstGeom prst="rect">
+            <a:avLst/>
+          </a:prstGeom>
+        </p:spPr>
+        <p:txBody>
+          <a:bodyPr spcFirstLastPara="1" wrap="square" lIns="121900" tIns="121900" rIns="121900" bIns="121900" anchor="ctr" anchorCtr="0">
+            <a:noAutofit/>
+          </a:bodyPr>
+          <a:lstStyle>
+            <a:lvl1pPr marL="342900" indent="-342900" algn="l" defTabSz="914400" rtl="0" eaLnBrk="1" latinLnBrk="0" hangingPunct="1">
+              <a:spcBef>
+                <a:spcPct val="20000"/>
+              </a:spcBef>
+              <a:buFont typeface="Arial" panose="020B0604020202020204" pitchFamily="34" charset="0"/>
+              <a:buChar char="•"/>
+              <a:defRPr sz="3200" kern="1200">
+                <a:solidFill>
+                  <a:schemeClr val="tx1"/>
+                </a:solidFill>
+                <a:latin typeface="+mn-lt"/>
+                <a:ea typeface="+mn-ea"/>
+                <a:cs typeface="+mn-cs"/>
+              </a:defRPr>
+            </a:lvl1pPr>
+            <a:lvl2pPr marL="742950" indent="-285750" algn="l" defTabSz="914400" rtl="0" eaLnBrk="1" latinLnBrk="0" hangingPunct="1">
+              <a:spcBef>
+                <a:spcPct val="20000"/>
+              </a:spcBef>
+              <a:buFont typeface="Arial" panose="020B0604020202020204" pitchFamily="34" charset="0"/>
+              <a:buChar char="–"/>
+              <a:defRPr sz="2800" kern="1200">
+                <a:solidFill>
+                  <a:schemeClr val="tx1"/>
+                </a:solidFill>
+                <a:latin typeface="+mn-lt"/>
+                <a:ea typeface="+mn-ea"/>
+                <a:cs typeface="+mn-cs"/>
+              </a:defRPr>
+            </a:lvl2pPr>
+            <a:lvl3pPr marL="1143000" indent="-228600" algn="l" defTabSz="914400" rtl="0" eaLnBrk="1" latinLnBrk="0" hangingPunct="1">
+              <a:spcBef>
+                <a:spcPct val="20000"/>
+              </a:spcBef>
+              <a:buFont typeface="Arial" panose="020B0604020202020204" pitchFamily="34" charset="0"/>
+              <a:buChar char="•"/>
+              <a:defRPr sz="2400" kern="1200">
+                <a:solidFill>
+                  <a:schemeClr val="tx1"/>
+                </a:solidFill>
+                <a:latin typeface="+mn-lt"/>
+                <a:ea typeface="+mn-ea"/>
+                <a:cs typeface="+mn-cs"/>
+              </a:defRPr>
+            </a:lvl3pPr>
+            <a:lvl4pPr marL="1600200" indent="-228600" algn="l" defTabSz="914400" rtl="0" eaLnBrk="1" latinLnBrk="0" hangingPunct="1">
+              <a:spcBef>
+                <a:spcPct val="20000"/>
+              </a:spcBef>
+              <a:buFont typeface="Arial" panose="020B0604020202020204" pitchFamily="34" charset="0"/>
+              <a:buChar char="–"/>
+              <a:defRPr sz="2000" kern="1200">
+                <a:solidFill>
+                  <a:schemeClr val="tx1"/>
+                </a:solidFill>
+                <a:latin typeface="+mn-lt"/>
+                <a:ea typeface="+mn-ea"/>
+                <a:cs typeface="+mn-cs"/>
+              </a:defRPr>
+            </a:lvl4pPr>
+            <a:lvl5pPr marL="2057400" indent="-228600" algn="l" defTabSz="914400" rtl="0" eaLnBrk="1" latinLnBrk="0" hangingPunct="1">
+              <a:spcBef>
+                <a:spcPct val="20000"/>
+              </a:spcBef>
+              <a:buFont typeface="Arial" panose="020B0604020202020204" pitchFamily="34" charset="0"/>
+              <a:buChar char="»"/>
+              <a:defRPr sz="2000" kern="1200">
+                <a:solidFill>
+                  <a:schemeClr val="tx1"/>
+                </a:solidFill>
+                <a:latin typeface="+mn-lt"/>
+                <a:ea typeface="+mn-ea"/>
+                <a:cs typeface="+mn-cs"/>
+              </a:defRPr>
+            </a:lvl5pPr>
+            <a:lvl6pPr marL="2514600" indent="-228600" algn="l" defTabSz="914400" rtl="0" eaLnBrk="1" latinLnBrk="0" hangingPunct="1">
+              <a:spcBef>
+                <a:spcPct val="20000"/>
+              </a:spcBef>
+              <a:buFont typeface="Arial" panose="020B0604020202020204" pitchFamily="34" charset="0"/>
+              <a:buChar char="•"/>
+              <a:defRPr sz="2000" kern="1200">
+                <a:solidFill>
+                  <a:schemeClr val="tx1"/>
+                </a:solidFill>
+                <a:latin typeface="+mn-lt"/>
+                <a:ea typeface="+mn-ea"/>
+                <a:cs typeface="+mn-cs"/>
+              </a:defRPr>
+            </a:lvl6pPr>
+            <a:lvl7pPr marL="2971800" indent="-228600" algn="l" defTabSz="914400" rtl="0" eaLnBrk="1" latinLnBrk="0" hangingPunct="1">
+              <a:spcBef>
+                <a:spcPct val="20000"/>
+              </a:spcBef>
+              <a:buFont typeface="Arial" panose="020B0604020202020204" pitchFamily="34" charset="0"/>
+              <a:buChar char="•"/>
+              <a:defRPr sz="2000" kern="1200">
+                <a:solidFill>
+                  <a:schemeClr val="tx1"/>
+                </a:solidFill>
+                <a:latin typeface="+mn-lt"/>
+                <a:ea typeface="+mn-ea"/>
+                <a:cs typeface="+mn-cs"/>
+              </a:defRPr>
+            </a:lvl7pPr>
+            <a:lvl8pPr marL="3429000" indent="-228600" algn="l" defTabSz="914400" rtl="0" eaLnBrk="1" latinLnBrk="0" hangingPunct="1">
+              <a:spcBef>
+                <a:spcPct val="20000"/>
+              </a:spcBef>
+              <a:buFont typeface="Arial" panose="020B0604020202020204" pitchFamily="34" charset="0"/>
+              <a:buChar char="•"/>
+              <a:defRPr sz="2000" kern="1200">
+                <a:solidFill>
+                  <a:schemeClr val="tx1"/>
+                </a:solidFill>
+                <a:latin typeface="+mn-lt"/>
+                <a:ea typeface="+mn-ea"/>
+                <a:cs typeface="+mn-cs"/>
+              </a:defRPr>
+            </a:lvl8pPr>
+            <a:lvl9pPr marL="3886200" indent="-228600" algn="l" defTabSz="914400" rtl="0" eaLnBrk="1" latinLnBrk="0" hangingPunct="1">
+              <a:spcBef>
+                <a:spcPct val="20000"/>
+              </a:spcBef>
+              <a:buFont typeface="Arial" panose="020B0604020202020204" pitchFamily="34" charset="0"/>
+              <a:buChar char="•"/>
+              <a:defRPr sz="2000" kern="1200">
+                <a:solidFill>
+                  <a:schemeClr val="tx1"/>
+                </a:solidFill>
+                <a:latin typeface="+mn-lt"/>
+                <a:ea typeface="+mn-ea"/>
+                <a:cs typeface="+mn-cs"/>
+              </a:defRPr>
+            </a:lvl9pPr>
+          </a:lstStyle>
+          <a:p>
+            <a:pPr marL="0" indent="0">
+              <a:spcAft>
+                <a:spcPts val="2100"/>
+              </a:spcAft>
+              <a:buFont typeface="Arial" panose="020B0604020202020204" pitchFamily="34" charset="0"/>
+              <a:buNone/>
+            </a:pPr>
+            <a:r>
+              <a:rPr lang="ru-RU" sz="2000" dirty="0" smtClean="0">
+                <a:solidFill>
+                  <a:srgbClr val="00B050"/>
+                </a:solidFill>
+              </a:rPr>
+              <a:t>Безопасность и конфиденциальность</a:t>
+            </a:r>
+            <a:endParaRPr lang="en-US" sz="2000" dirty="0">
+              <a:solidFill>
+                <a:srgbClr val="00B050"/>
+              </a:solidFill>
+            </a:endParaRPr>
+          </a:p>
+        </p:txBody>
+      </p:sp>
+      <p:sp>
+        <p:nvSpPr>
+          <p:cNvPr id="15" name="Google Shape;401;p24"/>
+          <p:cNvSpPr txBox="1">
+            <a:spLocks/>
+          </p:cNvSpPr>
+          <p:nvPr/>
+        </p:nvSpPr>
+        <p:spPr>
+          <a:xfrm>
+            <a:off x="6319161" y="3171797"/>
+            <a:ext cx="2733397" cy="733455"/>
+          </a:xfrm>
+          <a:prstGeom prst="rect">
+            <a:avLst/>
+          </a:prstGeom>
+        </p:spPr>
+        <p:txBody>
+          <a:bodyPr spcFirstLastPara="1" wrap="square" lIns="121900" tIns="121900" rIns="121900" bIns="121900" anchor="ctr" anchorCtr="0">
+            <a:noAutofit/>
+          </a:bodyPr>
+          <a:lstStyle>
+            <a:lvl1pPr marL="342900" indent="-342900" algn="l" defTabSz="914400" rtl="0" eaLnBrk="1" latinLnBrk="0" hangingPunct="1">
+              <a:spcBef>
+                <a:spcPct val="20000"/>
+              </a:spcBef>
+              <a:buFont typeface="Arial" panose="020B0604020202020204" pitchFamily="34" charset="0"/>
+              <a:buChar char="•"/>
+              <a:defRPr sz="3200" kern="1200">
+                <a:solidFill>
+                  <a:schemeClr val="tx1"/>
+                </a:solidFill>
+                <a:latin typeface="+mn-lt"/>
+                <a:ea typeface="+mn-ea"/>
+                <a:cs typeface="+mn-cs"/>
+              </a:defRPr>
+            </a:lvl1pPr>
+            <a:lvl2pPr marL="742950" indent="-285750" algn="l" defTabSz="914400" rtl="0" eaLnBrk="1" latinLnBrk="0" hangingPunct="1">
+              <a:spcBef>
+                <a:spcPct val="20000"/>
+              </a:spcBef>
+              <a:buFont typeface="Arial" panose="020B0604020202020204" pitchFamily="34" charset="0"/>
+              <a:buChar char="–"/>
+              <a:defRPr sz="2800" kern="1200">
+                <a:solidFill>
+                  <a:schemeClr val="tx1"/>
+                </a:solidFill>
+                <a:latin typeface="+mn-lt"/>
+                <a:ea typeface="+mn-ea"/>
+                <a:cs typeface="+mn-cs"/>
+              </a:defRPr>
+            </a:lvl2pPr>
+            <a:lvl3pPr marL="1143000" indent="-228600" algn="l" defTabSz="914400" rtl="0" eaLnBrk="1" latinLnBrk="0" hangingPunct="1">
+              <a:spcBef>
+                <a:spcPct val="20000"/>
+              </a:spcBef>
+              <a:buFont typeface="Arial" panose="020B0604020202020204" pitchFamily="34" charset="0"/>
+              <a:buChar char="•"/>
+              <a:defRPr sz="2400" kern="1200">
+                <a:solidFill>
+                  <a:schemeClr val="tx1"/>
+                </a:solidFill>
+                <a:latin typeface="+mn-lt"/>
+                <a:ea typeface="+mn-ea"/>
+                <a:cs typeface="+mn-cs"/>
+              </a:defRPr>
+            </a:lvl3pPr>
+            <a:lvl4pPr marL="1600200" indent="-228600" algn="l" defTabSz="914400" rtl="0" eaLnBrk="1" latinLnBrk="0" hangingPunct="1">
+              <a:spcBef>
+                <a:spcPct val="20000"/>
+              </a:spcBef>
+              <a:buFont typeface="Arial" panose="020B0604020202020204" pitchFamily="34" charset="0"/>
+              <a:buChar char="–"/>
+              <a:defRPr sz="2000" kern="1200">
+                <a:solidFill>
+                  <a:schemeClr val="tx1"/>
+                </a:solidFill>
+                <a:latin typeface="+mn-lt"/>
+                <a:ea typeface="+mn-ea"/>
+                <a:cs typeface="+mn-cs"/>
+              </a:defRPr>
+            </a:lvl4pPr>
+            <a:lvl5pPr marL="2057400" indent="-228600" algn="l" defTabSz="914400" rtl="0" eaLnBrk="1" latinLnBrk="0" hangingPunct="1">
+              <a:spcBef>
+                <a:spcPct val="20000"/>
+              </a:spcBef>
+              <a:buFont typeface="Arial" panose="020B0604020202020204" pitchFamily="34" charset="0"/>
+              <a:buChar char="»"/>
+              <a:defRPr sz="2000" kern="1200">
+                <a:solidFill>
+                  <a:schemeClr val="tx1"/>
+                </a:solidFill>
+                <a:latin typeface="+mn-lt"/>
+                <a:ea typeface="+mn-ea"/>
+                <a:cs typeface="+mn-cs"/>
+              </a:defRPr>
+            </a:lvl5pPr>
+            <a:lvl6pPr marL="2514600" indent="-228600" algn="l" defTabSz="914400" rtl="0" eaLnBrk="1" latinLnBrk="0" hangingPunct="1">
+              <a:spcBef>
+                <a:spcPct val="20000"/>
+              </a:spcBef>
+              <a:buFont typeface="Arial" panose="020B0604020202020204" pitchFamily="34" charset="0"/>
+              <a:buChar char="•"/>
+              <a:defRPr sz="2000" kern="1200">
+                <a:solidFill>
+                  <a:schemeClr val="tx1"/>
+                </a:solidFill>
+                <a:latin typeface="+mn-lt"/>
+                <a:ea typeface="+mn-ea"/>
+                <a:cs typeface="+mn-cs"/>
+              </a:defRPr>
+            </a:lvl6pPr>
+            <a:lvl7pPr marL="2971800" indent="-228600" algn="l" defTabSz="914400" rtl="0" eaLnBrk="1" latinLnBrk="0" hangingPunct="1">
+              <a:spcBef>
+                <a:spcPct val="20000"/>
+              </a:spcBef>
+              <a:buFont typeface="Arial" panose="020B0604020202020204" pitchFamily="34" charset="0"/>
+              <a:buChar char="•"/>
+              <a:defRPr sz="2000" kern="1200">
+                <a:solidFill>
+                  <a:schemeClr val="tx1"/>
+                </a:solidFill>
+                <a:latin typeface="+mn-lt"/>
+                <a:ea typeface="+mn-ea"/>
+                <a:cs typeface="+mn-cs"/>
+              </a:defRPr>
+            </a:lvl7pPr>
+            <a:lvl8pPr marL="3429000" indent="-228600" algn="l" defTabSz="914400" rtl="0" eaLnBrk="1" latinLnBrk="0" hangingPunct="1">
+              <a:spcBef>
+                <a:spcPct val="20000"/>
+              </a:spcBef>
+              <a:buFont typeface="Arial" panose="020B0604020202020204" pitchFamily="34" charset="0"/>
+              <a:buChar char="•"/>
+              <a:defRPr sz="2000" kern="1200">
+                <a:solidFill>
+                  <a:schemeClr val="tx1"/>
+                </a:solidFill>
+                <a:latin typeface="+mn-lt"/>
+                <a:ea typeface="+mn-ea"/>
+                <a:cs typeface="+mn-cs"/>
+              </a:defRPr>
+            </a:lvl8pPr>
+            <a:lvl9pPr marL="3886200" indent="-228600" algn="l" defTabSz="914400" rtl="0" eaLnBrk="1" latinLnBrk="0" hangingPunct="1">
+              <a:spcBef>
+                <a:spcPct val="20000"/>
+              </a:spcBef>
+              <a:buFont typeface="Arial" panose="020B0604020202020204" pitchFamily="34" charset="0"/>
+              <a:buChar char="•"/>
+              <a:defRPr sz="2000" kern="1200">
+                <a:solidFill>
+                  <a:schemeClr val="tx1"/>
+                </a:solidFill>
+                <a:latin typeface="+mn-lt"/>
+                <a:ea typeface="+mn-ea"/>
+                <a:cs typeface="+mn-cs"/>
+              </a:defRPr>
+            </a:lvl9pPr>
+          </a:lstStyle>
+          <a:p>
+            <a:pPr marL="0" indent="0">
+              <a:spcAft>
+                <a:spcPts val="2100"/>
+              </a:spcAft>
+              <a:buFont typeface="Arial" panose="020B0604020202020204" pitchFamily="34" charset="0"/>
+              <a:buNone/>
+            </a:pPr>
+            <a:r>
+              <a:rPr lang="ru-RU" sz="2000" dirty="0" smtClean="0"/>
+              <a:t>Надежность и отказоустойчивость</a:t>
+            </a:r>
+            <a:endParaRPr lang="ru-RU" sz="2000" dirty="0"/>
+          </a:p>
+        </p:txBody>
+      </p:sp>
+      <p:sp>
+        <p:nvSpPr>
+          <p:cNvPr id="22" name="TextBox 21"/>
+          <p:cNvSpPr txBox="1"/>
+          <p:nvPr/>
+        </p:nvSpPr>
+        <p:spPr>
+          <a:xfrm>
+            <a:off x="8276704" y="4628554"/>
+            <a:ext cx="775855" cy="400110"/>
           </a:xfrm>
           <a:prstGeom prst="rect">
             <a:avLst/>
           </a:prstGeom>
           <a:noFill/>
-          <a:extLst>
-            <a:ext uri="{909E8E84-426E-40DD-AFC4-6F175D3DCCD1}">
-              <a14:hiddenFill xmlns:a14="http://schemas.microsoft.com/office/drawing/2010/main">
-                <a:solidFill>
-                  <a:srgbClr val="FFFFFF"/>
-                </a:solidFill>
-              </a14:hiddenFill>
-            </a:ext>
-          </a:extLst>
         </p:spPr>
         <p:txBody>
-          <a:bodyPr vert="horz" wrap="square" lIns="91440" tIns="45720" rIns="91440" bIns="45720" numCol="1" anchor="t" anchorCtr="0" compatLnSpc="1">
-            <a:prstTxWarp prst="textNoShape">
-              <a:avLst/>
-            </a:prstTxWarp>
+          <a:bodyPr wrap="square" rtlCol="0">
+            <a:spAutoFit/>
           </a:bodyPr>
           <a:lstStyle/>
           <a:p>
-            <a:endParaRPr lang="ru-RU"/>
-          </a:p>
-        </p:txBody>
-      </p:sp>
-      <p:pic>
-        <p:nvPicPr>
-          <p:cNvPr id="10" name="Picture 4" descr="Mercurial — Википедия">
-            <a:extLst>
-              <a:ext uri="{FF2B5EF4-FFF2-40B4-BE49-F238E27FC236}">
-                <a16:creationId xmlns:a16="http://schemas.microsoft.com/office/drawing/2014/main" id="{17A786A3-3A9C-C1CA-772F-39E1DF85B36D}"/>
-              </a:ext>
-            </a:extLst>
-          </p:cNvPr>
-          <p:cNvPicPr>
-            <a:picLocks noChangeAspect="1" noChangeArrowheads="1"/>
-          </p:cNvPicPr>
-          <p:nvPr/>
-        </p:nvPicPr>
-        <p:blipFill>
-          <a:blip r:embed="rId4" cstate="print">
-            <a:extLst>
-              <a:ext uri="{28A0092B-C50C-407E-A947-70E740481C1C}">
-                <a14:useLocalDpi xmlns:a14="http://schemas.microsoft.com/office/drawing/2010/main" val="0"/>
-              </a:ext>
-            </a:extLst>
-          </a:blip>
-          <a:srcRect/>
-          <a:stretch>
-            <a:fillRect/>
-          </a:stretch>
-        </p:blipFill>
-        <p:spPr bwMode="auto">
-          <a:xfrm>
-            <a:off x="4584841" y="931533"/>
-            <a:ext cx="750831" cy="964971"/>
-          </a:xfrm>
-          <a:prstGeom prst="rect">
-            <a:avLst/>
-          </a:prstGeom>
-          <a:noFill/>
-          <a:extLst>
-            <a:ext uri="{909E8E84-426E-40DD-AFC4-6F175D3DCCD1}">
-              <a14:hiddenFill xmlns:a14="http://schemas.microsoft.com/office/drawing/2010/main">
-                <a:solidFill>
-                  <a:srgbClr val="FFFFFF"/>
-                </a:solidFill>
-              </a14:hiddenFill>
-            </a:ext>
-          </a:extLst>
-        </p:spPr>
-      </p:pic>
-      <p:pic>
-        <p:nvPicPr>
-          <p:cNvPr id="1034" name="Picture 10" descr="Subversion — Википедия">
-            <a:extLst>
-              <a:ext uri="{FF2B5EF4-FFF2-40B4-BE49-F238E27FC236}">
-                <a16:creationId xmlns:a16="http://schemas.microsoft.com/office/drawing/2014/main" id="{C241047C-19B8-7FD1-0669-E8CE39A763E2}"/>
-              </a:ext>
-            </a:extLst>
-          </p:cNvPr>
-          <p:cNvPicPr>
-            <a:picLocks noChangeAspect="1" noChangeArrowheads="1"/>
-          </p:cNvPicPr>
-          <p:nvPr/>
-        </p:nvPicPr>
-        <p:blipFill>
-          <a:blip r:embed="rId5" cstate="print">
-            <a:extLst>
-              <a:ext uri="{28A0092B-C50C-407E-A947-70E740481C1C}">
-                <a14:useLocalDpi xmlns:a14="http://schemas.microsoft.com/office/drawing/2010/main" val="0"/>
-              </a:ext>
-            </a:extLst>
-          </a:blip>
-          <a:srcRect/>
-          <a:stretch>
-            <a:fillRect/>
-          </a:stretch>
-        </p:blipFill>
-        <p:spPr bwMode="auto">
-          <a:xfrm>
-            <a:off x="6021278" y="927142"/>
-            <a:ext cx="952835" cy="969674"/>
-          </a:xfrm>
-          <a:prstGeom prst="rect">
-            <a:avLst/>
-          </a:prstGeom>
-          <a:noFill/>
-          <a:extLst>
-            <a:ext uri="{909E8E84-426E-40DD-AFC4-6F175D3DCCD1}">
-              <a14:hiddenFill xmlns:a14="http://schemas.microsoft.com/office/drawing/2010/main">
-                <a:solidFill>
-                  <a:srgbClr val="FFFFFF"/>
-                </a:solidFill>
-              </a14:hiddenFill>
-            </a:ext>
-          </a:extLst>
-        </p:spPr>
-      </p:pic>
-      <p:pic>
-        <p:nvPicPr>
-          <p:cNvPr id="2056" name="Picture 8" descr="Perforce Software – Bloor Research">
-            <a:extLst>
-              <a:ext uri="{FF2B5EF4-FFF2-40B4-BE49-F238E27FC236}">
-                <a16:creationId xmlns:a16="http://schemas.microsoft.com/office/drawing/2014/main" id="{FBFCE296-B104-9F00-993B-E1FBEFA2B631}"/>
-              </a:ext>
-            </a:extLst>
-          </p:cNvPr>
-          <p:cNvPicPr>
-            <a:picLocks noChangeAspect="1" noChangeArrowheads="1"/>
-          </p:cNvPicPr>
-          <p:nvPr/>
-        </p:nvPicPr>
-        <p:blipFill>
-          <a:blip r:embed="rId6" cstate="print">
-            <a:extLst>
-              <a:ext uri="{28A0092B-C50C-407E-A947-70E740481C1C}">
-                <a14:useLocalDpi xmlns:a14="http://schemas.microsoft.com/office/drawing/2010/main" val="0"/>
-              </a:ext>
-            </a:extLst>
-          </a:blip>
-          <a:srcRect/>
-          <a:stretch>
-            <a:fillRect/>
-          </a:stretch>
-        </p:blipFill>
-        <p:spPr bwMode="auto">
-          <a:xfrm>
-            <a:off x="7324190" y="991029"/>
-            <a:ext cx="1428249" cy="911648"/>
-          </a:xfrm>
-          <a:prstGeom prst="rect">
-            <a:avLst/>
-          </a:prstGeom>
-          <a:noFill/>
-          <a:extLst>
-            <a:ext uri="{909E8E84-426E-40DD-AFC4-6F175D3DCCD1}">
-              <a14:hiddenFill xmlns:a14="http://schemas.microsoft.com/office/drawing/2010/main">
-                <a:solidFill>
-                  <a:srgbClr val="FFFFFF"/>
-                </a:solidFill>
-              </a14:hiddenFill>
-            </a:ext>
-          </a:extLst>
-        </p:spPr>
-      </p:pic>
-      <p:graphicFrame>
-        <p:nvGraphicFramePr>
-          <p:cNvPr id="13" name="Таблица 12">
-            <a:extLst>
-              <a:ext uri="{FF2B5EF4-FFF2-40B4-BE49-F238E27FC236}">
-                <a16:creationId xmlns:a16="http://schemas.microsoft.com/office/drawing/2014/main" id="{8EFC4691-E61D-25C2-2730-780B850114C3}"/>
-              </a:ext>
-            </a:extLst>
-          </p:cNvPr>
-          <p:cNvGraphicFramePr>
-            <a:graphicFrameLocks noGrp="1"/>
-          </p:cNvGraphicFramePr>
-          <p:nvPr>
-            <p:extLst>
-              <p:ext uri="{D42A27DB-BD31-4B8C-83A1-F6EECF244321}">
-                <p14:modId xmlns:p14="http://schemas.microsoft.com/office/powerpoint/2010/main" val="2102270327"/>
-              </p:ext>
-            </p:extLst>
-          </p:nvPr>
-        </p:nvGraphicFramePr>
-        <p:xfrm>
-          <a:off x="1045030" y="1995517"/>
-          <a:ext cx="7830455" cy="2758440"/>
-        </p:xfrm>
-        <a:graphic>
-          <a:graphicData uri="http://schemas.openxmlformats.org/drawingml/2006/table">
-            <a:tbl>
-              <a:tblPr bandRow="1">
-                <a:tableStyleId>{3C2FFA5D-87B4-456A-9821-1D502468CF0F}</a:tableStyleId>
-              </a:tblPr>
-              <a:tblGrid>
-                <a:gridCol w="1566091">
-                  <a:extLst>
-                    <a:ext uri="{9D8B030D-6E8A-4147-A177-3AD203B41FA5}">
-                      <a16:colId xmlns:a16="http://schemas.microsoft.com/office/drawing/2014/main" val="3152924956"/>
-                    </a:ext>
-                  </a:extLst>
-                </a:gridCol>
-                <a:gridCol w="1566091">
-                  <a:extLst>
-                    <a:ext uri="{9D8B030D-6E8A-4147-A177-3AD203B41FA5}">
-                      <a16:colId xmlns:a16="http://schemas.microsoft.com/office/drawing/2014/main" val="3032376567"/>
-                    </a:ext>
-                  </a:extLst>
-                </a:gridCol>
-                <a:gridCol w="1566091">
-                  <a:extLst>
-                    <a:ext uri="{9D8B030D-6E8A-4147-A177-3AD203B41FA5}">
-                      <a16:colId xmlns:a16="http://schemas.microsoft.com/office/drawing/2014/main" val="3104252452"/>
-                    </a:ext>
-                  </a:extLst>
-                </a:gridCol>
-                <a:gridCol w="1566091">
-                  <a:extLst>
-                    <a:ext uri="{9D8B030D-6E8A-4147-A177-3AD203B41FA5}">
-                      <a16:colId xmlns:a16="http://schemas.microsoft.com/office/drawing/2014/main" val="2957344674"/>
-                    </a:ext>
-                  </a:extLst>
-                </a:gridCol>
-                <a:gridCol w="1566091">
-                  <a:extLst>
-                    <a:ext uri="{9D8B030D-6E8A-4147-A177-3AD203B41FA5}">
-                      <a16:colId xmlns:a16="http://schemas.microsoft.com/office/drawing/2014/main" val="3871182072"/>
-                    </a:ext>
-                  </a:extLst>
-                </a:gridCol>
-              </a:tblGrid>
-              <a:tr h="370840">
-                <a:tc>
-                  <a:txBody>
-                    <a:bodyPr/>
-                    <a:lstStyle/>
-                    <a:p>
-                      <a:pPr algn="l" fontAlgn="base"/>
-                      <a:r>
-                        <a:rPr lang="ru-RU" sz="1400" b="1" dirty="0">
-                          <a:effectLst/>
-                        </a:rPr>
-                        <a:t>Тип системы</a:t>
-                      </a:r>
-                      <a:endParaRPr lang="ru-RU" sz="1400" dirty="0">
-                        <a:effectLst/>
-                      </a:endParaRPr>
-                    </a:p>
-                  </a:txBody>
-                  <a:tcPr anchor="ctr"/>
-                </a:tc>
-                <a:tc>
-                  <a:txBody>
-                    <a:bodyPr/>
-                    <a:lstStyle/>
-                    <a:p>
-                      <a:pPr algn="l" fontAlgn="base"/>
-                      <a:r>
-                        <a:rPr lang="ru-RU" sz="1400">
-                          <a:effectLst/>
-                        </a:rPr>
-                        <a:t>Распределенная</a:t>
-                      </a:r>
-                    </a:p>
-                  </a:txBody>
-                  <a:tcPr anchor="ctr"/>
-                </a:tc>
-                <a:tc>
-                  <a:txBody>
-                    <a:bodyPr/>
-                    <a:lstStyle/>
-                    <a:p>
-                      <a:pPr algn="l" fontAlgn="base"/>
-                      <a:r>
-                        <a:rPr lang="ru-RU" sz="1400">
-                          <a:effectLst/>
-                        </a:rPr>
-                        <a:t>Распределенная</a:t>
-                      </a:r>
-                    </a:p>
-                  </a:txBody>
-                  <a:tcPr anchor="ctr"/>
-                </a:tc>
-                <a:tc>
-                  <a:txBody>
-                    <a:bodyPr/>
-                    <a:lstStyle/>
-                    <a:p>
-                      <a:pPr algn="l" fontAlgn="base"/>
-                      <a:r>
-                        <a:rPr lang="ru-RU" sz="1400">
-                          <a:effectLst/>
-                        </a:rPr>
-                        <a:t>Централизованная</a:t>
-                      </a:r>
-                    </a:p>
-                  </a:txBody>
-                  <a:tcPr anchor="ctr"/>
-                </a:tc>
-                <a:tc>
-                  <a:txBody>
-                    <a:bodyPr/>
-                    <a:lstStyle/>
-                    <a:p>
-                      <a:pPr algn="l" fontAlgn="base"/>
-                      <a:r>
-                        <a:rPr lang="ru-RU" sz="1400" dirty="0">
-                          <a:effectLst/>
-                        </a:rPr>
-                        <a:t>Централизованная</a:t>
-                      </a:r>
-                    </a:p>
-                  </a:txBody>
-                  <a:tcPr anchor="ctr"/>
-                </a:tc>
-                <a:extLst>
-                  <a:ext uri="{0D108BD9-81ED-4DB2-BD59-A6C34878D82A}">
-                    <a16:rowId xmlns:a16="http://schemas.microsoft.com/office/drawing/2014/main" val="1626314931"/>
-                  </a:ext>
-                </a:extLst>
-              </a:tr>
-              <a:tr h="370840">
-                <a:tc>
-                  <a:txBody>
-                    <a:bodyPr/>
-                    <a:lstStyle/>
-                    <a:p>
-                      <a:pPr algn="l" fontAlgn="base"/>
-                      <a:r>
-                        <a:rPr lang="ru-RU" sz="1400" b="1" dirty="0">
-                          <a:effectLst/>
-                        </a:rPr>
-                        <a:t>Протоколы</a:t>
-                      </a:r>
-                      <a:endParaRPr lang="ru-RU" sz="1400" dirty="0">
-                        <a:effectLst/>
-                      </a:endParaRPr>
-                    </a:p>
-                  </a:txBody>
-                  <a:tcPr anchor="ctr"/>
-                </a:tc>
-                <a:tc>
-                  <a:txBody>
-                    <a:bodyPr/>
-                    <a:lstStyle/>
-                    <a:p>
-                      <a:pPr algn="l" fontAlgn="base"/>
-                      <a:r>
-                        <a:rPr lang="en-US" sz="1400" dirty="0">
-                          <a:effectLst/>
-                        </a:rPr>
-                        <a:t>HTTPS, SSH, Git</a:t>
-                      </a:r>
-                    </a:p>
-                  </a:txBody>
-                  <a:tcPr anchor="ctr"/>
-                </a:tc>
-                <a:tc>
-                  <a:txBody>
-                    <a:bodyPr/>
-                    <a:lstStyle/>
-                    <a:p>
-                      <a:pPr algn="l" fontAlgn="base"/>
-                      <a:r>
-                        <a:rPr lang="en-US" sz="1400">
-                          <a:effectLst/>
-                        </a:rPr>
-                        <a:t>HTTP, SSH, HTTPS</a:t>
-                      </a:r>
-                    </a:p>
-                  </a:txBody>
-                  <a:tcPr anchor="ctr"/>
-                </a:tc>
-                <a:tc>
-                  <a:txBody>
-                    <a:bodyPr/>
-                    <a:lstStyle/>
-                    <a:p>
-                      <a:pPr algn="l" fontAlgn="base"/>
-                      <a:r>
-                        <a:rPr lang="en-US" sz="1400">
-                          <a:effectLst/>
-                        </a:rPr>
-                        <a:t>HTTP, HTTPS, SVN</a:t>
-                      </a:r>
-                    </a:p>
-                  </a:txBody>
-                  <a:tcPr anchor="ctr"/>
-                </a:tc>
-                <a:tc>
-                  <a:txBody>
-                    <a:bodyPr/>
-                    <a:lstStyle/>
-                    <a:p>
-                      <a:pPr algn="l" fontAlgn="base"/>
-                      <a:r>
-                        <a:rPr lang="en-US" sz="1400" dirty="0">
-                          <a:effectLst/>
-                        </a:rPr>
-                        <a:t>Custom</a:t>
-                      </a:r>
-                    </a:p>
-                  </a:txBody>
-                  <a:tcPr anchor="ctr"/>
-                </a:tc>
-                <a:extLst>
-                  <a:ext uri="{0D108BD9-81ED-4DB2-BD59-A6C34878D82A}">
-                    <a16:rowId xmlns:a16="http://schemas.microsoft.com/office/drawing/2014/main" val="861996735"/>
-                  </a:ext>
-                </a:extLst>
-              </a:tr>
-              <a:tr h="370840">
-                <a:tc>
-                  <a:txBody>
-                    <a:bodyPr/>
-                    <a:lstStyle/>
-                    <a:p>
-                      <a:pPr algn="l" fontAlgn="base"/>
-                      <a:r>
-                        <a:rPr lang="ru-RU" sz="1400" b="1" dirty="0">
-                          <a:effectLst/>
-                        </a:rPr>
-                        <a:t>Ветвление</a:t>
-                      </a:r>
-                      <a:endParaRPr lang="ru-RU" sz="1400" dirty="0">
-                        <a:effectLst/>
-                      </a:endParaRPr>
-                    </a:p>
-                  </a:txBody>
-                  <a:tcPr anchor="ctr"/>
-                </a:tc>
-                <a:tc>
-                  <a:txBody>
-                    <a:bodyPr/>
-                    <a:lstStyle/>
-                    <a:p>
-                      <a:pPr algn="l" fontAlgn="base"/>
-                      <a:r>
-                        <a:rPr lang="ru-RU" sz="1400" dirty="0">
-                          <a:effectLst/>
-                        </a:rPr>
-                        <a:t>Да</a:t>
-                      </a:r>
-                    </a:p>
-                  </a:txBody>
-                  <a:tcPr anchor="ctr"/>
-                </a:tc>
-                <a:tc>
-                  <a:txBody>
-                    <a:bodyPr/>
-                    <a:lstStyle/>
-                    <a:p>
-                      <a:pPr algn="l" fontAlgn="base"/>
-                      <a:r>
-                        <a:rPr lang="ru-RU" sz="1400">
-                          <a:effectLst/>
-                        </a:rPr>
-                        <a:t>Да</a:t>
-                      </a:r>
-                    </a:p>
-                  </a:txBody>
-                  <a:tcPr anchor="ctr"/>
-                </a:tc>
-                <a:tc>
-                  <a:txBody>
-                    <a:bodyPr/>
-                    <a:lstStyle/>
-                    <a:p>
-                      <a:pPr algn="l" fontAlgn="base"/>
-                      <a:r>
-                        <a:rPr lang="ru-RU" sz="1400">
-                          <a:effectLst/>
-                        </a:rPr>
-                        <a:t>Да</a:t>
-                      </a:r>
-                    </a:p>
-                  </a:txBody>
-                  <a:tcPr anchor="ctr"/>
-                </a:tc>
-                <a:tc>
-                  <a:txBody>
-                    <a:bodyPr/>
-                    <a:lstStyle/>
-                    <a:p>
-                      <a:pPr algn="l" fontAlgn="base"/>
-                      <a:r>
-                        <a:rPr lang="ru-RU" sz="1400" dirty="0">
-                          <a:effectLst/>
-                        </a:rPr>
-                        <a:t>Да</a:t>
-                      </a:r>
-                    </a:p>
-                  </a:txBody>
-                  <a:tcPr anchor="ctr"/>
-                </a:tc>
-                <a:extLst>
-                  <a:ext uri="{0D108BD9-81ED-4DB2-BD59-A6C34878D82A}">
-                    <a16:rowId xmlns:a16="http://schemas.microsoft.com/office/drawing/2014/main" val="186056017"/>
-                  </a:ext>
-                </a:extLst>
-              </a:tr>
-              <a:tr h="370840">
-                <a:tc>
-                  <a:txBody>
-                    <a:bodyPr/>
-                    <a:lstStyle/>
-                    <a:p>
-                      <a:pPr algn="l" fontAlgn="base"/>
-                      <a:r>
-                        <a:rPr lang="ru-RU" sz="1400" b="1" i="0" kern="1200" dirty="0">
-                          <a:solidFill>
-                            <a:schemeClr val="dk1"/>
-                          </a:solidFill>
-                          <a:effectLst/>
-                          <a:latin typeface="+mn-lt"/>
-                          <a:ea typeface="+mn-ea"/>
-                          <a:cs typeface="+mn-cs"/>
-                        </a:rPr>
-                        <a:t>Разрешение конфликтов</a:t>
-                      </a:r>
-                      <a:endParaRPr lang="ru-RU" sz="1400" dirty="0">
-                        <a:effectLst/>
-                      </a:endParaRPr>
-                    </a:p>
-                  </a:txBody>
-                  <a:tcPr anchor="ctr"/>
-                </a:tc>
-                <a:tc>
-                  <a:txBody>
-                    <a:bodyPr/>
-                    <a:lstStyle/>
-                    <a:p>
-                      <a:pPr algn="l" fontAlgn="base"/>
-                      <a:r>
-                        <a:rPr lang="ru-RU" sz="1400" b="0" i="0" kern="1200" dirty="0">
-                          <a:solidFill>
-                            <a:schemeClr val="dk1"/>
-                          </a:solidFill>
-                          <a:effectLst/>
-                          <a:latin typeface="+mn-lt"/>
-                          <a:ea typeface="+mn-ea"/>
-                          <a:cs typeface="+mn-cs"/>
-                        </a:rPr>
-                        <a:t>Слияние</a:t>
-                      </a:r>
-                      <a:endParaRPr lang="ru-RU" sz="1400" dirty="0">
-                        <a:effectLst/>
-                      </a:endParaRPr>
-                    </a:p>
-                  </a:txBody>
-                  <a:tcPr anchor="ctr"/>
-                </a:tc>
-                <a:tc>
-                  <a:txBody>
-                    <a:bodyPr/>
-                    <a:lstStyle/>
-                    <a:p>
-                      <a:pPr algn="l" fontAlgn="base"/>
-                      <a:r>
-                        <a:rPr lang="ru-RU" sz="1400" b="0" i="0" kern="1200" dirty="0">
-                          <a:solidFill>
-                            <a:schemeClr val="dk1"/>
-                          </a:solidFill>
-                          <a:effectLst/>
-                          <a:latin typeface="+mn-lt"/>
-                          <a:ea typeface="+mn-ea"/>
-                          <a:cs typeface="+mn-cs"/>
-                        </a:rPr>
-                        <a:t>Слияние</a:t>
-                      </a:r>
-                      <a:endParaRPr lang="ru-RU" sz="1400" dirty="0">
-                        <a:effectLst/>
-                      </a:endParaRPr>
-                    </a:p>
-                  </a:txBody>
-                  <a:tcPr anchor="ctr"/>
-                </a:tc>
-                <a:tc>
-                  <a:txBody>
-                    <a:bodyPr/>
-                    <a:lstStyle/>
-                    <a:p>
-                      <a:pPr algn="l" fontAlgn="base"/>
-                      <a:r>
-                        <a:rPr lang="ru-RU" sz="1400" dirty="0">
-                          <a:effectLst/>
-                        </a:rPr>
-                        <a:t>Да</a:t>
-                      </a:r>
-                    </a:p>
-                  </a:txBody>
-                  <a:tcPr anchor="ctr"/>
-                </a:tc>
-                <a:tc>
-                  <a:txBody>
-                    <a:bodyPr/>
-                    <a:lstStyle/>
-                    <a:p>
-                      <a:pPr algn="l" fontAlgn="base"/>
-                      <a:r>
-                        <a:rPr lang="ru-RU" sz="1400" b="0" i="0" kern="1200" dirty="0">
-                          <a:solidFill>
-                            <a:schemeClr val="dk1"/>
-                          </a:solidFill>
-                          <a:effectLst/>
-                          <a:latin typeface="+mn-lt"/>
-                          <a:ea typeface="+mn-ea"/>
-                          <a:cs typeface="+mn-cs"/>
-                        </a:rPr>
-                        <a:t>Слияние</a:t>
-                      </a:r>
-                      <a:endParaRPr lang="ru-RU" sz="1400" dirty="0">
-                        <a:effectLst/>
-                      </a:endParaRPr>
-                    </a:p>
-                  </a:txBody>
-                  <a:tcPr anchor="ctr"/>
-                </a:tc>
-                <a:extLst>
-                  <a:ext uri="{0D108BD9-81ED-4DB2-BD59-A6C34878D82A}">
-                    <a16:rowId xmlns:a16="http://schemas.microsoft.com/office/drawing/2014/main" val="2034857819"/>
-                  </a:ext>
-                </a:extLst>
-              </a:tr>
-              <a:tr h="370840">
-                <a:tc>
-                  <a:txBody>
-                    <a:bodyPr/>
-                    <a:lstStyle/>
-                    <a:p>
-                      <a:pPr algn="l" fontAlgn="base"/>
-                      <a:r>
-                        <a:rPr lang="ru-RU" sz="1400" b="1" dirty="0">
-                          <a:effectLst/>
-                        </a:rPr>
-                        <a:t>История изменений</a:t>
-                      </a:r>
-                      <a:endParaRPr lang="ru-RU" sz="1400" dirty="0">
-                        <a:effectLst/>
-                      </a:endParaRPr>
-                    </a:p>
-                  </a:txBody>
-                  <a:tcPr anchor="ctr"/>
-                </a:tc>
-                <a:tc>
-                  <a:txBody>
-                    <a:bodyPr/>
-                    <a:lstStyle/>
-                    <a:p>
-                      <a:pPr algn="l" fontAlgn="base"/>
-                      <a:r>
-                        <a:rPr lang="ru-RU" sz="1400" dirty="0">
-                          <a:effectLst/>
-                        </a:rPr>
-                        <a:t>Да</a:t>
-                      </a:r>
-                    </a:p>
-                  </a:txBody>
-                  <a:tcPr anchor="ctr"/>
-                </a:tc>
-                <a:tc>
-                  <a:txBody>
-                    <a:bodyPr/>
-                    <a:lstStyle/>
-                    <a:p>
-                      <a:pPr algn="l" fontAlgn="base"/>
-                      <a:r>
-                        <a:rPr lang="ru-RU" sz="1400">
-                          <a:effectLst/>
-                        </a:rPr>
-                        <a:t>Да</a:t>
-                      </a:r>
-                    </a:p>
-                  </a:txBody>
-                  <a:tcPr anchor="ctr"/>
-                </a:tc>
-                <a:tc>
-                  <a:txBody>
-                    <a:bodyPr/>
-                    <a:lstStyle/>
-                    <a:p>
-                      <a:pPr algn="l" fontAlgn="base"/>
-                      <a:r>
-                        <a:rPr lang="ru-RU" sz="1400" dirty="0">
-                          <a:solidFill>
-                            <a:schemeClr val="tx1"/>
-                          </a:solidFill>
-                          <a:effectLst/>
-                        </a:rPr>
-                        <a:t>Слияние или блокировка</a:t>
-                      </a:r>
-                    </a:p>
-                  </a:txBody>
-                  <a:tcPr marT="91440" marB="91440" anchor="ctr"/>
-                </a:tc>
-                <a:tc>
-                  <a:txBody>
-                    <a:bodyPr/>
-                    <a:lstStyle/>
-                    <a:p>
-                      <a:pPr algn="l" fontAlgn="base"/>
-                      <a:r>
-                        <a:rPr lang="ru-RU" sz="1400" dirty="0">
-                          <a:effectLst/>
-                        </a:rPr>
-                        <a:t>Да</a:t>
-                      </a:r>
-                    </a:p>
-                  </a:txBody>
-                  <a:tcPr anchor="ctr"/>
-                </a:tc>
-                <a:extLst>
-                  <a:ext uri="{0D108BD9-81ED-4DB2-BD59-A6C34878D82A}">
-                    <a16:rowId xmlns:a16="http://schemas.microsoft.com/office/drawing/2014/main" val="2734836068"/>
-                  </a:ext>
-                </a:extLst>
-              </a:tr>
-              <a:tr h="370840">
-                <a:tc>
-                  <a:txBody>
-                    <a:bodyPr/>
-                    <a:lstStyle/>
-                    <a:p>
-                      <a:pPr algn="l" fontAlgn="base"/>
-                      <a:r>
-                        <a:rPr lang="ru-RU" sz="1400" b="1" dirty="0">
-                          <a:effectLst/>
-                        </a:rPr>
-                        <a:t>Популярность</a:t>
-                      </a:r>
-                      <a:endParaRPr lang="ru-RU" sz="1400" dirty="0">
-                        <a:effectLst/>
-                      </a:endParaRPr>
-                    </a:p>
-                  </a:txBody>
-                  <a:tcPr anchor="ctr"/>
-                </a:tc>
-                <a:tc>
-                  <a:txBody>
-                    <a:bodyPr/>
-                    <a:lstStyle/>
-                    <a:p>
-                      <a:pPr algn="l" fontAlgn="base"/>
-                      <a:r>
-                        <a:rPr lang="ru-RU" sz="1400">
-                          <a:effectLst/>
-                        </a:rPr>
-                        <a:t>Высокая</a:t>
-                      </a:r>
-                    </a:p>
-                  </a:txBody>
-                  <a:tcPr anchor="ctr"/>
-                </a:tc>
-                <a:tc>
-                  <a:txBody>
-                    <a:bodyPr/>
-                    <a:lstStyle/>
-                    <a:p>
-                      <a:pPr algn="l" fontAlgn="base"/>
-                      <a:r>
-                        <a:rPr lang="ru-RU" sz="1400">
-                          <a:effectLst/>
-                        </a:rPr>
-                        <a:t>Средняя</a:t>
-                      </a:r>
-                    </a:p>
-                  </a:txBody>
-                  <a:tcPr anchor="ctr"/>
-                </a:tc>
-                <a:tc>
-                  <a:txBody>
-                    <a:bodyPr/>
-                    <a:lstStyle/>
-                    <a:p>
-                      <a:pPr algn="l" fontAlgn="base"/>
-                      <a:r>
-                        <a:rPr lang="ru-RU" sz="1400">
-                          <a:effectLst/>
-                        </a:rPr>
-                        <a:t>Средняя</a:t>
-                      </a:r>
-                    </a:p>
-                  </a:txBody>
-                  <a:tcPr anchor="ctr"/>
-                </a:tc>
-                <a:tc>
-                  <a:txBody>
-                    <a:bodyPr/>
-                    <a:lstStyle/>
-                    <a:p>
-                      <a:pPr algn="l" fontAlgn="base"/>
-                      <a:r>
-                        <a:rPr lang="ru-RU" sz="1400" dirty="0">
-                          <a:effectLst/>
-                        </a:rPr>
-                        <a:t>Средняя</a:t>
-                      </a:r>
-                    </a:p>
-                  </a:txBody>
-                  <a:tcPr anchor="ctr"/>
-                </a:tc>
-                <a:extLst>
-                  <a:ext uri="{0D108BD9-81ED-4DB2-BD59-A6C34878D82A}">
-                    <a16:rowId xmlns:a16="http://schemas.microsoft.com/office/drawing/2014/main" val="335268147"/>
-                  </a:ext>
-                </a:extLst>
-              </a:tr>
-            </a:tbl>
-          </a:graphicData>
-        </a:graphic>
-      </p:graphicFrame>
-      <p:pic>
-        <p:nvPicPr>
-          <p:cNvPr id="8" name="Picture 2">
-            <a:extLst>
-              <a:ext uri="{FF2B5EF4-FFF2-40B4-BE49-F238E27FC236}">
-                <a16:creationId xmlns:a16="http://schemas.microsoft.com/office/drawing/2014/main" id="{8332B0BB-09B5-F1FC-1ADC-5C75F00F88CF}"/>
-              </a:ext>
-            </a:extLst>
-          </p:cNvPr>
-          <p:cNvPicPr>
-            <a:picLocks noChangeAspect="1" noChangeArrowheads="1"/>
-          </p:cNvPicPr>
-          <p:nvPr/>
-        </p:nvPicPr>
-        <p:blipFill>
-          <a:blip r:embed="rId7" cstate="print">
-            <a:extLst>
-              <a:ext uri="{28A0092B-C50C-407E-A947-70E740481C1C}">
-                <a14:useLocalDpi xmlns:a14="http://schemas.microsoft.com/office/drawing/2010/main" val="0"/>
-              </a:ext>
-            </a:extLst>
-          </a:blip>
-          <a:srcRect/>
-          <a:stretch>
-            <a:fillRect/>
-          </a:stretch>
-        </p:blipFill>
-        <p:spPr bwMode="auto">
-          <a:xfrm>
-            <a:off x="2744595" y="1204684"/>
-            <a:ext cx="1335650" cy="556521"/>
-          </a:xfrm>
-          <a:prstGeom prst="rect">
-            <a:avLst/>
-          </a:prstGeom>
-          <a:noFill/>
-          <a:extLst>
-            <a:ext uri="{909E8E84-426E-40DD-AFC4-6F175D3DCCD1}">
-              <a14:hiddenFill xmlns:a14="http://schemas.microsoft.com/office/drawing/2010/main">
-                <a:solidFill>
-                  <a:srgbClr val="FFFFFF"/>
-                </a:solidFill>
-              </a14:hiddenFill>
-            </a:ext>
-          </a:extLst>
-        </p:spPr>
-      </p:pic>
+            <a:pPr algn="ctr"/>
+            <a:fld id="{F1E4BCE6-6F1B-47DD-ABF2-DD6EC2F80AA2}" type="slidenum">
+              <a:rPr lang="ru-RU" sz="2000" smtClean="0">
+                <a:latin typeface="Roboto" panose="020B0604020202020204" charset="0"/>
+                <a:ea typeface="Roboto" panose="020B0604020202020204" charset="0"/>
+                <a:cs typeface="Roboto" panose="020B0604020202020204" charset="0"/>
+              </a:rPr>
+              <a:t>6</a:t>
+            </a:fld>
+            <a:endParaRPr lang="ru-RU" sz="2000" dirty="0">
+              <a:latin typeface="Roboto" panose="020B0604020202020204" charset="0"/>
+              <a:ea typeface="Roboto" panose="020B0604020202020204" charset="0"/>
+              <a:cs typeface="Roboto" panose="020B0604020202020204" charset="0"/>
+            </a:endParaRPr>
+          </a:p>
+        </p:txBody>
+      </p:sp>
     </p:spTree>
     <p:extLst>
       <p:ext uri="{BB962C8B-B14F-4D97-AF65-F5344CB8AC3E}">
-        <p14:creationId xmlns:p14="http://schemas.microsoft.com/office/powerpoint/2010/main" val="1242103603"/>
+        <p14:creationId xmlns:p14="http://schemas.microsoft.com/office/powerpoint/2010/main" val="2272176065"/>
       </p:ext>
     </p:extLst>
   </p:cSld>
@@ -9379,52 +13029,46 @@
       </p:pic>
       <p:sp>
         <p:nvSpPr>
-          <p:cNvPr id="37" name="Прямоугольник 36"/>
-          <p:cNvSpPr/>
-          <p:nvPr/>
+          <p:cNvPr id="17" name="Google Shape;424;p27"/>
+          <p:cNvSpPr txBox="1">
+            <a:spLocks noGrp="1"/>
+          </p:cNvSpPr>
+          <p:nvPr>
+            <p:ph type="title"/>
+          </p:nvPr>
         </p:nvSpPr>
         <p:spPr>
           <a:xfrm>
-            <a:off x="1636585" y="87534"/>
-            <a:ext cx="6552727" cy="769441"/>
+            <a:off x="964851" y="87534"/>
+            <a:ext cx="7582725" cy="760983"/>
           </a:xfrm>
           <a:prstGeom prst="rect">
             <a:avLst/>
           </a:prstGeom>
         </p:spPr>
         <p:txBody>
-          <a:bodyPr wrap="square">
-            <a:spAutoFit/>
+          <a:bodyPr spcFirstLastPara="1" vert="horz" wrap="square" lIns="91425" tIns="91425" rIns="91425" bIns="91425" rtlCol="0" anchor="t" anchorCtr="0">
+            <a:noAutofit/>
           </a:bodyPr>
           <a:lstStyle/>
           <a:p>
-            <a:pPr algn="ctr"/>
-            <a:r>
-              <a:rPr lang="ru-RU" sz="4400" dirty="0">
-                <a:latin typeface="+mj-lt"/>
-                <a:cs typeface="Times New Roman" panose="02020603050405020304" pitchFamily="18" charset="0"/>
-              </a:rPr>
-              <a:t>Техническое задание</a:t>
-            </a:r>
-          </a:p>
-        </p:txBody>
-      </p:sp>
-      <p:sp>
-        <p:nvSpPr>
-          <p:cNvPr id="8" name="TextBox 7">
-            <a:extLst>
-              <a:ext uri="{FF2B5EF4-FFF2-40B4-BE49-F238E27FC236}">
-                <a16:creationId xmlns:a16="http://schemas.microsoft.com/office/drawing/2014/main" id="{69CA5030-4EA1-A4AF-26BF-FE57750688F0}"/>
-              </a:ext>
-            </a:extLst>
-          </p:cNvPr>
+            <a:r>
+              <a:rPr lang="ru-RU" sz="4000" dirty="0"/>
+              <a:t>Инструменты разработки</a:t>
+            </a:r>
+          </a:p>
+        </p:txBody>
+      </p:sp>
+      <p:sp>
+        <p:nvSpPr>
+          <p:cNvPr id="7" name="TextBox 6"/>
           <p:cNvSpPr txBox="1"/>
           <p:nvPr/>
         </p:nvSpPr>
         <p:spPr>
           <a:xfrm>
-            <a:off x="1054677" y="969374"/>
-            <a:ext cx="7523266" cy="3477875"/>
+            <a:off x="8276704" y="4628554"/>
+            <a:ext cx="775855" cy="400110"/>
           </a:xfrm>
           <a:prstGeom prst="rect">
             <a:avLst/>
@@ -9437,193 +13081,326 @@
           </a:bodyPr>
           <a:lstStyle/>
           <a:p>
-            <a:r>
-              <a:rPr lang="ru-RU" sz="2000" b="1" dirty="0">
-                <a:latin typeface="+mj-lt"/>
-                <a:cs typeface="Times New Roman" panose="02020603050405020304" pitchFamily="18" charset="0"/>
+            <a:pPr algn="ctr"/>
+            <a:fld id="{91326118-483B-4565-A65B-2DA6A95B8275}" type="slidenum">
+              <a:rPr lang="ru-RU" sz="2000" smtClean="0">
+                <a:latin typeface="Roboto" panose="020B0604020202020204" charset="0"/>
+                <a:ea typeface="Roboto" panose="020B0604020202020204" charset="0"/>
+                <a:cs typeface="Roboto" panose="020B0604020202020204" charset="0"/>
               </a:rPr>
-              <a:t>Функциональные требования:</a:t>
-            </a:r>
-            <a:endParaRPr lang="en-US" sz="2000" b="1" dirty="0">
-              <a:latin typeface="+mj-lt"/>
-              <a:cs typeface="Times New Roman" panose="02020603050405020304" pitchFamily="18" charset="0"/>
+              <a:t>7</a:t>
+            </a:fld>
+            <a:endParaRPr lang="ru-RU" sz="2000" dirty="0">
+              <a:latin typeface="Roboto" panose="020B0604020202020204" charset="0"/>
+              <a:ea typeface="Roboto" panose="020B0604020202020204" charset="0"/>
+              <a:cs typeface="Roboto" panose="020B0604020202020204" charset="0"/>
             </a:endParaRPr>
           </a:p>
-          <a:p>
-            <a:pPr marL="342900" indent="-342900">
-              <a:buFont typeface="Arial" panose="020B0604020202020204" pitchFamily="34" charset="0"/>
-              <a:buChar char="•"/>
-            </a:pPr>
-            <a:r>
-              <a:rPr lang="ru-RU" sz="2000" dirty="0">
-                <a:latin typeface="+mj-lt"/>
-                <a:cs typeface="Times New Roman" panose="02020603050405020304" pitchFamily="18" charset="0"/>
-              </a:rPr>
-              <a:t>Управление репозиториями (СУР*, клонирование)</a:t>
-            </a:r>
-          </a:p>
-          <a:p>
-            <a:pPr marL="342900" indent="-342900">
-              <a:buFont typeface="Arial" panose="020B0604020202020204" pitchFamily="34" charset="0"/>
-              <a:buChar char="•"/>
-            </a:pPr>
-            <a:r>
-              <a:rPr lang="ru-RU" sz="2000" dirty="0">
-                <a:latin typeface="+mj-lt"/>
-                <a:cs typeface="Times New Roman" panose="02020603050405020304" pitchFamily="18" charset="0"/>
-              </a:rPr>
-              <a:t>Работа с ветками (СУР*, переключение, слияние)</a:t>
-            </a:r>
-          </a:p>
-          <a:p>
-            <a:pPr marL="342900" indent="-342900">
-              <a:buFont typeface="Arial" panose="020B0604020202020204" pitchFamily="34" charset="0"/>
-              <a:buChar char="•"/>
-            </a:pPr>
-            <a:r>
-              <a:rPr lang="ru-RU" sz="2000" dirty="0">
-                <a:latin typeface="+mj-lt"/>
-                <a:cs typeface="Times New Roman" panose="02020603050405020304" pitchFamily="18" charset="0"/>
-              </a:rPr>
-              <a:t>Отслеживание изменений (управление отслеживаемыми файлами, коммиты, история коммитов)</a:t>
-            </a:r>
-          </a:p>
-          <a:p>
-            <a:pPr marL="342900" indent="-342900">
-              <a:buFont typeface="Arial" panose="020B0604020202020204" pitchFamily="34" charset="0"/>
-              <a:buChar char="•"/>
-            </a:pPr>
-            <a:r>
-              <a:rPr lang="ru-RU" sz="2000" dirty="0">
-                <a:latin typeface="+mj-lt"/>
-                <a:cs typeface="Times New Roman" panose="02020603050405020304" pitchFamily="18" charset="0"/>
-              </a:rPr>
-              <a:t>Совместная работа (возможность мгновенного отслеживания/внесения изменений)</a:t>
-            </a:r>
-          </a:p>
-          <a:p>
-            <a:pPr marL="342900" indent="-342900">
-              <a:buFont typeface="Arial" panose="020B0604020202020204" pitchFamily="34" charset="0"/>
-              <a:buChar char="•"/>
-            </a:pPr>
-            <a:r>
-              <a:rPr lang="ru-RU" sz="2000" dirty="0">
-                <a:latin typeface="+mj-lt"/>
-                <a:cs typeface="Times New Roman" panose="02020603050405020304" pitchFamily="18" charset="0"/>
-              </a:rPr>
-              <a:t>Разрешение конфликтов при слияниях</a:t>
-            </a:r>
-          </a:p>
-          <a:p>
-            <a:pPr marL="342900" indent="-342900">
-              <a:buFont typeface="Arial" panose="020B0604020202020204" pitchFamily="34" charset="0"/>
-              <a:buChar char="•"/>
-            </a:pPr>
-            <a:r>
-              <a:rPr lang="ru-RU" sz="2000" dirty="0">
-                <a:latin typeface="+mj-lt"/>
-                <a:cs typeface="Times New Roman" panose="02020603050405020304" pitchFamily="18" charset="0"/>
-              </a:rPr>
-              <a:t>Аутентификация и авторизация</a:t>
-            </a:r>
-          </a:p>
-          <a:p>
-            <a:pPr marL="342900" indent="-342900">
-              <a:buFont typeface="Arial" panose="020B0604020202020204" pitchFamily="34" charset="0"/>
-              <a:buChar char="•"/>
-            </a:pPr>
-            <a:r>
-              <a:rPr lang="ru-RU" sz="2000" dirty="0">
-                <a:latin typeface="+mj-lt"/>
-                <a:cs typeface="Times New Roman" panose="02020603050405020304" pitchFamily="18" charset="0"/>
-              </a:rPr>
-              <a:t>Командный и визуальный интерфейс</a:t>
-            </a:r>
-          </a:p>
-          <a:p>
-            <a:pPr marL="342900" indent="-342900">
-              <a:buFont typeface="Arial" panose="020B0604020202020204" pitchFamily="34" charset="0"/>
-              <a:buChar char="•"/>
-            </a:pPr>
-            <a:r>
-              <a:rPr lang="ru-RU" sz="2000" dirty="0">
-                <a:latin typeface="+mj-lt"/>
-                <a:cs typeface="Times New Roman" panose="02020603050405020304" pitchFamily="18" charset="0"/>
-              </a:rPr>
-              <a:t>Сервер для </a:t>
-            </a:r>
-            <a:r>
-              <a:rPr lang="en-US" sz="2000" dirty="0">
-                <a:latin typeface="+mj-lt"/>
-                <a:cs typeface="Times New Roman" panose="02020603050405020304" pitchFamily="18" charset="0"/>
-              </a:rPr>
-              <a:t>VCS (</a:t>
-            </a:r>
-            <a:r>
-              <a:rPr lang="ru-RU" sz="2000" dirty="0">
-                <a:latin typeface="+mj-lt"/>
-                <a:cs typeface="Times New Roman" panose="02020603050405020304" pitchFamily="18" charset="0"/>
-              </a:rPr>
-              <a:t>аналог </a:t>
-            </a:r>
-            <a:r>
-              <a:rPr lang="en-US" sz="2000" dirty="0">
-                <a:latin typeface="+mj-lt"/>
-                <a:cs typeface="Times New Roman" panose="02020603050405020304" pitchFamily="18" charset="0"/>
-              </a:rPr>
-              <a:t>GitHub)</a:t>
-            </a:r>
-            <a:endParaRPr lang="ru-RU" sz="2000" dirty="0">
-              <a:latin typeface="+mj-lt"/>
-              <a:cs typeface="Times New Roman" panose="02020603050405020304" pitchFamily="18" charset="0"/>
-            </a:endParaRPr>
-          </a:p>
-        </p:txBody>
-      </p:sp>
-      <p:sp>
-        <p:nvSpPr>
-          <p:cNvPr id="2" name="TextBox 1">
+        </p:txBody>
+      </p:sp>
+      <p:pic>
+        <p:nvPicPr>
+          <p:cNvPr id="8" name="Picture 4" descr="Файл:Python logo and wordmark.svg — Википедия"/>
+          <p:cNvPicPr>
+            <a:picLocks noChangeAspect="1" noChangeArrowheads="1"/>
+          </p:cNvPicPr>
+          <p:nvPr/>
+        </p:nvPicPr>
+        <p:blipFill>
+          <a:blip r:embed="rId4" cstate="print">
             <a:extLst>
-              <a:ext uri="{FF2B5EF4-FFF2-40B4-BE49-F238E27FC236}">
-                <a16:creationId xmlns:a16="http://schemas.microsoft.com/office/drawing/2014/main" id="{407B855E-5D45-6A0F-4C0A-F355D7A923E6}"/>
+              <a:ext uri="{28A0092B-C50C-407E-A947-70E740481C1C}">
+                <a14:useLocalDpi xmlns:a14="http://schemas.microsoft.com/office/drawing/2010/main" val="0"/>
               </a:ext>
             </a:extLst>
-          </p:cNvPr>
-          <p:cNvSpPr txBox="1"/>
-          <p:nvPr/>
-        </p:nvSpPr>
-        <p:spPr>
+          </a:blip>
+          <a:srcRect/>
+          <a:stretch>
+            <a:fillRect/>
+          </a:stretch>
+        </p:blipFill>
+        <p:spPr bwMode="auto">
           <a:xfrm>
-            <a:off x="3969657" y="4651828"/>
-            <a:ext cx="4608286" cy="307777"/>
+            <a:off x="3102177" y="2363358"/>
+            <a:ext cx="3623457" cy="1074299"/>
           </a:xfrm>
           <a:prstGeom prst="rect">
             <a:avLst/>
           </a:prstGeom>
           <a:noFill/>
+          <a:extLst>
+            <a:ext uri="{909E8E84-426E-40DD-AFC4-6F175D3DCCD1}">
+              <a14:hiddenFill xmlns:a14="http://schemas.microsoft.com/office/drawing/2010/main">
+                <a:solidFill>
+                  <a:srgbClr val="FFFFFF"/>
+                </a:solidFill>
+              </a14:hiddenFill>
+            </a:ext>
+          </a:extLst>
         </p:spPr>
-        <p:txBody>
-          <a:bodyPr wrap="square" rtlCol="0">
-            <a:spAutoFit/>
-          </a:bodyPr>
-          <a:lstStyle/>
-          <a:p>
-            <a:pPr algn="r"/>
-            <a:r>
-              <a:rPr lang="ru-RU" sz="1400" dirty="0">
-                <a:latin typeface="+mj-lt"/>
-                <a:cs typeface="Times New Roman" panose="02020603050405020304" pitchFamily="18" charset="0"/>
-              </a:rPr>
-              <a:t>СУР* - создание, удаление, редактирование</a:t>
-            </a:r>
-            <a:endParaRPr lang="ru-RU" sz="1400" dirty="0"/>
-          </a:p>
-        </p:txBody>
-      </p:sp>
+      </p:pic>
+      <p:pic>
+        <p:nvPicPr>
+          <p:cNvPr id="9" name="Picture 6">
+            <a:extLst>
+              <a:ext uri="{FF2B5EF4-FFF2-40B4-BE49-F238E27FC236}">
+                <a16:creationId xmlns:a16="http://schemas.microsoft.com/office/drawing/2014/main" id="{9B7F5165-34E3-E2D9-2601-545D581470FF}"/>
+              </a:ext>
+            </a:extLst>
+          </p:cNvPr>
+          <p:cNvPicPr>
+            <a:picLocks noChangeAspect="1" noChangeArrowheads="1"/>
+          </p:cNvPicPr>
+          <p:nvPr/>
+        </p:nvPicPr>
+        <p:blipFill>
+          <a:blip r:embed="rId5" cstate="print">
+            <a:extLst>
+              <a:ext uri="{28A0092B-C50C-407E-A947-70E740481C1C}">
+                <a14:useLocalDpi xmlns:a14="http://schemas.microsoft.com/office/drawing/2010/main" val="0"/>
+              </a:ext>
+            </a:extLst>
+          </a:blip>
+          <a:srcRect/>
+          <a:stretch>
+            <a:fillRect/>
+          </a:stretch>
+        </p:blipFill>
+        <p:spPr bwMode="auto">
+          <a:xfrm>
+            <a:off x="1093526" y="3172492"/>
+            <a:ext cx="1742709" cy="1742709"/>
+          </a:xfrm>
+          <a:prstGeom prst="rect">
+            <a:avLst/>
+          </a:prstGeom>
+          <a:noFill/>
+          <a:extLst>
+            <a:ext uri="{909E8E84-426E-40DD-AFC4-6F175D3DCCD1}">
+              <a14:hiddenFill xmlns:a14="http://schemas.microsoft.com/office/drawing/2010/main">
+                <a:solidFill>
+                  <a:srgbClr val="FFFFFF"/>
+                </a:solidFill>
+              </a14:hiddenFill>
+            </a:ext>
+          </a:extLst>
+        </p:spPr>
+      </p:pic>
+      <p:pic>
+        <p:nvPicPr>
+          <p:cNvPr id="10" name="Picture 2" descr="Руководство по SQLite: настраиваем и учимся работать"/>
+          <p:cNvPicPr>
+            <a:picLocks noChangeAspect="1" noChangeArrowheads="1"/>
+          </p:cNvPicPr>
+          <p:nvPr/>
+        </p:nvPicPr>
+        <p:blipFill>
+          <a:blip r:embed="rId6" cstate="print">
+            <a:extLst>
+              <a:ext uri="{28A0092B-C50C-407E-A947-70E740481C1C}">
+                <a14:useLocalDpi xmlns:a14="http://schemas.microsoft.com/office/drawing/2010/main" val="0"/>
+              </a:ext>
+            </a:extLst>
+          </a:blip>
+          <a:srcRect/>
+          <a:stretch>
+            <a:fillRect/>
+          </a:stretch>
+        </p:blipFill>
+        <p:spPr bwMode="auto">
+          <a:xfrm>
+            <a:off x="899902" y="1133229"/>
+            <a:ext cx="2347396" cy="1113057"/>
+          </a:xfrm>
+          <a:prstGeom prst="rect">
+            <a:avLst/>
+          </a:prstGeom>
+          <a:noFill/>
+          <a:effectLst>
+            <a:glow rad="25400">
+              <a:schemeClr val="bg1">
+                <a:lumMod val="25000"/>
+                <a:lumOff val="75000"/>
+              </a:schemeClr>
+            </a:glow>
+          </a:effectLst>
+          <a:extLst>
+            <a:ext uri="{909E8E84-426E-40DD-AFC4-6F175D3DCCD1}">
+              <a14:hiddenFill xmlns:a14="http://schemas.microsoft.com/office/drawing/2010/main">
+                <a:solidFill>
+                  <a:srgbClr val="FFFFFF"/>
+                </a:solidFill>
+              </a14:hiddenFill>
+            </a:ext>
+          </a:extLst>
+        </p:spPr>
+      </p:pic>
+      <p:pic>
+        <p:nvPicPr>
+          <p:cNvPr id="11" name="Picture 8" descr="Bootstrap (фреймворк) — Википедия"/>
+          <p:cNvPicPr>
+            <a:picLocks noChangeAspect="1" noChangeArrowheads="1"/>
+          </p:cNvPicPr>
+          <p:nvPr/>
+        </p:nvPicPr>
+        <p:blipFill>
+          <a:blip r:embed="rId7" cstate="print">
+            <a:extLst>
+              <a:ext uri="{28A0092B-C50C-407E-A947-70E740481C1C}">
+                <a14:useLocalDpi xmlns:a14="http://schemas.microsoft.com/office/drawing/2010/main" val="0"/>
+              </a:ext>
+            </a:extLst>
+          </a:blip>
+          <a:srcRect/>
+          <a:stretch>
+            <a:fillRect/>
+          </a:stretch>
+        </p:blipFill>
+        <p:spPr bwMode="auto">
+          <a:xfrm>
+            <a:off x="7335255" y="2366017"/>
+            <a:ext cx="1117051" cy="890150"/>
+          </a:xfrm>
+          <a:prstGeom prst="rect">
+            <a:avLst/>
+          </a:prstGeom>
+          <a:noFill/>
+          <a:extLst>
+            <a:ext uri="{909E8E84-426E-40DD-AFC4-6F175D3DCCD1}">
+              <a14:hiddenFill xmlns:a14="http://schemas.microsoft.com/office/drawing/2010/main">
+                <a:solidFill>
+                  <a:srgbClr val="FFFFFF"/>
+                </a:solidFill>
+              </a14:hiddenFill>
+            </a:ext>
+          </a:extLst>
+        </p:spPr>
+      </p:pic>
+      <p:pic>
+        <p:nvPicPr>
+          <p:cNvPr id="12" name="Picture 12" descr="Dropzone JS Logo PNG Transparent &amp; SVG Vector - Freebie Supply"/>
+          <p:cNvPicPr>
+            <a:picLocks noChangeAspect="1" noChangeArrowheads="1"/>
+          </p:cNvPicPr>
+          <p:nvPr/>
+        </p:nvPicPr>
+        <p:blipFill rotWithShape="1">
+          <a:blip r:embed="rId8">
+            <a:extLst>
+              <a:ext uri="{28A0092B-C50C-407E-A947-70E740481C1C}">
+                <a14:useLocalDpi xmlns:a14="http://schemas.microsoft.com/office/drawing/2010/main" val="0"/>
+              </a:ext>
+            </a:extLst>
+          </a:blip>
+          <a:srcRect l="8791" t="34248" r="4187" b="30498"/>
+          <a:stretch/>
+        </p:blipFill>
+        <p:spPr bwMode="auto">
+          <a:xfrm>
+            <a:off x="4686023" y="1054624"/>
+            <a:ext cx="3124573" cy="949354"/>
+          </a:xfrm>
+          <a:prstGeom prst="rect">
+            <a:avLst/>
+          </a:prstGeom>
+          <a:noFill/>
+          <a:extLst>
+            <a:ext uri="{909E8E84-426E-40DD-AFC4-6F175D3DCCD1}">
+              <a14:hiddenFill xmlns:a14="http://schemas.microsoft.com/office/drawing/2010/main">
+                <a:solidFill>
+                  <a:srgbClr val="FFFFFF"/>
+                </a:solidFill>
+              </a14:hiddenFill>
+            </a:ext>
+          </a:extLst>
+        </p:spPr>
+      </p:pic>
+      <p:pic>
+        <p:nvPicPr>
+          <p:cNvPr id="13" name="Picture 8" descr="File:Postman (software).png - Wikimedia Commons"/>
+          <p:cNvPicPr>
+            <a:picLocks noChangeAspect="1" noChangeArrowheads="1"/>
+          </p:cNvPicPr>
+          <p:nvPr/>
+        </p:nvPicPr>
+        <p:blipFill>
+          <a:blip r:embed="rId9" cstate="print">
+            <a:extLst>
+              <a:ext uri="{28A0092B-C50C-407E-A947-70E740481C1C}">
+                <a14:useLocalDpi xmlns:a14="http://schemas.microsoft.com/office/drawing/2010/main" val="0"/>
+              </a:ext>
+            </a:extLst>
+          </a:blip>
+          <a:srcRect/>
+          <a:stretch>
+            <a:fillRect/>
+          </a:stretch>
+        </p:blipFill>
+        <p:spPr bwMode="auto">
+          <a:xfrm>
+            <a:off x="3528141" y="3797037"/>
+            <a:ext cx="2456143" cy="745415"/>
+          </a:xfrm>
+          <a:prstGeom prst="rect">
+            <a:avLst/>
+          </a:prstGeom>
+          <a:noFill/>
+          <a:extLst>
+            <a:ext uri="{909E8E84-426E-40DD-AFC4-6F175D3DCCD1}">
+              <a14:hiddenFill xmlns:a14="http://schemas.microsoft.com/office/drawing/2010/main">
+                <a:solidFill>
+                  <a:srgbClr val="FFFFFF"/>
+                </a:solidFill>
+              </a14:hiddenFill>
+            </a:ext>
+          </a:extLst>
+        </p:spPr>
+      </p:pic>
+      <p:pic>
+        <p:nvPicPr>
+          <p:cNvPr id="14" name="Picture 6" descr="File:Stripe Logo, revised 2016.svg - Wikimedia Commons"/>
+          <p:cNvPicPr>
+            <a:picLocks noChangeAspect="1" noChangeArrowheads="1"/>
+          </p:cNvPicPr>
+          <p:nvPr/>
+        </p:nvPicPr>
+        <p:blipFill>
+          <a:blip r:embed="rId10" cstate="print">
+            <a:extLst>
+              <a:ext uri="{28A0092B-C50C-407E-A947-70E740481C1C}">
+                <a14:useLocalDpi xmlns:a14="http://schemas.microsoft.com/office/drawing/2010/main" val="0"/>
+              </a:ext>
+            </a:extLst>
+          </a:blip>
+          <a:srcRect/>
+          <a:stretch>
+            <a:fillRect/>
+          </a:stretch>
+        </p:blipFill>
+        <p:spPr bwMode="auto">
+          <a:xfrm>
+            <a:off x="6650652" y="3683851"/>
+            <a:ext cx="1801654" cy="858601"/>
+          </a:xfrm>
+          <a:prstGeom prst="rect">
+            <a:avLst/>
+          </a:prstGeom>
+          <a:noFill/>
+          <a:extLst>
+            <a:ext uri="{909E8E84-426E-40DD-AFC4-6F175D3DCCD1}">
+              <a14:hiddenFill xmlns:a14="http://schemas.microsoft.com/office/drawing/2010/main">
+                <a:solidFill>
+                  <a:srgbClr val="FFFFFF"/>
+                </a:solidFill>
+              </a14:hiddenFill>
+            </a:ext>
+          </a:extLst>
+        </p:spPr>
+      </p:pic>
     </p:spTree>
     <p:extLst>
       <p:ext uri="{BB962C8B-B14F-4D97-AF65-F5344CB8AC3E}">
-        <p14:creationId xmlns:p14="http://schemas.microsoft.com/office/powerpoint/2010/main" val="3262556376"/>
+        <p14:creationId xmlns:p14="http://schemas.microsoft.com/office/powerpoint/2010/main" val="848122263"/>
       </p:ext>
     </p:extLst>
   </p:cSld>
@@ -9758,54 +13535,85 @@
           </a:extLst>
         </p:spPr>
       </p:pic>
-      <p:sp>
-        <p:nvSpPr>
-          <p:cNvPr id="37" name="Прямоугольник 36"/>
-          <p:cNvSpPr/>
+      <p:pic>
+        <p:nvPicPr>
+          <p:cNvPr id="3" name="Рисунок 2"/>
+          <p:cNvPicPr>
+            <a:picLocks noChangeAspect="1"/>
+          </p:cNvPicPr>
           <p:nvPr/>
-        </p:nvSpPr>
+        </p:nvPicPr>
+        <p:blipFill>
+          <a:blip r:embed="rId4">
+            <a:extLst>
+              <a:ext uri="{28A0092B-C50C-407E-A947-70E740481C1C}">
+                <a14:useLocalDpi xmlns:a14="http://schemas.microsoft.com/office/drawing/2010/main" val="0"/>
+              </a:ext>
+            </a:extLst>
+          </a:blip>
+          <a:stretch>
+            <a:fillRect/>
+          </a:stretch>
+        </p:blipFill>
         <p:spPr>
           <a:xfrm>
-            <a:off x="1636585" y="87534"/>
-            <a:ext cx="6552727" cy="769441"/>
+            <a:off x="1125410" y="532120"/>
+            <a:ext cx="7927149" cy="4432065"/>
           </a:xfrm>
           <a:prstGeom prst="rect">
             <a:avLst/>
           </a:prstGeom>
         </p:spPr>
-        <p:txBody>
-          <a:bodyPr wrap="square">
-            <a:spAutoFit/>
+      </p:pic>
+      <p:sp>
+        <p:nvSpPr>
+          <p:cNvPr id="17" name="Google Shape;424;p27"/>
+          <p:cNvSpPr txBox="1">
+            <a:spLocks noGrp="1"/>
+          </p:cNvSpPr>
+          <p:nvPr>
+            <p:ph type="title"/>
+          </p:nvPr>
+        </p:nvSpPr>
+        <p:spPr>
+          <a:xfrm>
+            <a:off x="827584" y="-22958"/>
+            <a:ext cx="3096609" cy="760983"/>
+          </a:xfrm>
+          <a:prstGeom prst="rect">
+            <a:avLst/>
+          </a:prstGeom>
+        </p:spPr>
+        <p:txBody>
+          <a:bodyPr spcFirstLastPara="1" vert="horz" wrap="square" lIns="91425" tIns="91425" rIns="91425" bIns="91425" rtlCol="0" anchor="t" anchorCtr="0">
+            <a:noAutofit/>
           </a:bodyPr>
           <a:lstStyle/>
           <a:p>
-            <a:pPr algn="ctr"/>
-            <a:r>
-              <a:rPr lang="ru-RU" sz="4400" dirty="0">
-                <a:latin typeface="+mj-lt"/>
-                <a:cs typeface="Times New Roman" panose="02020603050405020304" pitchFamily="18" charset="0"/>
-              </a:rPr>
-              <a:t>Техническое задание</a:t>
-            </a:r>
-          </a:p>
-        </p:txBody>
-      </p:sp>
-      <p:sp>
-        <p:nvSpPr>
-          <p:cNvPr id="8" name="TextBox 7">
-            <a:extLst>
-              <a:ext uri="{FF2B5EF4-FFF2-40B4-BE49-F238E27FC236}">
-                <a16:creationId xmlns:a16="http://schemas.microsoft.com/office/drawing/2014/main" id="{69CA5030-4EA1-A4AF-26BF-FE57750688F0}"/>
-              </a:ext>
-            </a:extLst>
-          </p:cNvPr>
+            <a:r>
+              <a:rPr lang="ru-RU" sz="4000" dirty="0"/>
+              <a:t>Архитектура</a:t>
+            </a:r>
+            <a:br>
+              <a:rPr lang="ru-RU" sz="4000" dirty="0"/>
+            </a:br>
+            <a:r>
+              <a:rPr lang="ru-RU" sz="4000" dirty="0"/>
+              <a:t>приложения</a:t>
+            </a:r>
+          </a:p>
+        </p:txBody>
+      </p:sp>
+      <p:sp>
+        <p:nvSpPr>
+          <p:cNvPr id="7" name="TextBox 6"/>
           <p:cNvSpPr txBox="1"/>
           <p:nvPr/>
         </p:nvSpPr>
         <p:spPr>
           <a:xfrm>
-            <a:off x="1054677" y="969374"/>
-            <a:ext cx="7523266" cy="2246769"/>
+            <a:off x="8276704" y="4628554"/>
+            <a:ext cx="775855" cy="400110"/>
           </a:xfrm>
           <a:prstGeom prst="rect">
             <a:avLst/>
@@ -9818,102 +13626,27 @@
           </a:bodyPr>
           <a:lstStyle/>
           <a:p>
-            <a:r>
-              <a:rPr lang="ru-RU" sz="2000" b="1" dirty="0">
-                <a:latin typeface="+mj-lt"/>
-                <a:cs typeface="Times New Roman" panose="02020603050405020304" pitchFamily="18" charset="0"/>
+            <a:pPr algn="ctr"/>
+            <a:fld id="{91326118-483B-4565-A65B-2DA6A95B8275}" type="slidenum">
+              <a:rPr lang="ru-RU" sz="2000" smtClean="0">
+                <a:latin typeface="Roboto" panose="020B0604020202020204" charset="0"/>
+                <a:ea typeface="Roboto" panose="020B0604020202020204" charset="0"/>
+                <a:cs typeface="Roboto" panose="020B0604020202020204" charset="0"/>
               </a:rPr>
-              <a:t>Нефункциональные требования:</a:t>
-            </a:r>
-            <a:endParaRPr lang="en-US" sz="2000" b="1" dirty="0">
-              <a:latin typeface="+mj-lt"/>
-              <a:cs typeface="Times New Roman" panose="02020603050405020304" pitchFamily="18" charset="0"/>
+              <a:t>8</a:t>
+            </a:fld>
+            <a:endParaRPr lang="ru-RU" sz="2000" dirty="0">
+              <a:latin typeface="Roboto" panose="020B0604020202020204" charset="0"/>
+              <a:ea typeface="Roboto" panose="020B0604020202020204" charset="0"/>
+              <a:cs typeface="Roboto" panose="020B0604020202020204" charset="0"/>
             </a:endParaRPr>
-          </a:p>
-          <a:p>
-            <a:pPr marL="342900" indent="-342900">
-              <a:buFont typeface="Arial" panose="020B0604020202020204" pitchFamily="34" charset="0"/>
-              <a:buChar char="•"/>
-            </a:pPr>
-            <a:r>
-              <a:rPr lang="ru-RU" sz="2000" dirty="0">
-                <a:latin typeface="+mj-lt"/>
-                <a:cs typeface="Times New Roman" panose="02020603050405020304" pitchFamily="18" charset="0"/>
-              </a:rPr>
-              <a:t>Удобство использования</a:t>
-            </a:r>
-          </a:p>
-          <a:p>
-            <a:pPr marL="342900" indent="-342900">
-              <a:buFont typeface="Arial" panose="020B0604020202020204" pitchFamily="34" charset="0"/>
-              <a:buChar char="•"/>
-            </a:pPr>
-            <a:r>
-              <a:rPr lang="ru-RU" sz="2000" dirty="0">
-                <a:latin typeface="+mj-lt"/>
-                <a:cs typeface="Times New Roman" panose="02020603050405020304" pitchFamily="18" charset="0"/>
-              </a:rPr>
-              <a:t>Надежность и безопасность</a:t>
-            </a:r>
-          </a:p>
-          <a:p>
-            <a:pPr marL="342900" indent="-342900">
-              <a:buFont typeface="Arial" panose="020B0604020202020204" pitchFamily="34" charset="0"/>
-              <a:buChar char="•"/>
-            </a:pPr>
-            <a:r>
-              <a:rPr lang="ru-RU" sz="2000" dirty="0">
-                <a:latin typeface="+mj-lt"/>
-                <a:cs typeface="Times New Roman" panose="02020603050405020304" pitchFamily="18" charset="0"/>
-              </a:rPr>
-              <a:t>Скорость работы</a:t>
-            </a:r>
-          </a:p>
-          <a:p>
-            <a:pPr marL="342900" indent="-342900">
-              <a:buFont typeface="Arial" panose="020B0604020202020204" pitchFamily="34" charset="0"/>
-              <a:buChar char="•"/>
-            </a:pPr>
-            <a:r>
-              <a:rPr lang="ru-RU" sz="2000" dirty="0">
-                <a:latin typeface="+mj-lt"/>
-                <a:cs typeface="Times New Roman" panose="02020603050405020304" pitchFamily="18" charset="0"/>
-              </a:rPr>
-              <a:t>Минимальные системные требования</a:t>
-            </a:r>
-          </a:p>
-          <a:p>
-            <a:pPr marL="342900" indent="-342900">
-              <a:buFont typeface="Arial" panose="020B0604020202020204" pitchFamily="34" charset="0"/>
-              <a:buChar char="•"/>
-            </a:pPr>
-            <a:r>
-              <a:rPr lang="ru-RU" sz="2000" dirty="0">
-                <a:latin typeface="+mj-lt"/>
-                <a:cs typeface="Times New Roman" panose="02020603050405020304" pitchFamily="18" charset="0"/>
-              </a:rPr>
-              <a:t>Документация</a:t>
-            </a:r>
-          </a:p>
-          <a:p>
-            <a:pPr marL="342900" indent="-342900">
-              <a:buFont typeface="Arial" panose="020B0604020202020204" pitchFamily="34" charset="0"/>
-              <a:buChar char="•"/>
-            </a:pPr>
-            <a:r>
-              <a:rPr lang="ru-RU" sz="2000" dirty="0">
-                <a:latin typeface="+mj-lt"/>
-                <a:cs typeface="Times New Roman" panose="02020603050405020304" pitchFamily="18" charset="0"/>
-              </a:rPr>
-              <a:t>Поддержка кроссплатформенности</a:t>
-            </a:r>
           </a:p>
         </p:txBody>
       </p:sp>
     </p:spTree>
     <p:extLst>
       <p:ext uri="{BB962C8B-B14F-4D97-AF65-F5344CB8AC3E}">
-        <p14:creationId xmlns:p14="http://schemas.microsoft.com/office/powerpoint/2010/main" val="843576930"/>
+        <p14:creationId xmlns:p14="http://schemas.microsoft.com/office/powerpoint/2010/main" val="3582336480"/>
       </p:ext>
     </p:extLst>
   </p:cSld>
@@ -10050,92 +13783,81 @@
       </p:pic>
       <p:sp>
         <p:nvSpPr>
-          <p:cNvPr id="37" name="Прямоугольник 36"/>
-          <p:cNvSpPr/>
-          <p:nvPr/>
+          <p:cNvPr id="17" name="Google Shape;424;p27"/>
+          <p:cNvSpPr txBox="1">
+            <a:spLocks noGrp="1"/>
+          </p:cNvSpPr>
+          <p:nvPr>
+            <p:ph type="title"/>
+          </p:nvPr>
         </p:nvSpPr>
         <p:spPr>
           <a:xfrm>
-            <a:off x="1485588" y="181263"/>
-            <a:ext cx="6552727" cy="769441"/>
+            <a:off x="964851" y="87534"/>
+            <a:ext cx="7582725" cy="760983"/>
           </a:xfrm>
           <a:prstGeom prst="rect">
             <a:avLst/>
           </a:prstGeom>
         </p:spPr>
         <p:txBody>
-          <a:bodyPr wrap="square">
-            <a:spAutoFit/>
+          <a:bodyPr spcFirstLastPara="1" vert="horz" wrap="square" lIns="91425" tIns="91425" rIns="91425" bIns="91425" rtlCol="0" anchor="t" anchorCtr="0">
+            <a:noAutofit/>
           </a:bodyPr>
           <a:lstStyle/>
           <a:p>
-            <a:pPr algn="ctr"/>
-            <a:r>
-              <a:rPr lang="ru-RU" sz="4400" dirty="0">
-                <a:latin typeface="+mj-lt"/>
-                <a:cs typeface="Times New Roman" panose="02020603050405020304" pitchFamily="18" charset="0"/>
-              </a:rPr>
-              <a:t>Инструменты разработки</a:t>
-            </a:r>
-          </a:p>
-        </p:txBody>
-      </p:sp>
-      <p:sp>
-        <p:nvSpPr>
-          <p:cNvPr id="9" name="AutoShape 6" descr="Firebase expands to become a unified app platform — Google for Developers  Blog - News about Web, Mobile, AI and Cloud">
-            <a:extLst>
-              <a:ext uri="{FF2B5EF4-FFF2-40B4-BE49-F238E27FC236}">
-                <a16:creationId xmlns:a16="http://schemas.microsoft.com/office/drawing/2014/main" id="{85A993F8-4EB3-0E83-AC44-2E754F08394A}"/>
-              </a:ext>
-            </a:extLst>
-          </p:cNvPr>
-          <p:cNvSpPr>
-            <a:spLocks noChangeAspect="1" noChangeArrowheads="1"/>
-          </p:cNvSpPr>
+            <a:r>
+              <a:rPr lang="ru-RU" sz="4000" dirty="0"/>
+              <a:t>Принцип хранения данных</a:t>
+            </a:r>
+            <a:endParaRPr sz="6000" dirty="0"/>
+          </a:p>
+        </p:txBody>
+      </p:sp>
+      <p:sp>
+        <p:nvSpPr>
+          <p:cNvPr id="7" name="TextBox 6"/>
+          <p:cNvSpPr txBox="1"/>
           <p:nvPr/>
         </p:nvSpPr>
-        <p:spPr bwMode="auto">
+        <p:spPr>
           <a:xfrm>
-            <a:off x="4419600" y="2419350"/>
-            <a:ext cx="304800" cy="304800"/>
+            <a:off x="8276704" y="4628554"/>
+            <a:ext cx="775855" cy="400110"/>
           </a:xfrm>
           <a:prstGeom prst="rect">
             <a:avLst/>
           </a:prstGeom>
           <a:noFill/>
-          <a:extLst>
-            <a:ext uri="{909E8E84-426E-40DD-AFC4-6F175D3DCCD1}">
-              <a14:hiddenFill xmlns:a14="http://schemas.microsoft.com/office/drawing/2010/main">
-                <a:solidFill>
-                  <a:srgbClr val="FFFFFF"/>
-                </a:solidFill>
-              </a14:hiddenFill>
-            </a:ext>
-          </a:extLst>
         </p:spPr>
         <p:txBody>
-          <a:bodyPr vert="horz" wrap="square" lIns="91440" tIns="45720" rIns="91440" bIns="45720" numCol="1" anchor="t" anchorCtr="0" compatLnSpc="1">
-            <a:prstTxWarp prst="textNoShape">
-              <a:avLst/>
-            </a:prstTxWarp>
+          <a:bodyPr wrap="square" rtlCol="0">
+            <a:spAutoFit/>
           </a:bodyPr>
           <a:lstStyle/>
           <a:p>
-            <a:endParaRPr lang="ru-RU"/>
+            <a:pPr algn="ctr"/>
+            <a:fld id="{91326118-483B-4565-A65B-2DA6A95B8275}" type="slidenum">
+              <a:rPr lang="ru-RU" sz="2000" smtClean="0">
+                <a:latin typeface="Roboto" panose="020B0604020202020204" charset="0"/>
+                <a:ea typeface="Roboto" panose="020B0604020202020204" charset="0"/>
+                <a:cs typeface="Roboto" panose="020B0604020202020204" charset="0"/>
+              </a:rPr>
+              <a:t>9</a:t>
+            </a:fld>
+            <a:endParaRPr lang="ru-RU" sz="2000" dirty="0">
+              <a:latin typeface="Roboto" panose="020B0604020202020204" charset="0"/>
+              <a:ea typeface="Roboto" panose="020B0604020202020204" charset="0"/>
+              <a:cs typeface="Roboto" panose="020B0604020202020204" charset="0"/>
+            </a:endParaRPr>
           </a:p>
         </p:txBody>
       </p:sp>
       <p:pic>
         <p:nvPicPr>
-          <p:cNvPr id="3074" name="Picture 2" descr="Python Logo, symbol, meaning, history, PNG, brand">
-            <a:extLst>
-              <a:ext uri="{FF2B5EF4-FFF2-40B4-BE49-F238E27FC236}">
-                <a16:creationId xmlns:a16="http://schemas.microsoft.com/office/drawing/2014/main" id="{73BA258F-BA39-E774-0D41-AA15D6CA8E43}"/>
-              </a:ext>
-            </a:extLst>
-          </p:cNvPr>
+          <p:cNvPr id="8" name="Рисунок 7"/>
           <p:cNvPicPr>
-            <a:picLocks noChangeAspect="1" noChangeArrowheads="1"/>
+            <a:picLocks noChangeAspect="1"/>
           </p:cNvPicPr>
           <p:nvPr/>
         </p:nvPicPr>
@@ -10147,411 +13869,24 @@
               </a:ext>
             </a:extLst>
           </a:blip>
-          <a:srcRect/>
           <a:stretch>
             <a:fillRect/>
           </a:stretch>
         </p:blipFill>
-        <p:spPr bwMode="auto">
+        <p:spPr>
           <a:xfrm>
-            <a:off x="3450606" y="2228524"/>
-            <a:ext cx="2502743" cy="1401536"/>
+            <a:off x="972471" y="1133656"/>
+            <a:ext cx="7950549" cy="3414947"/>
           </a:xfrm>
           <a:prstGeom prst="rect">
             <a:avLst/>
           </a:prstGeom>
-          <a:noFill/>
-          <a:extLst>
-            <a:ext uri="{909E8E84-426E-40DD-AFC4-6F175D3DCCD1}">
-              <a14:hiddenFill xmlns:a14="http://schemas.microsoft.com/office/drawing/2010/main">
-                <a:solidFill>
-                  <a:srgbClr val="FFFFFF"/>
-                </a:solidFill>
-              </a14:hiddenFill>
-            </a:ext>
-          </a:extLst>
-        </p:spPr>
-      </p:pic>
-      <p:pic>
-        <p:nvPicPr>
-          <p:cNvPr id="3076" name="Picture 4" descr="libgit2">
-            <a:extLst>
-              <a:ext uri="{FF2B5EF4-FFF2-40B4-BE49-F238E27FC236}">
-                <a16:creationId xmlns:a16="http://schemas.microsoft.com/office/drawing/2014/main" id="{6CC7A1F6-0325-5C9C-9C55-BD6F2562FA91}"/>
-              </a:ext>
-            </a:extLst>
-          </p:cNvPr>
-          <p:cNvPicPr>
-            <a:picLocks noChangeAspect="1" noChangeArrowheads="1"/>
-          </p:cNvPicPr>
-          <p:nvPr/>
-        </p:nvPicPr>
-        <p:blipFill>
-          <a:blip r:embed="rId5">
-            <a:extLst>
-              <a:ext uri="{28A0092B-C50C-407E-A947-70E740481C1C}">
-                <a14:useLocalDpi xmlns:a14="http://schemas.microsoft.com/office/drawing/2010/main" val="0"/>
-              </a:ext>
-            </a:extLst>
-          </a:blip>
-          <a:srcRect/>
-          <a:stretch>
-            <a:fillRect/>
-          </a:stretch>
-        </p:blipFill>
-        <p:spPr bwMode="auto">
-          <a:xfrm>
-            <a:off x="3436059" y="1148545"/>
-            <a:ext cx="2874920" cy="705371"/>
-          </a:xfrm>
-          <a:prstGeom prst="rect">
-            <a:avLst/>
-          </a:prstGeom>
-          <a:noFill/>
-          <a:extLst>
-            <a:ext uri="{909E8E84-426E-40DD-AFC4-6F175D3DCCD1}">
-              <a14:hiddenFill xmlns:a14="http://schemas.microsoft.com/office/drawing/2010/main">
-                <a:solidFill>
-                  <a:srgbClr val="FFFFFF"/>
-                </a:solidFill>
-              </a14:hiddenFill>
-            </a:ext>
-          </a:extLst>
-        </p:spPr>
-      </p:pic>
-      <p:pic>
-        <p:nvPicPr>
-          <p:cNvPr id="3078" name="Picture 6">
-            <a:extLst>
-              <a:ext uri="{FF2B5EF4-FFF2-40B4-BE49-F238E27FC236}">
-                <a16:creationId xmlns:a16="http://schemas.microsoft.com/office/drawing/2014/main" id="{9B7F5165-34E3-E2D9-2601-545D581470FF}"/>
-              </a:ext>
-            </a:extLst>
-          </p:cNvPr>
-          <p:cNvPicPr>
-            <a:picLocks noChangeAspect="1" noChangeArrowheads="1"/>
-          </p:cNvPicPr>
-          <p:nvPr/>
-        </p:nvPicPr>
-        <p:blipFill>
-          <a:blip r:embed="rId6" cstate="print">
-            <a:extLst>
-              <a:ext uri="{28A0092B-C50C-407E-A947-70E740481C1C}">
-                <a14:useLocalDpi xmlns:a14="http://schemas.microsoft.com/office/drawing/2010/main" val="0"/>
-              </a:ext>
-            </a:extLst>
-          </a:blip>
-          <a:srcRect/>
-          <a:stretch>
-            <a:fillRect/>
-          </a:stretch>
-        </p:blipFill>
-        <p:spPr bwMode="auto">
-          <a:xfrm>
-            <a:off x="4873519" y="3487626"/>
-            <a:ext cx="1674586" cy="1674586"/>
-          </a:xfrm>
-          <a:prstGeom prst="rect">
-            <a:avLst/>
-          </a:prstGeom>
-          <a:noFill/>
-          <a:extLst>
-            <a:ext uri="{909E8E84-426E-40DD-AFC4-6F175D3DCCD1}">
-              <a14:hiddenFill xmlns:a14="http://schemas.microsoft.com/office/drawing/2010/main">
-                <a:solidFill>
-                  <a:srgbClr val="FFFFFF"/>
-                </a:solidFill>
-              </a14:hiddenFill>
-            </a:ext>
-          </a:extLst>
-        </p:spPr>
-      </p:pic>
-      <p:pic>
-        <p:nvPicPr>
-          <p:cNvPr id="3082" name="Picture 10" descr="Django logo and symbol, meaning, history, PNG">
-            <a:extLst>
-              <a:ext uri="{FF2B5EF4-FFF2-40B4-BE49-F238E27FC236}">
-                <a16:creationId xmlns:a16="http://schemas.microsoft.com/office/drawing/2014/main" id="{DC315CB1-53B7-12F3-7E0D-5BA7DFC00210}"/>
-              </a:ext>
-            </a:extLst>
-          </p:cNvPr>
-          <p:cNvPicPr>
-            <a:picLocks noChangeAspect="1" noChangeArrowheads="1"/>
-          </p:cNvPicPr>
-          <p:nvPr/>
-        </p:nvPicPr>
-        <p:blipFill>
-          <a:blip r:embed="rId7" cstate="print">
-            <a:extLst>
-              <a:ext uri="{28A0092B-C50C-407E-A947-70E740481C1C}">
-                <a14:useLocalDpi xmlns:a14="http://schemas.microsoft.com/office/drawing/2010/main" val="0"/>
-              </a:ext>
-            </a:extLst>
-          </a:blip>
-          <a:srcRect/>
-          <a:stretch>
-            <a:fillRect/>
-          </a:stretch>
-        </p:blipFill>
-        <p:spPr bwMode="auto">
-          <a:xfrm>
-            <a:off x="1021389" y="2662210"/>
-            <a:ext cx="2249580" cy="1405988"/>
-          </a:xfrm>
-          <a:prstGeom prst="rect">
-            <a:avLst/>
-          </a:prstGeom>
-          <a:noFill/>
-          <a:extLst>
-            <a:ext uri="{909E8E84-426E-40DD-AFC4-6F175D3DCCD1}">
-              <a14:hiddenFill xmlns:a14="http://schemas.microsoft.com/office/drawing/2010/main">
-                <a:solidFill>
-                  <a:srgbClr val="FFFFFF"/>
-                </a:solidFill>
-              </a14:hiddenFill>
-            </a:ext>
-          </a:extLst>
-        </p:spPr>
-      </p:pic>
-      <p:pic>
-        <p:nvPicPr>
-          <p:cNvPr id="3084" name="Picture 12" descr="python celery Reviews 2023: Details, Pricing, &amp; Features | G2">
-            <a:extLst>
-              <a:ext uri="{FF2B5EF4-FFF2-40B4-BE49-F238E27FC236}">
-                <a16:creationId xmlns:a16="http://schemas.microsoft.com/office/drawing/2014/main" id="{C4502099-E72C-02CD-60A7-8D3CD76D14E4}"/>
-              </a:ext>
-            </a:extLst>
-          </p:cNvPr>
-          <p:cNvPicPr>
-            <a:picLocks noChangeAspect="1" noChangeArrowheads="1"/>
-          </p:cNvPicPr>
-          <p:nvPr/>
-        </p:nvPicPr>
-        <p:blipFill>
-          <a:blip r:embed="rId8" cstate="print">
-            <a:extLst>
-              <a:ext uri="{28A0092B-C50C-407E-A947-70E740481C1C}">
-                <a14:useLocalDpi xmlns:a14="http://schemas.microsoft.com/office/drawing/2010/main" val="0"/>
-              </a:ext>
-            </a:extLst>
-          </a:blip>
-          <a:srcRect/>
-          <a:stretch>
-            <a:fillRect/>
-          </a:stretch>
-        </p:blipFill>
-        <p:spPr bwMode="auto">
-          <a:xfrm>
-            <a:off x="1006308" y="1542760"/>
-            <a:ext cx="2171528" cy="1140052"/>
-          </a:xfrm>
-          <a:prstGeom prst="rect">
-            <a:avLst/>
-          </a:prstGeom>
-          <a:noFill/>
-          <a:extLst>
-            <a:ext uri="{909E8E84-426E-40DD-AFC4-6F175D3DCCD1}">
-              <a14:hiddenFill xmlns:a14="http://schemas.microsoft.com/office/drawing/2010/main">
-                <a:solidFill>
-                  <a:srgbClr val="FFFFFF"/>
-                </a:solidFill>
-              </a14:hiddenFill>
-            </a:ext>
-          </a:extLst>
-        </p:spPr>
-      </p:pic>
-      <p:pic>
-        <p:nvPicPr>
-          <p:cNvPr id="3090" name="Picture 18" descr="Разработка дизайна на PyQt для ваших программ за 2 000 руб., исполнитель  Кирилл Чеглов (kirilcheglov) – Kwork">
-            <a:extLst>
-              <a:ext uri="{FF2B5EF4-FFF2-40B4-BE49-F238E27FC236}">
-                <a16:creationId xmlns:a16="http://schemas.microsoft.com/office/drawing/2014/main" id="{A87E3E3E-888D-A04D-0A08-9A71A8156DB8}"/>
-              </a:ext>
-            </a:extLst>
-          </p:cNvPr>
-          <p:cNvPicPr>
-            <a:picLocks noChangeAspect="1" noChangeArrowheads="1"/>
-          </p:cNvPicPr>
-          <p:nvPr/>
-        </p:nvPicPr>
-        <p:blipFill>
-          <a:blip r:embed="rId9" cstate="print">
-            <a:extLst>
-              <a:ext uri="{28A0092B-C50C-407E-A947-70E740481C1C}">
-                <a14:useLocalDpi xmlns:a14="http://schemas.microsoft.com/office/drawing/2010/main" val="0"/>
-              </a:ext>
-            </a:extLst>
-          </a:blip>
-          <a:srcRect/>
-          <a:stretch>
-            <a:fillRect/>
-          </a:stretch>
-        </p:blipFill>
-        <p:spPr bwMode="auto">
-          <a:xfrm>
-            <a:off x="6310979" y="995763"/>
-            <a:ext cx="2065617" cy="1377078"/>
-          </a:xfrm>
-          <a:prstGeom prst="rect">
-            <a:avLst/>
-          </a:prstGeom>
-          <a:noFill/>
-          <a:extLst>
-            <a:ext uri="{909E8E84-426E-40DD-AFC4-6F175D3DCCD1}">
-              <a14:hiddenFill xmlns:a14="http://schemas.microsoft.com/office/drawing/2010/main">
-                <a:solidFill>
-                  <a:srgbClr val="FFFFFF"/>
-                </a:solidFill>
-              </a14:hiddenFill>
-            </a:ext>
-          </a:extLst>
-        </p:spPr>
-      </p:pic>
-      <p:pic>
-        <p:nvPicPr>
-          <p:cNvPr id="3086" name="Picture 14">
-            <a:extLst>
-              <a:ext uri="{FF2B5EF4-FFF2-40B4-BE49-F238E27FC236}">
-                <a16:creationId xmlns:a16="http://schemas.microsoft.com/office/drawing/2014/main" id="{61A73400-FBFA-CE6B-2F5C-8CCBAA2D5B43}"/>
-              </a:ext>
-            </a:extLst>
-          </p:cNvPr>
-          <p:cNvPicPr>
-            <a:picLocks noChangeAspect="1" noChangeArrowheads="1"/>
-          </p:cNvPicPr>
-          <p:nvPr/>
-        </p:nvPicPr>
-        <p:blipFill>
-          <a:blip r:embed="rId10" cstate="print">
-            <a:extLst>
-              <a:ext uri="{28A0092B-C50C-407E-A947-70E740481C1C}">
-                <a14:useLocalDpi xmlns:a14="http://schemas.microsoft.com/office/drawing/2010/main" val="0"/>
-              </a:ext>
-            </a:extLst>
-          </a:blip>
-          <a:srcRect/>
-          <a:stretch>
-            <a:fillRect/>
-          </a:stretch>
-        </p:blipFill>
-        <p:spPr bwMode="auto">
-          <a:xfrm>
-            <a:off x="1292375" y="4244819"/>
-            <a:ext cx="3279625" cy="717418"/>
-          </a:xfrm>
-          <a:prstGeom prst="rect">
-            <a:avLst/>
-          </a:prstGeom>
-          <a:noFill/>
-          <a:extLst>
-            <a:ext uri="{909E8E84-426E-40DD-AFC4-6F175D3DCCD1}">
-              <a14:hiddenFill xmlns:a14="http://schemas.microsoft.com/office/drawing/2010/main">
-                <a:solidFill>
-                  <a:srgbClr val="FFFFFF"/>
-                </a:solidFill>
-              </a14:hiddenFill>
-            </a:ext>
-          </a:extLst>
-        </p:spPr>
-      </p:pic>
-      <p:pic>
-        <p:nvPicPr>
-          <p:cNvPr id="1030" name="Picture 6" descr="в PostgreSQL вертикальная логотип - Социальные медиа и логотипы Иконки">
-            <a:extLst>
-              <a:ext uri="{FF2B5EF4-FFF2-40B4-BE49-F238E27FC236}">
-                <a16:creationId xmlns:a16="http://schemas.microsoft.com/office/drawing/2014/main" id="{7D8C7E4D-1B78-4292-1B2C-A2A7098D4A90}"/>
-              </a:ext>
-            </a:extLst>
-          </p:cNvPr>
-          <p:cNvPicPr>
-            <a:picLocks noChangeAspect="1" noChangeArrowheads="1"/>
-          </p:cNvPicPr>
-          <p:nvPr/>
-        </p:nvPicPr>
-        <p:blipFill>
-          <a:blip r:embed="rId11" cstate="print">
-            <a:extLst>
-              <a:ext uri="{28A0092B-C50C-407E-A947-70E740481C1C}">
-                <a14:useLocalDpi xmlns:a14="http://schemas.microsoft.com/office/drawing/2010/main" val="0"/>
-              </a:ext>
-            </a:extLst>
-          </a:blip>
-          <a:srcRect/>
-          <a:stretch>
-            <a:fillRect/>
-          </a:stretch>
-        </p:blipFill>
-        <p:spPr bwMode="auto">
-          <a:xfrm>
-            <a:off x="6834255" y="3227480"/>
-            <a:ext cx="1973768" cy="1734757"/>
-          </a:xfrm>
-          <a:prstGeom prst="rect">
-            <a:avLst/>
-          </a:prstGeom>
-          <a:noFill/>
-          <a:extLst>
-            <a:ext uri="{909E8E84-426E-40DD-AFC4-6F175D3DCCD1}">
-              <a14:hiddenFill xmlns:a14="http://schemas.microsoft.com/office/drawing/2010/main">
-                <a:solidFill>
-                  <a:srgbClr val="FFFFFF"/>
-                </a:solidFill>
-              </a14:hiddenFill>
-            </a:ext>
-          </a:extLst>
-        </p:spPr>
-      </p:pic>
-      <p:pic>
-        <p:nvPicPr>
-          <p:cNvPr id="1032" name="Picture 8">
-            <a:extLst>
-              <a:ext uri="{FF2B5EF4-FFF2-40B4-BE49-F238E27FC236}">
-                <a16:creationId xmlns:a16="http://schemas.microsoft.com/office/drawing/2014/main" id="{4D4BFB5B-6A68-3B5F-3501-90B8F09B8FD6}"/>
-              </a:ext>
-            </a:extLst>
-          </p:cNvPr>
-          <p:cNvPicPr>
-            <a:picLocks noChangeAspect="1" noChangeArrowheads="1"/>
-          </p:cNvPicPr>
-          <p:nvPr/>
-        </p:nvPicPr>
-        <p:blipFill>
-          <a:blip r:embed="rId12" cstate="print">
-            <a:extLst>
-              <a:ext uri="{28A0092B-C50C-407E-A947-70E740481C1C}">
-                <a14:useLocalDpi xmlns:a14="http://schemas.microsoft.com/office/drawing/2010/main" val="0"/>
-              </a:ext>
-            </a:extLst>
-          </a:blip>
-          <a:srcRect/>
-          <a:stretch>
-            <a:fillRect/>
-          </a:stretch>
-        </p:blipFill>
-        <p:spPr bwMode="auto">
-          <a:xfrm>
-            <a:off x="6010401" y="2228524"/>
-            <a:ext cx="2838604" cy="765339"/>
-          </a:xfrm>
-          <a:prstGeom prst="rect">
-            <a:avLst/>
-          </a:prstGeom>
-          <a:noFill/>
-          <a:extLst>
-            <a:ext uri="{909E8E84-426E-40DD-AFC4-6F175D3DCCD1}">
-              <a14:hiddenFill xmlns:a14="http://schemas.microsoft.com/office/drawing/2010/main">
-                <a:solidFill>
-                  <a:srgbClr val="FFFFFF"/>
-                </a:solidFill>
-              </a14:hiddenFill>
-            </a:ext>
-          </a:extLst>
         </p:spPr>
       </p:pic>
     </p:spTree>
     <p:extLst>
       <p:ext uri="{BB962C8B-B14F-4D97-AF65-F5344CB8AC3E}">
-        <p14:creationId xmlns:p14="http://schemas.microsoft.com/office/powerpoint/2010/main" val="2644258988"/>
+        <p14:creationId xmlns:p14="http://schemas.microsoft.com/office/powerpoint/2010/main" val="862338080"/>
       </p:ext>
     </p:extLst>
   </p:cSld>
@@ -11132,9 +14467,12 @@
 </file>
 
 <file path=customXml/item1.xml><?xml version="1.0" encoding="utf-8"?>
-<p:properties xmlns:p="http://schemas.microsoft.com/office/2006/metadata/properties" xmlns:xsi="http://www.w3.org/2001/XMLSchema-instance" xmlns:pc="http://schemas.microsoft.com/office/infopath/2007/PartnerControls">
-  <documentManagement/>
-</p:properties>
+<?mso-contentType ?>
+<FormTemplates xmlns="http://schemas.microsoft.com/sharepoint/v3/contenttype/forms">
+  <Display>DocumentLibraryForm</Display>
+  <Edit>DocumentLibraryForm</Edit>
+  <New>DocumentLibraryForm</New>
+</FormTemplates>
 </file>
 
 <file path=customXml/item2.xml><?xml version="1.0" encoding="utf-8"?>
@@ -11321,27 +14659,15 @@
 </file>
 
 <file path=customXml/item3.xml><?xml version="1.0" encoding="utf-8"?>
-<?mso-contentType ?>
-<FormTemplates xmlns="http://schemas.microsoft.com/sharepoint/v3/contenttype/forms">
-  <Display>DocumentLibraryForm</Display>
-  <Edit>DocumentLibraryForm</Edit>
-  <New>DocumentLibraryForm</New>
-</FormTemplates>
+<p:properties xmlns:p="http://schemas.microsoft.com/office/2006/metadata/properties" xmlns:xsi="http://www.w3.org/2001/XMLSchema-instance" xmlns:pc="http://schemas.microsoft.com/office/infopath/2007/PartnerControls">
+  <documentManagement/>
+</p:properties>
 </file>
 
 <file path=customXml/itemProps1.xml><?xml version="1.0" encoding="utf-8"?>
-<ds:datastoreItem xmlns:ds="http://schemas.openxmlformats.org/officeDocument/2006/customXml" ds:itemID="{35B6CE44-0568-487F-BE1E-FC45AA4EFF76}">
+<ds:datastoreItem xmlns:ds="http://schemas.openxmlformats.org/officeDocument/2006/customXml" ds:itemID="{CAAF2C28-1827-4BCC-B414-EB2F89C57B75}">
   <ds:schemaRefs>
-    <ds:schemaRef ds:uri="http://schemas.microsoft.com/office/2006/documentManagement/types"/>
-    <ds:schemaRef ds:uri="fcaab6d1-37a5-4e28-832d-b92ad0784795"/>
-    <ds:schemaRef ds:uri="http://purl.org/dc/elements/1.1/"/>
-    <ds:schemaRef ds:uri="http://schemas.openxmlformats.org/package/2006/metadata/core-properties"/>
-    <ds:schemaRef ds:uri="http://schemas.microsoft.com/office/infopath/2007/PartnerControls"/>
-    <ds:schemaRef ds:uri="http://purl.org/dc/terms/"/>
-    <ds:schemaRef ds:uri="e58ad252-f632-4e75-8ff2-30a5ccb86b81"/>
-    <ds:schemaRef ds:uri="http://schemas.microsoft.com/office/2006/metadata/properties"/>
-    <ds:schemaRef ds:uri="http://www.w3.org/XML/1998/namespace"/>
-    <ds:schemaRef ds:uri="http://purl.org/dc/dcmitype/"/>
+    <ds:schemaRef ds:uri="http://schemas.microsoft.com/sharepoint/v3/contenttype/forms"/>
   </ds:schemaRefs>
 </ds:datastoreItem>
 </file>
@@ -11366,9 +14692,18 @@
 </file>
 
 <file path=customXml/itemProps3.xml><?xml version="1.0" encoding="utf-8"?>
-<ds:datastoreItem xmlns:ds="http://schemas.openxmlformats.org/officeDocument/2006/customXml" ds:itemID="{CAAF2C28-1827-4BCC-B414-EB2F89C57B75}">
+<ds:datastoreItem xmlns:ds="http://schemas.openxmlformats.org/officeDocument/2006/customXml" ds:itemID="{35B6CE44-0568-487F-BE1E-FC45AA4EFF76}">
   <ds:schemaRefs>
-    <ds:schemaRef ds:uri="http://schemas.microsoft.com/sharepoint/v3/contenttype/forms"/>
+    <ds:schemaRef ds:uri="http://schemas.microsoft.com/office/2006/documentManagement/types"/>
+    <ds:schemaRef ds:uri="fcaab6d1-37a5-4e28-832d-b92ad0784795"/>
+    <ds:schemaRef ds:uri="http://purl.org/dc/elements/1.1/"/>
+    <ds:schemaRef ds:uri="http://schemas.openxmlformats.org/package/2006/metadata/core-properties"/>
+    <ds:schemaRef ds:uri="http://schemas.microsoft.com/office/infopath/2007/PartnerControls"/>
+    <ds:schemaRef ds:uri="http://purl.org/dc/terms/"/>
+    <ds:schemaRef ds:uri="e58ad252-f632-4e75-8ff2-30a5ccb86b81"/>
+    <ds:schemaRef ds:uri="http://schemas.microsoft.com/office/2006/metadata/properties"/>
+    <ds:schemaRef ds:uri="http://www.w3.org/XML/1998/namespace"/>
+    <ds:schemaRef ds:uri="http://purl.org/dc/dcmitype/"/>
   </ds:schemaRefs>
 </ds:datastoreItem>
 </file>